--- a/presentation_pp.pptx
+++ b/presentation_pp.pptx
@@ -2,28 +2,32 @@
 <file path=ppt/presentation.xml><?xml version="1.0" encoding="utf-8"?>
 <p:presentation xmlns:a="http://schemas.openxmlformats.org/drawingml/2006/main" xmlns:r="http://schemas.openxmlformats.org/officeDocument/2006/relationships" xmlns:p="http://schemas.openxmlformats.org/presentationml/2006/main">
   <p:sldMasterIdLst>
-    <p:sldMasterId id="2147483648" r:id="rId5"/>
+    <p:sldMasterId id="2147483648" r:id="rId1"/>
   </p:sldMasterIdLst>
   <p:notesMasterIdLst>
-    <p:notesMasterId r:id="rId7"/>
+    <p:notesMasterId r:id="rId22"/>
   </p:notesMasterIdLst>
   <p:sldIdLst>
-    <p:sldId id="256" r:id="rId8"/>
-    <p:sldId id="257" r:id="rId9"/>
-    <p:sldId id="258" r:id="rId10"/>
-    <p:sldId id="259" r:id="rId11"/>
-    <p:sldId id="260" r:id="rId12"/>
-    <p:sldId id="261" r:id="rId13"/>
-    <p:sldId id="262" r:id="rId14"/>
-    <p:sldId id="263" r:id="rId15"/>
-    <p:sldId id="264" r:id="rId16"/>
-    <p:sldId id="265" r:id="rId17"/>
-    <p:sldId id="266" r:id="rId18"/>
-    <p:sldId id="267" r:id="rId19"/>
-    <p:sldId id="268" r:id="rId20"/>
-    <p:sldId id="269" r:id="rId21"/>
-    <p:sldId id="270" r:id="rId22"/>
-    <p:sldId id="271" r:id="rId23"/>
+    <p:sldId id="256" r:id="rId2"/>
+    <p:sldId id="257" r:id="rId3"/>
+    <p:sldId id="258" r:id="rId4"/>
+    <p:sldId id="259" r:id="rId5"/>
+    <p:sldId id="260" r:id="rId6"/>
+    <p:sldId id="261" r:id="rId7"/>
+    <p:sldId id="262" r:id="rId8"/>
+    <p:sldId id="263" r:id="rId9"/>
+    <p:sldId id="264" r:id="rId10"/>
+    <p:sldId id="272" r:id="rId11"/>
+    <p:sldId id="273" r:id="rId12"/>
+    <p:sldId id="277" r:id="rId13"/>
+    <p:sldId id="275" r:id="rId14"/>
+    <p:sldId id="276" r:id="rId15"/>
+    <p:sldId id="266" r:id="rId16"/>
+    <p:sldId id="267" r:id="rId17"/>
+    <p:sldId id="268" r:id="rId18"/>
+    <p:sldId id="269" r:id="rId19"/>
+    <p:sldId id="270" r:id="rId20"/>
+    <p:sldId id="271" r:id="rId21"/>
   </p:sldIdLst>
   <p:sldSz cx="13004800" cy="9753600"/>
   <p:notesSz cx="6858000" cy="9144000"/>
@@ -128,16 +132,22 @@
       </a:defRPr>
     </a:lvl9pPr>
   </p:defaultTextStyle>
+  <p:extLst>
+    <p:ext uri="{EFAFB233-063F-42B5-8137-9DF3F51BA10A}">
+      <p15:sldGuideLst xmlns:p15="http://schemas.microsoft.com/office/powerpoint/2012/main"/>
+    </p:ext>
+  </p:extLst>
 </p:presentation>
-</file>
-
-<file path=ppt/commentAuthors.xml><?xml version="1.0" encoding="utf-8"?>
-<p:cmAuthorLst xmlns:a="http://schemas.openxmlformats.org/drawingml/2006/main" xmlns:r="http://schemas.openxmlformats.org/officeDocument/2006/relationships" xmlns:p="http://schemas.openxmlformats.org/presentationml/2006/main"/>
 </file>
 
 <file path=ppt/notesMasters/notesMaster1.xml><?xml version="1.0" encoding="utf-8"?>
 <p:notesMaster xmlns:a="http://schemas.openxmlformats.org/drawingml/2006/main" xmlns:r="http://schemas.openxmlformats.org/officeDocument/2006/relationships" xmlns:p="http://schemas.openxmlformats.org/presentationml/2006/main">
   <p:cSld>
+    <p:bg>
+      <p:bgRef idx="1001">
+        <a:schemeClr val="bg1"/>
+      </p:bgRef>
+    </p:bg>
     <p:spTree>
       <p:nvGrpSpPr>
         <p:cNvPr id="1" name=""/>
@@ -155,7 +165,9 @@
       <p:sp>
         <p:nvSpPr>
           <p:cNvPr id="55" name="Shape 55"/>
-          <p:cNvSpPr/>
+          <p:cNvSpPr>
+            <a:spLocks noGrp="1" noRot="1" noChangeAspect="1"/>
+          </p:cNvSpPr>
           <p:nvPr>
             <p:ph type="sldImg"/>
           </p:nvPr>
@@ -174,13 +186,16 @@
           <a:lstStyle/>
           <a:p>
             <a:pPr lvl="0"/>
+            <a:endParaRPr/>
           </a:p>
         </p:txBody>
       </p:sp>
       <p:sp>
         <p:nvSpPr>
           <p:cNvPr id="56" name="Shape 56"/>
-          <p:cNvSpPr/>
+          <p:cNvSpPr>
+            <a:spLocks noGrp="1"/>
+          </p:cNvSpPr>
           <p:nvPr>
             <p:ph type="body" sz="quarter" idx="1"/>
           </p:nvPr>
@@ -199,10 +214,16 @@
           <a:lstStyle/>
           <a:p>
             <a:pPr lvl="0"/>
+            <a:endParaRPr/>
           </a:p>
         </p:txBody>
       </p:sp>
     </p:spTree>
+    <p:extLst>
+      <p:ext uri="{BB962C8B-B14F-4D97-AF65-F5344CB8AC3E}">
+        <p14:creationId xmlns:p14="http://schemas.microsoft.com/office/powerpoint/2010/main" val="1962100079"/>
+      </p:ext>
+    </p:extLst>
   </p:cSld>
   <p:clrMap bg1="lt1" tx1="dk1" bg2="lt2" tx2="dk2" accent1="accent1" accent2="accent2" accent3="accent3" accent4="accent4" accent5="accent5" accent6="accent6" hlink="hlink" folHlink="folHlink"/>
   <p:notesStyle>
@@ -310,17 +331,18 @@
 </file>
 
 <file path=ppt/slideLayouts/slideLayout1.xml><?xml version="1.0" encoding="utf-8"?>
-<p:sldLayout xmlns:a="http://schemas.openxmlformats.org/drawingml/2006/main" xmlns:r="http://schemas.openxmlformats.org/officeDocument/2006/relationships" xmlns:p="http://schemas.openxmlformats.org/presentationml/2006/main" type="tx" showMasterSp="0" showMasterPhAnim="1">
+<p:sldLayout xmlns:a="http://schemas.openxmlformats.org/drawingml/2006/main" xmlns:r="http://schemas.openxmlformats.org/officeDocument/2006/relationships" xmlns:p="http://schemas.openxmlformats.org/presentationml/2006/main" showMasterSp="0" type="tx">
   <p:cSld name="Title &amp; Subtitle">
     <p:bg>
       <p:bgPr>
         <a:blipFill rotWithShape="1">
           <a:blip r:embed="rId2"/>
-          <a:srcRect l="0" t="0" r="0" b="0"/>
+          <a:srcRect/>
           <a:stretch>
             <a:fillRect/>
           </a:stretch>
         </a:blipFill>
+        <a:effectLst/>
       </p:bgPr>
     </p:bg>
     <p:spTree>
@@ -368,7 +390,7 @@
             </a:cxnLst>
             <a:rect l="0" t="0" r="r" b="b"/>
             <a:pathLst>
-              <a:path w="21600" h="0" fill="norm" stroke="1" extrusionOk="0">
+              <a:path w="21600" extrusionOk="0">
                 <a:moveTo>
                   <a:pt x="0" y="0"/>
                 </a:moveTo>
@@ -409,6 +431,7 @@
                 <a:sym typeface="Helvetica"/>
               </a:defRPr>
             </a:pPr>
+            <a:endParaRPr/>
           </a:p>
         </p:txBody>
       </p:sp>
@@ -443,7 +466,7 @@
             </a:cxnLst>
             <a:rect l="0" t="0" r="r" b="b"/>
             <a:pathLst>
-              <a:path w="21600" h="0" fill="norm" stroke="1" extrusionOk="0">
+              <a:path w="21600" extrusionOk="0">
                 <a:moveTo>
                   <a:pt x="0" y="0"/>
                 </a:moveTo>
@@ -484,6 +507,7 @@
                 <a:sym typeface="Helvetica"/>
               </a:defRPr>
             </a:pPr>
+            <a:endParaRPr/>
           </a:p>
         </p:txBody>
       </p:sp>
@@ -518,7 +542,7 @@
             </a:cxnLst>
             <a:rect l="0" t="0" r="r" b="b"/>
             <a:pathLst>
-              <a:path w="21600" h="0" fill="norm" stroke="1" extrusionOk="0">
+              <a:path w="21600" extrusionOk="0">
                 <a:moveTo>
                   <a:pt x="0" y="0"/>
                 </a:moveTo>
@@ -559,13 +583,16 @@
                 <a:sym typeface="Helvetica"/>
               </a:defRPr>
             </a:pPr>
+            <a:endParaRPr/>
           </a:p>
         </p:txBody>
       </p:sp>
       <p:sp>
         <p:nvSpPr>
           <p:cNvPr id="10" name="Shape 10"/>
-          <p:cNvSpPr/>
+          <p:cNvSpPr>
+            <a:spLocks noGrp="1"/>
+          </p:cNvSpPr>
           <p:nvPr>
             <p:ph type="title"/>
           </p:nvPr>
@@ -606,7 +633,9 @@
       <p:sp>
         <p:nvSpPr>
           <p:cNvPr id="11" name="Shape 11"/>
-          <p:cNvSpPr/>
+          <p:cNvSpPr>
+            <a:spLocks noGrp="1"/>
+          </p:cNvSpPr>
           <p:nvPr>
             <p:ph type="body" idx="1"/>
           </p:nvPr>
@@ -690,11 +719,6 @@
               </a:rPr>
               <a:t>Body Level One</a:t>
             </a:r>
-            <a:endParaRPr sz="2400">
-              <a:solidFill>
-                <a:srgbClr val="414141"/>
-              </a:solidFill>
-            </a:endParaRPr>
           </a:p>
           <a:p>
             <a:pPr lvl="1">
@@ -712,11 +736,6 @@
               </a:rPr>
               <a:t>Body Level Two</a:t>
             </a:r>
-            <a:endParaRPr sz="2400">
-              <a:solidFill>
-                <a:srgbClr val="414141"/>
-              </a:solidFill>
-            </a:endParaRPr>
           </a:p>
           <a:p>
             <a:pPr lvl="2">
@@ -734,11 +753,6 @@
               </a:rPr>
               <a:t>Body Level Three</a:t>
             </a:r>
-            <a:endParaRPr sz="2400">
-              <a:solidFill>
-                <a:srgbClr val="414141"/>
-              </a:solidFill>
-            </a:endParaRPr>
           </a:p>
           <a:p>
             <a:pPr lvl="3">
@@ -756,11 +770,6 @@
               </a:rPr>
               <a:t>Body Level Four</a:t>
             </a:r>
-            <a:endParaRPr sz="2400">
-              <a:solidFill>
-                <a:srgbClr val="414141"/>
-              </a:solidFill>
-            </a:endParaRPr>
           </a:p>
           <a:p>
             <a:pPr lvl="4">
@@ -786,22 +795,23 @@
   <p:clrMapOvr>
     <a:masterClrMapping/>
   </p:clrMapOvr>
-  <p:transition spd="med" advClick="1"/>
+  <p:transition spd="med"/>
 </p:sldLayout>
 </file>
 
 <file path=ppt/slideLayouts/slideLayout10.xml><?xml version="1.0" encoding="utf-8"?>
-<p:sldLayout xmlns:a="http://schemas.openxmlformats.org/drawingml/2006/main" xmlns:r="http://schemas.openxmlformats.org/officeDocument/2006/relationships" xmlns:p="http://schemas.openxmlformats.org/presentationml/2006/main" type="tx" showMasterSp="0" showMasterPhAnim="1">
+<p:sldLayout xmlns:a="http://schemas.openxmlformats.org/drawingml/2006/main" xmlns:r="http://schemas.openxmlformats.org/officeDocument/2006/relationships" xmlns:p="http://schemas.openxmlformats.org/presentationml/2006/main" showMasterSp="0" type="tx">
   <p:cSld name="Quote">
     <p:bg>
       <p:bgPr>
         <a:blipFill rotWithShape="1">
           <a:blip r:embed="rId2"/>
-          <a:srcRect l="0" t="0" r="0" b="0"/>
+          <a:srcRect/>
           <a:stretch>
             <a:fillRect/>
           </a:stretch>
         </a:blipFill>
+        <a:effectLst/>
       </p:bgPr>
     </p:bg>
     <p:spTree>
@@ -823,22 +833,23 @@
   <p:clrMapOvr>
     <a:masterClrMapping/>
   </p:clrMapOvr>
-  <p:transition spd="med" advClick="1"/>
+  <p:transition spd="med"/>
 </p:sldLayout>
 </file>
 
 <file path=ppt/slideLayouts/slideLayout11.xml><?xml version="1.0" encoding="utf-8"?>
-<p:sldLayout xmlns:a="http://schemas.openxmlformats.org/drawingml/2006/main" xmlns:r="http://schemas.openxmlformats.org/officeDocument/2006/relationships" xmlns:p="http://schemas.openxmlformats.org/presentationml/2006/main" type="tx" showMasterSp="0" showMasterPhAnim="1">
+<p:sldLayout xmlns:a="http://schemas.openxmlformats.org/drawingml/2006/main" xmlns:r="http://schemas.openxmlformats.org/officeDocument/2006/relationships" xmlns:p="http://schemas.openxmlformats.org/presentationml/2006/main" showMasterSp="0" type="tx">
   <p:cSld name="Photo">
     <p:bg>
       <p:bgPr>
         <a:blipFill rotWithShape="1">
           <a:blip r:embed="rId2"/>
-          <a:srcRect l="0" t="0" r="0" b="0"/>
+          <a:srcRect/>
           <a:stretch>
             <a:fillRect/>
           </a:stretch>
         </a:blipFill>
+        <a:effectLst/>
       </p:bgPr>
     </p:bg>
     <p:spTree>
@@ -860,22 +871,23 @@
   <p:clrMapOvr>
     <a:masterClrMapping/>
   </p:clrMapOvr>
-  <p:transition spd="med" advClick="1"/>
+  <p:transition spd="med"/>
 </p:sldLayout>
 </file>
 
 <file path=ppt/slideLayouts/slideLayout12.xml><?xml version="1.0" encoding="utf-8"?>
-<p:sldLayout xmlns:a="http://schemas.openxmlformats.org/drawingml/2006/main" xmlns:r="http://schemas.openxmlformats.org/officeDocument/2006/relationships" xmlns:p="http://schemas.openxmlformats.org/presentationml/2006/main" type="tx" showMasterSp="0" showMasterPhAnim="1">
+<p:sldLayout xmlns:a="http://schemas.openxmlformats.org/drawingml/2006/main" xmlns:r="http://schemas.openxmlformats.org/officeDocument/2006/relationships" xmlns:p="http://schemas.openxmlformats.org/presentationml/2006/main" showMasterSp="0" type="tx">
   <p:cSld name="Blank">
     <p:bg>
       <p:bgPr>
         <a:blipFill rotWithShape="1">
           <a:blip r:embed="rId2"/>
-          <a:srcRect l="0" t="0" r="0" b="0"/>
+          <a:srcRect/>
           <a:stretch>
             <a:fillRect/>
           </a:stretch>
         </a:blipFill>
+        <a:effectLst/>
       </p:bgPr>
     </p:bg>
     <p:spTree>
@@ -897,12 +909,12 @@
   <p:clrMapOvr>
     <a:masterClrMapping/>
   </p:clrMapOvr>
-  <p:transition spd="med" advClick="1"/>
+  <p:transition spd="med"/>
 </p:sldLayout>
 </file>
 
 <file path=ppt/slideLayouts/slideLayout13.xml><?xml version="1.0" encoding="utf-8"?>
-<p:sldLayout xmlns:a="http://schemas.openxmlformats.org/drawingml/2006/main" xmlns:r="http://schemas.openxmlformats.org/officeDocument/2006/relationships" xmlns:p="http://schemas.openxmlformats.org/presentationml/2006/main" type="tx" showMasterSp="1" showMasterPhAnim="1">
+<p:sldLayout xmlns:a="http://schemas.openxmlformats.org/drawingml/2006/main" xmlns:r="http://schemas.openxmlformats.org/officeDocument/2006/relationships" xmlns:p="http://schemas.openxmlformats.org/presentationml/2006/main" type="tx">
   <p:cSld name="Title, Bullets &amp; Photo">
     <p:spTree>
       <p:nvGrpSpPr>
@@ -921,7 +933,9 @@
       <p:sp>
         <p:nvSpPr>
           <p:cNvPr id="47" name="Shape 47"/>
-          <p:cNvSpPr/>
+          <p:cNvSpPr>
+            <a:spLocks noGrp="1"/>
+          </p:cNvSpPr>
           <p:nvPr>
             <p:ph type="title"/>
           </p:nvPr>
@@ -960,7 +974,9 @@
       <p:sp>
         <p:nvSpPr>
           <p:cNvPr id="48" name="Shape 48"/>
-          <p:cNvSpPr/>
+          <p:cNvSpPr>
+            <a:spLocks noGrp="1"/>
+          </p:cNvSpPr>
           <p:nvPr>
             <p:ph type="body" idx="1"/>
           </p:nvPr>
@@ -1029,11 +1045,6 @@
               </a:rPr>
               <a:t>Body Level One</a:t>
             </a:r>
-            <a:endParaRPr sz="3000">
-              <a:solidFill>
-                <a:srgbClr val="414141"/>
-              </a:solidFill>
-            </a:endParaRPr>
           </a:p>
           <a:p>
             <a:pPr lvl="1">
@@ -1051,11 +1062,6 @@
               </a:rPr>
               <a:t>Body Level Two</a:t>
             </a:r>
-            <a:endParaRPr sz="3000">
-              <a:solidFill>
-                <a:srgbClr val="414141"/>
-              </a:solidFill>
-            </a:endParaRPr>
           </a:p>
           <a:p>
             <a:pPr lvl="2">
@@ -1073,11 +1079,6 @@
               </a:rPr>
               <a:t>Body Level Three</a:t>
             </a:r>
-            <a:endParaRPr sz="3000">
-              <a:solidFill>
-                <a:srgbClr val="414141"/>
-              </a:solidFill>
-            </a:endParaRPr>
           </a:p>
           <a:p>
             <a:pPr lvl="3">
@@ -1095,11 +1096,6 @@
               </a:rPr>
               <a:t>Body Level Four</a:t>
             </a:r>
-            <a:endParaRPr sz="3000">
-              <a:solidFill>
-                <a:srgbClr val="414141"/>
-              </a:solidFill>
-            </a:endParaRPr>
           </a:p>
           <a:p>
             <a:pPr lvl="4">
@@ -1125,12 +1121,12 @@
   <p:clrMapOvr>
     <a:masterClrMapping/>
   </p:clrMapOvr>
-  <p:transition spd="med" advClick="1"/>
+  <p:transition spd="med"/>
 </p:sldLayout>
 </file>
 
 <file path=ppt/slideLayouts/slideLayout14.xml><?xml version="1.0" encoding="utf-8"?>
-<p:sldLayout xmlns:a="http://schemas.openxmlformats.org/drawingml/2006/main" xmlns:r="http://schemas.openxmlformats.org/officeDocument/2006/relationships" xmlns:p="http://schemas.openxmlformats.org/presentationml/2006/main" type="tx" showMasterSp="1" showMasterPhAnim="1">
+<p:sldLayout xmlns:a="http://schemas.openxmlformats.org/drawingml/2006/main" xmlns:r="http://schemas.openxmlformats.org/officeDocument/2006/relationships" xmlns:p="http://schemas.openxmlformats.org/presentationml/2006/main" type="tx">
   <p:cSld name="Title &amp; Bullets">
     <p:spTree>
       <p:nvGrpSpPr>
@@ -1149,7 +1145,9 @@
       <p:sp>
         <p:nvSpPr>
           <p:cNvPr id="50" name="Shape 50"/>
-          <p:cNvSpPr/>
+          <p:cNvSpPr>
+            <a:spLocks noGrp="1"/>
+          </p:cNvSpPr>
           <p:nvPr>
             <p:ph type="title"/>
           </p:nvPr>
@@ -1184,7 +1182,9 @@
       <p:sp>
         <p:nvSpPr>
           <p:cNvPr id="51" name="Shape 51"/>
-          <p:cNvSpPr/>
+          <p:cNvSpPr>
+            <a:spLocks noGrp="1"/>
+          </p:cNvSpPr>
           <p:nvPr>
             <p:ph type="body" idx="1"/>
           </p:nvPr>
@@ -1213,11 +1213,6 @@
               </a:rPr>
               <a:t>Body Level One</a:t>
             </a:r>
-            <a:endParaRPr sz="3600">
-              <a:solidFill>
-                <a:srgbClr val="414141"/>
-              </a:solidFill>
-            </a:endParaRPr>
           </a:p>
           <a:p>
             <a:pPr lvl="1">
@@ -1235,11 +1230,6 @@
               </a:rPr>
               <a:t>Body Level Two</a:t>
             </a:r>
-            <a:endParaRPr sz="3600">
-              <a:solidFill>
-                <a:srgbClr val="414141"/>
-              </a:solidFill>
-            </a:endParaRPr>
           </a:p>
           <a:p>
             <a:pPr lvl="2">
@@ -1257,11 +1247,6 @@
               </a:rPr>
               <a:t>Body Level Three</a:t>
             </a:r>
-            <a:endParaRPr sz="3600">
-              <a:solidFill>
-                <a:srgbClr val="414141"/>
-              </a:solidFill>
-            </a:endParaRPr>
           </a:p>
           <a:p>
             <a:pPr lvl="3">
@@ -1279,11 +1264,6 @@
               </a:rPr>
               <a:t>Body Level Four</a:t>
             </a:r>
-            <a:endParaRPr sz="3600">
-              <a:solidFill>
-                <a:srgbClr val="414141"/>
-              </a:solidFill>
-            </a:endParaRPr>
           </a:p>
           <a:p>
             <a:pPr lvl="4">
@@ -1309,12 +1289,12 @@
   <p:clrMapOvr>
     <a:masterClrMapping/>
   </p:clrMapOvr>
-  <p:transition spd="med" advClick="1"/>
+  <p:transition spd="med"/>
 </p:sldLayout>
 </file>
 
 <file path=ppt/slideLayouts/slideLayout15.xml><?xml version="1.0" encoding="utf-8"?>
-<p:sldLayout xmlns:a="http://schemas.openxmlformats.org/drawingml/2006/main" xmlns:r="http://schemas.openxmlformats.org/officeDocument/2006/relationships" xmlns:p="http://schemas.openxmlformats.org/presentationml/2006/main" type="tx" showMasterSp="1" showMasterPhAnim="1">
+<p:sldLayout xmlns:a="http://schemas.openxmlformats.org/drawingml/2006/main" xmlns:r="http://schemas.openxmlformats.org/officeDocument/2006/relationships" xmlns:p="http://schemas.openxmlformats.org/presentationml/2006/main" type="tx">
   <p:cSld name="Title &amp; Bullets">
     <p:spTree>
       <p:nvGrpSpPr>
@@ -1333,7 +1313,9 @@
       <p:sp>
         <p:nvSpPr>
           <p:cNvPr id="53" name="Shape 53"/>
-          <p:cNvSpPr/>
+          <p:cNvSpPr>
+            <a:spLocks noGrp="1"/>
+          </p:cNvSpPr>
           <p:nvPr>
             <p:ph type="title"/>
           </p:nvPr>
@@ -1368,7 +1350,9 @@
       <p:sp>
         <p:nvSpPr>
           <p:cNvPr id="54" name="Shape 54"/>
-          <p:cNvSpPr/>
+          <p:cNvSpPr>
+            <a:spLocks noGrp="1"/>
+          </p:cNvSpPr>
           <p:nvPr>
             <p:ph type="body" idx="1"/>
           </p:nvPr>
@@ -1397,11 +1381,6 @@
               </a:rPr>
               <a:t>Body Level One</a:t>
             </a:r>
-            <a:endParaRPr sz="3600">
-              <a:solidFill>
-                <a:srgbClr val="414141"/>
-              </a:solidFill>
-            </a:endParaRPr>
           </a:p>
           <a:p>
             <a:pPr lvl="1">
@@ -1419,11 +1398,6 @@
               </a:rPr>
               <a:t>Body Level Two</a:t>
             </a:r>
-            <a:endParaRPr sz="3600">
-              <a:solidFill>
-                <a:srgbClr val="414141"/>
-              </a:solidFill>
-            </a:endParaRPr>
           </a:p>
           <a:p>
             <a:pPr lvl="2">
@@ -1441,11 +1415,6 @@
               </a:rPr>
               <a:t>Body Level Three</a:t>
             </a:r>
-            <a:endParaRPr sz="3600">
-              <a:solidFill>
-                <a:srgbClr val="414141"/>
-              </a:solidFill>
-            </a:endParaRPr>
           </a:p>
           <a:p>
             <a:pPr lvl="3">
@@ -1463,11 +1432,6 @@
               </a:rPr>
               <a:t>Body Level Four</a:t>
             </a:r>
-            <a:endParaRPr sz="3600">
-              <a:solidFill>
-                <a:srgbClr val="414141"/>
-              </a:solidFill>
-            </a:endParaRPr>
           </a:p>
           <a:p>
             <a:pPr lvl="4">
@@ -1493,22 +1457,23 @@
   <p:clrMapOvr>
     <a:masterClrMapping/>
   </p:clrMapOvr>
-  <p:transition spd="med" advClick="1"/>
+  <p:transition spd="med"/>
 </p:sldLayout>
 </file>
 
 <file path=ppt/slideLayouts/slideLayout2.xml><?xml version="1.0" encoding="utf-8"?>
-<p:sldLayout xmlns:a="http://schemas.openxmlformats.org/drawingml/2006/main" xmlns:r="http://schemas.openxmlformats.org/officeDocument/2006/relationships" xmlns:p="http://schemas.openxmlformats.org/presentationml/2006/main" type="tx" showMasterSp="0" showMasterPhAnim="1">
+<p:sldLayout xmlns:a="http://schemas.openxmlformats.org/drawingml/2006/main" xmlns:r="http://schemas.openxmlformats.org/officeDocument/2006/relationships" xmlns:p="http://schemas.openxmlformats.org/presentationml/2006/main" showMasterSp="0" type="tx">
   <p:cSld name="Photo - Horizontal">
     <p:bg>
       <p:bgPr>
         <a:blipFill rotWithShape="1">
           <a:blip r:embed="rId2"/>
-          <a:srcRect l="0" t="0" r="0" b="0"/>
+          <a:srcRect/>
           <a:stretch>
             <a:fillRect/>
           </a:stretch>
         </a:blipFill>
+        <a:effectLst/>
       </p:bgPr>
     </p:bg>
     <p:spTree>
@@ -1556,7 +1521,7 @@
             </a:cxnLst>
             <a:rect l="0" t="0" r="r" b="b"/>
             <a:pathLst>
-              <a:path w="21600" h="0" fill="norm" stroke="1" extrusionOk="0">
+              <a:path w="21600" extrusionOk="0">
                 <a:moveTo>
                   <a:pt x="0" y="0"/>
                 </a:moveTo>
@@ -1597,6 +1562,7 @@
                 <a:sym typeface="Helvetica"/>
               </a:defRPr>
             </a:pPr>
+            <a:endParaRPr/>
           </a:p>
         </p:txBody>
       </p:sp>
@@ -1631,7 +1597,7 @@
             </a:cxnLst>
             <a:rect l="0" t="0" r="r" b="b"/>
             <a:pathLst>
-              <a:path w="21600" h="0" fill="norm" stroke="1" extrusionOk="0">
+              <a:path w="21600" extrusionOk="0">
                 <a:moveTo>
                   <a:pt x="0" y="0"/>
                 </a:moveTo>
@@ -1672,6 +1638,7 @@
                 <a:sym typeface="Helvetica"/>
               </a:defRPr>
             </a:pPr>
+            <a:endParaRPr/>
           </a:p>
         </p:txBody>
       </p:sp>
@@ -1706,7 +1673,7 @@
             </a:cxnLst>
             <a:rect l="0" t="0" r="r" b="b"/>
             <a:pathLst>
-              <a:path w="21600" h="0" fill="norm" stroke="1" extrusionOk="0">
+              <a:path w="21600" extrusionOk="0">
                 <a:moveTo>
                   <a:pt x="0" y="0"/>
                 </a:moveTo>
@@ -1747,6 +1714,7 @@
                 <a:sym typeface="Helvetica"/>
               </a:defRPr>
             </a:pPr>
+            <a:endParaRPr/>
           </a:p>
         </p:txBody>
       </p:sp>
@@ -1781,7 +1749,7 @@
             </a:cxnLst>
             <a:rect l="0" t="0" r="r" b="b"/>
             <a:pathLst>
-              <a:path w="21600" h="0" fill="norm" stroke="1" extrusionOk="0">
+              <a:path w="21600" extrusionOk="0">
                 <a:moveTo>
                   <a:pt x="0" y="0"/>
                 </a:moveTo>
@@ -1822,13 +1790,16 @@
                 <a:sym typeface="Helvetica"/>
               </a:defRPr>
             </a:pPr>
+            <a:endParaRPr/>
           </a:p>
         </p:txBody>
       </p:sp>
       <p:sp>
         <p:nvSpPr>
           <p:cNvPr id="17" name="Shape 17"/>
-          <p:cNvSpPr/>
+          <p:cNvSpPr>
+            <a:spLocks noGrp="1"/>
+          </p:cNvSpPr>
           <p:nvPr>
             <p:ph type="title"/>
           </p:nvPr>
@@ -1869,7 +1840,9 @@
       <p:sp>
         <p:nvSpPr>
           <p:cNvPr id="18" name="Shape 18"/>
-          <p:cNvSpPr/>
+          <p:cNvSpPr>
+            <a:spLocks noGrp="1"/>
+          </p:cNvSpPr>
           <p:nvPr>
             <p:ph type="body" idx="1"/>
           </p:nvPr>
@@ -1953,11 +1926,6 @@
               </a:rPr>
               <a:t>Body Level One</a:t>
             </a:r>
-            <a:endParaRPr sz="2400">
-              <a:solidFill>
-                <a:srgbClr val="414141"/>
-              </a:solidFill>
-            </a:endParaRPr>
           </a:p>
           <a:p>
             <a:pPr lvl="1">
@@ -1975,11 +1943,6 @@
               </a:rPr>
               <a:t>Body Level Two</a:t>
             </a:r>
-            <a:endParaRPr sz="2400">
-              <a:solidFill>
-                <a:srgbClr val="414141"/>
-              </a:solidFill>
-            </a:endParaRPr>
           </a:p>
           <a:p>
             <a:pPr lvl="2">
@@ -1997,11 +1960,6 @@
               </a:rPr>
               <a:t>Body Level Three</a:t>
             </a:r>
-            <a:endParaRPr sz="2400">
-              <a:solidFill>
-                <a:srgbClr val="414141"/>
-              </a:solidFill>
-            </a:endParaRPr>
           </a:p>
           <a:p>
             <a:pPr lvl="3">
@@ -2019,11 +1977,6 @@
               </a:rPr>
               <a:t>Body Level Four</a:t>
             </a:r>
-            <a:endParaRPr sz="2400">
-              <a:solidFill>
-                <a:srgbClr val="414141"/>
-              </a:solidFill>
-            </a:endParaRPr>
           </a:p>
           <a:p>
             <a:pPr lvl="4">
@@ -2049,22 +2002,23 @@
   <p:clrMapOvr>
     <a:masterClrMapping/>
   </p:clrMapOvr>
-  <p:transition spd="med" advClick="1"/>
+  <p:transition spd="med"/>
 </p:sldLayout>
 </file>
 
 <file path=ppt/slideLayouts/slideLayout3.xml><?xml version="1.0" encoding="utf-8"?>
-<p:sldLayout xmlns:a="http://schemas.openxmlformats.org/drawingml/2006/main" xmlns:r="http://schemas.openxmlformats.org/officeDocument/2006/relationships" xmlns:p="http://schemas.openxmlformats.org/presentationml/2006/main" type="tx" showMasterSp="0" showMasterPhAnim="1">
+<p:sldLayout xmlns:a="http://schemas.openxmlformats.org/drawingml/2006/main" xmlns:r="http://schemas.openxmlformats.org/officeDocument/2006/relationships" xmlns:p="http://schemas.openxmlformats.org/presentationml/2006/main" showMasterSp="0" type="tx">
   <p:cSld name="Title - Center">
     <p:bg>
       <p:bgPr>
         <a:blipFill rotWithShape="1">
           <a:blip r:embed="rId2"/>
-          <a:srcRect l="0" t="0" r="0" b="0"/>
+          <a:srcRect/>
           <a:stretch>
             <a:fillRect/>
           </a:stretch>
         </a:blipFill>
+        <a:effectLst/>
       </p:bgPr>
     </p:bg>
     <p:spTree>
@@ -2084,7 +2038,9 @@
       <p:sp>
         <p:nvSpPr>
           <p:cNvPr id="20" name="Shape 20"/>
-          <p:cNvSpPr/>
+          <p:cNvSpPr>
+            <a:spLocks noGrp="1"/>
+          </p:cNvSpPr>
           <p:nvPr>
             <p:ph type="title"/>
           </p:nvPr>
@@ -2125,22 +2081,23 @@
   <p:clrMapOvr>
     <a:masterClrMapping/>
   </p:clrMapOvr>
-  <p:transition spd="med" advClick="1"/>
+  <p:transition spd="med"/>
 </p:sldLayout>
 </file>
 
 <file path=ppt/slideLayouts/slideLayout4.xml><?xml version="1.0" encoding="utf-8"?>
-<p:sldLayout xmlns:a="http://schemas.openxmlformats.org/drawingml/2006/main" xmlns:r="http://schemas.openxmlformats.org/officeDocument/2006/relationships" xmlns:p="http://schemas.openxmlformats.org/presentationml/2006/main" type="tx" showMasterSp="0" showMasterPhAnim="1">
+<p:sldLayout xmlns:a="http://schemas.openxmlformats.org/drawingml/2006/main" xmlns:r="http://schemas.openxmlformats.org/officeDocument/2006/relationships" xmlns:p="http://schemas.openxmlformats.org/presentationml/2006/main" showMasterSp="0" type="tx">
   <p:cSld name="Photo - Vertical">
     <p:bg>
       <p:bgPr>
         <a:blipFill rotWithShape="1">
           <a:blip r:embed="rId2"/>
-          <a:srcRect l="0" t="0" r="0" b="0"/>
+          <a:srcRect/>
           <a:stretch>
             <a:fillRect/>
           </a:stretch>
         </a:blipFill>
+        <a:effectLst/>
       </p:bgPr>
     </p:bg>
     <p:spTree>
@@ -2188,7 +2145,7 @@
             </a:cxnLst>
             <a:rect l="0" t="0" r="r" b="b"/>
             <a:pathLst>
-              <a:path w="21600" h="0" fill="norm" stroke="1" extrusionOk="0">
+              <a:path w="21600" extrusionOk="0">
                 <a:moveTo>
                   <a:pt x="0" y="0"/>
                 </a:moveTo>
@@ -2229,6 +2186,7 @@
                 <a:sym typeface="Helvetica"/>
               </a:defRPr>
             </a:pPr>
+            <a:endParaRPr/>
           </a:p>
         </p:txBody>
       </p:sp>
@@ -2263,7 +2221,7 @@
             </a:cxnLst>
             <a:rect l="0" t="0" r="r" b="b"/>
             <a:pathLst>
-              <a:path w="21600" h="0" fill="norm" stroke="1" extrusionOk="0">
+              <a:path w="21600" extrusionOk="0">
                 <a:moveTo>
                   <a:pt x="0" y="0"/>
                 </a:moveTo>
@@ -2304,13 +2262,16 @@
                 <a:sym typeface="Helvetica"/>
               </a:defRPr>
             </a:pPr>
+            <a:endParaRPr/>
           </a:p>
         </p:txBody>
       </p:sp>
       <p:sp>
         <p:nvSpPr>
           <p:cNvPr id="24" name="Shape 24"/>
-          <p:cNvSpPr/>
+          <p:cNvSpPr>
+            <a:spLocks noGrp="1"/>
+          </p:cNvSpPr>
           <p:nvPr>
             <p:ph type="title"/>
           </p:nvPr>
@@ -2353,7 +2314,9 @@
       <p:sp>
         <p:nvSpPr>
           <p:cNvPr id="25" name="Shape 25"/>
-          <p:cNvSpPr/>
+          <p:cNvSpPr>
+            <a:spLocks noGrp="1"/>
+          </p:cNvSpPr>
           <p:nvPr>
             <p:ph type="body" idx="1"/>
           </p:nvPr>
@@ -2437,11 +2400,6 @@
               </a:rPr>
               <a:t>Body Level One</a:t>
             </a:r>
-            <a:endParaRPr sz="2400">
-              <a:solidFill>
-                <a:srgbClr val="414141"/>
-              </a:solidFill>
-            </a:endParaRPr>
           </a:p>
           <a:p>
             <a:pPr lvl="1">
@@ -2459,11 +2417,6 @@
               </a:rPr>
               <a:t>Body Level Two</a:t>
             </a:r>
-            <a:endParaRPr sz="2400">
-              <a:solidFill>
-                <a:srgbClr val="414141"/>
-              </a:solidFill>
-            </a:endParaRPr>
           </a:p>
           <a:p>
             <a:pPr lvl="2">
@@ -2481,11 +2434,6 @@
               </a:rPr>
               <a:t>Body Level Three</a:t>
             </a:r>
-            <a:endParaRPr sz="2400">
-              <a:solidFill>
-                <a:srgbClr val="414141"/>
-              </a:solidFill>
-            </a:endParaRPr>
           </a:p>
           <a:p>
             <a:pPr lvl="3">
@@ -2503,11 +2451,6 @@
               </a:rPr>
               <a:t>Body Level Four</a:t>
             </a:r>
-            <a:endParaRPr sz="2400">
-              <a:solidFill>
-                <a:srgbClr val="414141"/>
-              </a:solidFill>
-            </a:endParaRPr>
           </a:p>
           <a:p>
             <a:pPr lvl="4">
@@ -2533,22 +2476,23 @@
   <p:clrMapOvr>
     <a:masterClrMapping/>
   </p:clrMapOvr>
-  <p:transition spd="med" advClick="1"/>
+  <p:transition spd="med"/>
 </p:sldLayout>
 </file>
 
 <file path=ppt/slideLayouts/slideLayout5.xml><?xml version="1.0" encoding="utf-8"?>
-<p:sldLayout xmlns:a="http://schemas.openxmlformats.org/drawingml/2006/main" xmlns:r="http://schemas.openxmlformats.org/officeDocument/2006/relationships" xmlns:p="http://schemas.openxmlformats.org/presentationml/2006/main" type="tx" showMasterSp="0" showMasterPhAnim="1">
+<p:sldLayout xmlns:a="http://schemas.openxmlformats.org/drawingml/2006/main" xmlns:r="http://schemas.openxmlformats.org/officeDocument/2006/relationships" xmlns:p="http://schemas.openxmlformats.org/presentationml/2006/main" showMasterSp="0" type="tx">
   <p:cSld name="Title - Top">
     <p:bg>
       <p:bgPr>
         <a:blipFill rotWithShape="1">
           <a:blip r:embed="rId2"/>
-          <a:srcRect l="0" t="0" r="0" b="0"/>
+          <a:srcRect/>
           <a:stretch>
             <a:fillRect/>
           </a:stretch>
         </a:blipFill>
+        <a:effectLst/>
       </p:bgPr>
     </p:bg>
     <p:spTree>
@@ -2596,7 +2540,7 @@
             </a:cxnLst>
             <a:rect l="0" t="0" r="r" b="b"/>
             <a:pathLst>
-              <a:path w="21600" h="0" fill="norm" stroke="1" extrusionOk="0">
+              <a:path w="21600" extrusionOk="0">
                 <a:moveTo>
                   <a:pt x="0" y="0"/>
                 </a:moveTo>
@@ -2637,6 +2581,7 @@
                 <a:sym typeface="Helvetica"/>
               </a:defRPr>
             </a:pPr>
+            <a:endParaRPr/>
           </a:p>
         </p:txBody>
       </p:sp>
@@ -2671,7 +2616,7 @@
             </a:cxnLst>
             <a:rect l="0" t="0" r="r" b="b"/>
             <a:pathLst>
-              <a:path w="21600" h="0" fill="norm" stroke="1" extrusionOk="0">
+              <a:path w="21600" extrusionOk="0">
                 <a:moveTo>
                   <a:pt x="0" y="0"/>
                 </a:moveTo>
@@ -2712,13 +2657,16 @@
                 <a:sym typeface="Helvetica"/>
               </a:defRPr>
             </a:pPr>
+            <a:endParaRPr/>
           </a:p>
         </p:txBody>
       </p:sp>
       <p:sp>
         <p:nvSpPr>
           <p:cNvPr id="29" name="Shape 29"/>
-          <p:cNvSpPr/>
+          <p:cNvSpPr>
+            <a:spLocks noGrp="1"/>
+          </p:cNvSpPr>
           <p:nvPr>
             <p:ph type="title"/>
           </p:nvPr>
@@ -2759,22 +2707,23 @@
   <p:clrMapOvr>
     <a:masterClrMapping/>
   </p:clrMapOvr>
-  <p:transition spd="med" advClick="1"/>
+  <p:transition spd="med"/>
 </p:sldLayout>
 </file>
 
 <file path=ppt/slideLayouts/slideLayout6.xml><?xml version="1.0" encoding="utf-8"?>
-<p:sldLayout xmlns:a="http://schemas.openxmlformats.org/drawingml/2006/main" xmlns:r="http://schemas.openxmlformats.org/officeDocument/2006/relationships" xmlns:p="http://schemas.openxmlformats.org/presentationml/2006/main" type="tx" showMasterSp="0" showMasterPhAnim="1">
+<p:sldLayout xmlns:a="http://schemas.openxmlformats.org/drawingml/2006/main" xmlns:r="http://schemas.openxmlformats.org/officeDocument/2006/relationships" xmlns:p="http://schemas.openxmlformats.org/presentationml/2006/main" showMasterSp="0" type="tx">
   <p:cSld name="Title &amp; Bullets">
     <p:bg>
       <p:bgPr>
         <a:blipFill rotWithShape="1">
           <a:blip r:embed="rId2"/>
-          <a:srcRect l="0" t="0" r="0" b="0"/>
+          <a:srcRect/>
           <a:stretch>
             <a:fillRect/>
           </a:stretch>
         </a:blipFill>
+        <a:effectLst/>
       </p:bgPr>
     </p:bg>
     <p:spTree>
@@ -2822,7 +2771,7 @@
             </a:cxnLst>
             <a:rect l="0" t="0" r="r" b="b"/>
             <a:pathLst>
-              <a:path w="21600" h="0" fill="norm" stroke="1" extrusionOk="0">
+              <a:path w="21600" extrusionOk="0">
                 <a:moveTo>
                   <a:pt x="0" y="0"/>
                 </a:moveTo>
@@ -2863,6 +2812,7 @@
                 <a:sym typeface="Helvetica"/>
               </a:defRPr>
             </a:pPr>
+            <a:endParaRPr/>
           </a:p>
         </p:txBody>
       </p:sp>
@@ -2897,7 +2847,7 @@
             </a:cxnLst>
             <a:rect l="0" t="0" r="r" b="b"/>
             <a:pathLst>
-              <a:path w="21600" h="0" fill="norm" stroke="1" extrusionOk="0">
+              <a:path w="21600" extrusionOk="0">
                 <a:moveTo>
                   <a:pt x="0" y="0"/>
                 </a:moveTo>
@@ -2938,13 +2888,16 @@
                 <a:sym typeface="Helvetica"/>
               </a:defRPr>
             </a:pPr>
+            <a:endParaRPr/>
           </a:p>
         </p:txBody>
       </p:sp>
       <p:sp>
         <p:nvSpPr>
           <p:cNvPr id="33" name="Shape 33"/>
-          <p:cNvSpPr/>
+          <p:cNvSpPr>
+            <a:spLocks noGrp="1"/>
+          </p:cNvSpPr>
           <p:nvPr>
             <p:ph type="title"/>
           </p:nvPr>
@@ -2983,7 +2936,9 @@
       <p:sp>
         <p:nvSpPr>
           <p:cNvPr id="34" name="Shape 34"/>
-          <p:cNvSpPr/>
+          <p:cNvSpPr>
+            <a:spLocks noGrp="1"/>
+          </p:cNvSpPr>
           <p:nvPr>
             <p:ph type="body" idx="1"/>
           </p:nvPr>
@@ -3016,11 +2971,6 @@
               </a:rPr>
               <a:t>Body Level One</a:t>
             </a:r>
-            <a:endParaRPr sz="3600">
-              <a:solidFill>
-                <a:srgbClr val="414141"/>
-              </a:solidFill>
-            </a:endParaRPr>
           </a:p>
           <a:p>
             <a:pPr lvl="1">
@@ -3038,11 +2988,6 @@
               </a:rPr>
               <a:t>Body Level Two</a:t>
             </a:r>
-            <a:endParaRPr sz="3600">
-              <a:solidFill>
-                <a:srgbClr val="414141"/>
-              </a:solidFill>
-            </a:endParaRPr>
           </a:p>
           <a:p>
             <a:pPr lvl="2">
@@ -3060,11 +3005,6 @@
               </a:rPr>
               <a:t>Body Level Three</a:t>
             </a:r>
-            <a:endParaRPr sz="3600">
-              <a:solidFill>
-                <a:srgbClr val="414141"/>
-              </a:solidFill>
-            </a:endParaRPr>
           </a:p>
           <a:p>
             <a:pPr lvl="3">
@@ -3082,11 +3022,6 @@
               </a:rPr>
               <a:t>Body Level Four</a:t>
             </a:r>
-            <a:endParaRPr sz="3600">
-              <a:solidFill>
-                <a:srgbClr val="414141"/>
-              </a:solidFill>
-            </a:endParaRPr>
           </a:p>
           <a:p>
             <a:pPr lvl="4">
@@ -3112,22 +3047,23 @@
   <p:clrMapOvr>
     <a:masterClrMapping/>
   </p:clrMapOvr>
-  <p:transition spd="med" advClick="1"/>
+  <p:transition spd="med"/>
 </p:sldLayout>
 </file>
 
 <file path=ppt/slideLayouts/slideLayout7.xml><?xml version="1.0" encoding="utf-8"?>
-<p:sldLayout xmlns:a="http://schemas.openxmlformats.org/drawingml/2006/main" xmlns:r="http://schemas.openxmlformats.org/officeDocument/2006/relationships" xmlns:p="http://schemas.openxmlformats.org/presentationml/2006/main" type="tx" showMasterSp="0" showMasterPhAnim="1">
+<p:sldLayout xmlns:a="http://schemas.openxmlformats.org/drawingml/2006/main" xmlns:r="http://schemas.openxmlformats.org/officeDocument/2006/relationships" xmlns:p="http://schemas.openxmlformats.org/presentationml/2006/main" showMasterSp="0" type="tx">
   <p:cSld name="Title, Bullets &amp; Photo">
     <p:bg>
       <p:bgPr>
         <a:blipFill rotWithShape="1">
           <a:blip r:embed="rId2"/>
-          <a:srcRect l="0" t="0" r="0" b="0"/>
+          <a:srcRect/>
           <a:stretch>
             <a:fillRect/>
           </a:stretch>
         </a:blipFill>
+        <a:effectLst/>
       </p:bgPr>
     </p:bg>
     <p:spTree>
@@ -3175,7 +3111,7 @@
             </a:cxnLst>
             <a:rect l="0" t="0" r="r" b="b"/>
             <a:pathLst>
-              <a:path w="21600" h="0" fill="norm" stroke="1" extrusionOk="0">
+              <a:path w="21600" extrusionOk="0">
                 <a:moveTo>
                   <a:pt x="0" y="0"/>
                 </a:moveTo>
@@ -3216,6 +3152,7 @@
                 <a:sym typeface="Helvetica"/>
               </a:defRPr>
             </a:pPr>
+            <a:endParaRPr/>
           </a:p>
         </p:txBody>
       </p:sp>
@@ -3250,7 +3187,7 @@
             </a:cxnLst>
             <a:rect l="0" t="0" r="r" b="b"/>
             <a:pathLst>
-              <a:path w="21600" h="0" fill="norm" stroke="1" extrusionOk="0">
+              <a:path w="21600" extrusionOk="0">
                 <a:moveTo>
                   <a:pt x="0" y="0"/>
                 </a:moveTo>
@@ -3291,13 +3228,16 @@
                 <a:sym typeface="Helvetica"/>
               </a:defRPr>
             </a:pPr>
+            <a:endParaRPr/>
           </a:p>
         </p:txBody>
       </p:sp>
       <p:sp>
         <p:nvSpPr>
           <p:cNvPr id="38" name="Shape 38"/>
-          <p:cNvSpPr/>
+          <p:cNvSpPr>
+            <a:spLocks noGrp="1"/>
+          </p:cNvSpPr>
           <p:nvPr>
             <p:ph type="title"/>
           </p:nvPr>
@@ -3336,7 +3276,9 @@
       <p:sp>
         <p:nvSpPr>
           <p:cNvPr id="39" name="Shape 39"/>
-          <p:cNvSpPr/>
+          <p:cNvSpPr>
+            <a:spLocks noGrp="1"/>
+          </p:cNvSpPr>
           <p:nvPr>
             <p:ph type="body" idx="1"/>
           </p:nvPr>
@@ -3405,11 +3347,6 @@
               </a:rPr>
               <a:t>Body Level One</a:t>
             </a:r>
-            <a:endParaRPr sz="3000">
-              <a:solidFill>
-                <a:srgbClr val="414141"/>
-              </a:solidFill>
-            </a:endParaRPr>
           </a:p>
           <a:p>
             <a:pPr lvl="1">
@@ -3427,11 +3364,6 @@
               </a:rPr>
               <a:t>Body Level Two</a:t>
             </a:r>
-            <a:endParaRPr sz="3000">
-              <a:solidFill>
-                <a:srgbClr val="414141"/>
-              </a:solidFill>
-            </a:endParaRPr>
           </a:p>
           <a:p>
             <a:pPr lvl="2">
@@ -3449,11 +3381,6 @@
               </a:rPr>
               <a:t>Body Level Three</a:t>
             </a:r>
-            <a:endParaRPr sz="3000">
-              <a:solidFill>
-                <a:srgbClr val="414141"/>
-              </a:solidFill>
-            </a:endParaRPr>
           </a:p>
           <a:p>
             <a:pPr lvl="3">
@@ -3471,11 +3398,6 @@
               </a:rPr>
               <a:t>Body Level Four</a:t>
             </a:r>
-            <a:endParaRPr sz="3000">
-              <a:solidFill>
-                <a:srgbClr val="414141"/>
-              </a:solidFill>
-            </a:endParaRPr>
           </a:p>
           <a:p>
             <a:pPr lvl="4">
@@ -3501,22 +3423,23 @@
   <p:clrMapOvr>
     <a:masterClrMapping/>
   </p:clrMapOvr>
-  <p:transition spd="med" advClick="1"/>
+  <p:transition spd="med"/>
 </p:sldLayout>
 </file>
 
 <file path=ppt/slideLayouts/slideLayout8.xml><?xml version="1.0" encoding="utf-8"?>
-<p:sldLayout xmlns:a="http://schemas.openxmlformats.org/drawingml/2006/main" xmlns:r="http://schemas.openxmlformats.org/officeDocument/2006/relationships" xmlns:p="http://schemas.openxmlformats.org/presentationml/2006/main" type="tx" showMasterSp="0" showMasterPhAnim="1">
+<p:sldLayout xmlns:a="http://schemas.openxmlformats.org/drawingml/2006/main" xmlns:r="http://schemas.openxmlformats.org/officeDocument/2006/relationships" xmlns:p="http://schemas.openxmlformats.org/presentationml/2006/main" showMasterSp="0" type="tx">
   <p:cSld name="Bullets">
     <p:bg>
       <p:bgPr>
         <a:blipFill rotWithShape="1">
           <a:blip r:embed="rId2"/>
-          <a:srcRect l="0" t="0" r="0" b="0"/>
+          <a:srcRect/>
           <a:stretch>
             <a:fillRect/>
           </a:stretch>
         </a:blipFill>
+        <a:effectLst/>
       </p:bgPr>
     </p:bg>
     <p:spTree>
@@ -3536,7 +3459,9 @@
       <p:sp>
         <p:nvSpPr>
           <p:cNvPr id="41" name="Shape 41"/>
-          <p:cNvSpPr/>
+          <p:cNvSpPr>
+            <a:spLocks noGrp="1"/>
+          </p:cNvSpPr>
           <p:nvPr>
             <p:ph type="body" idx="1"/>
           </p:nvPr>
@@ -3569,11 +3494,6 @@
               </a:rPr>
               <a:t>Body Level One</a:t>
             </a:r>
-            <a:endParaRPr sz="3600">
-              <a:solidFill>
-                <a:srgbClr val="414141"/>
-              </a:solidFill>
-            </a:endParaRPr>
           </a:p>
           <a:p>
             <a:pPr lvl="1">
@@ -3591,11 +3511,6 @@
               </a:rPr>
               <a:t>Body Level Two</a:t>
             </a:r>
-            <a:endParaRPr sz="3600">
-              <a:solidFill>
-                <a:srgbClr val="414141"/>
-              </a:solidFill>
-            </a:endParaRPr>
           </a:p>
           <a:p>
             <a:pPr lvl="2">
@@ -3613,11 +3528,6 @@
               </a:rPr>
               <a:t>Body Level Three</a:t>
             </a:r>
-            <a:endParaRPr sz="3600">
-              <a:solidFill>
-                <a:srgbClr val="414141"/>
-              </a:solidFill>
-            </a:endParaRPr>
           </a:p>
           <a:p>
             <a:pPr lvl="3">
@@ -3635,11 +3545,6 @@
               </a:rPr>
               <a:t>Body Level Four</a:t>
             </a:r>
-            <a:endParaRPr sz="3600">
-              <a:solidFill>
-                <a:srgbClr val="414141"/>
-              </a:solidFill>
-            </a:endParaRPr>
           </a:p>
           <a:p>
             <a:pPr lvl="4">
@@ -3665,22 +3570,23 @@
   <p:clrMapOvr>
     <a:masterClrMapping/>
   </p:clrMapOvr>
-  <p:transition spd="med" advClick="1"/>
+  <p:transition spd="med"/>
 </p:sldLayout>
 </file>
 
 <file path=ppt/slideLayouts/slideLayout9.xml><?xml version="1.0" encoding="utf-8"?>
-<p:sldLayout xmlns:a="http://schemas.openxmlformats.org/drawingml/2006/main" xmlns:r="http://schemas.openxmlformats.org/officeDocument/2006/relationships" xmlns:p="http://schemas.openxmlformats.org/presentationml/2006/main" type="tx" showMasterSp="0" showMasterPhAnim="1">
+<p:sldLayout xmlns:a="http://schemas.openxmlformats.org/drawingml/2006/main" xmlns:r="http://schemas.openxmlformats.org/officeDocument/2006/relationships" xmlns:p="http://schemas.openxmlformats.org/presentationml/2006/main" showMasterSp="0" type="tx">
   <p:cSld name="Photo - 3 Up">
     <p:bg>
       <p:bgPr>
         <a:blipFill rotWithShape="1">
           <a:blip r:embed="rId2"/>
-          <a:srcRect l="0" t="0" r="0" b="0"/>
+          <a:srcRect/>
           <a:stretch>
             <a:fillRect/>
           </a:stretch>
         </a:blipFill>
+        <a:effectLst/>
       </p:bgPr>
     </p:bg>
     <p:spTree>
@@ -3702,7 +3608,7 @@
   <p:clrMapOvr>
     <a:masterClrMapping/>
   </p:clrMapOvr>
-  <p:transition spd="med" advClick="1"/>
+  <p:transition spd="med"/>
 </p:sldLayout>
 </file>
 
@@ -3712,12 +3618,13 @@
     <p:bg>
       <p:bgPr>
         <a:blipFill rotWithShape="1">
-          <a:blip r:embed="rId2"/>
-          <a:srcRect l="0" t="0" r="0" b="0"/>
+          <a:blip r:embed="rId17"/>
+          <a:srcRect/>
           <a:stretch>
             <a:fillRect/>
           </a:stretch>
         </a:blipFill>
+        <a:effectLst/>
       </p:bgPr>
     </p:bg>
     <p:spTree>
@@ -3765,7 +3672,7 @@
             </a:cxnLst>
             <a:rect l="0" t="0" r="r" b="b"/>
             <a:pathLst>
-              <a:path w="21600" h="0" fill="norm" stroke="1" extrusionOk="0">
+              <a:path w="21600" extrusionOk="0">
                 <a:moveTo>
                   <a:pt x="0" y="0"/>
                 </a:moveTo>
@@ -3803,6 +3710,7 @@
                 <a:sym typeface="Helvetica"/>
               </a:defRPr>
             </a:pPr>
+            <a:endParaRPr/>
           </a:p>
         </p:txBody>
       </p:sp>
@@ -3837,7 +3745,7 @@
             </a:cxnLst>
             <a:rect l="0" t="0" r="r" b="b"/>
             <a:pathLst>
-              <a:path w="21600" h="0" fill="norm" stroke="1" extrusionOk="0">
+              <a:path w="21600" extrusionOk="0">
                 <a:moveTo>
                   <a:pt x="0" y="0"/>
                 </a:moveTo>
@@ -3875,13 +3783,16 @@
                 <a:sym typeface="Helvetica"/>
               </a:defRPr>
             </a:pPr>
+            <a:endParaRPr/>
           </a:p>
         </p:txBody>
       </p:sp>
       <p:sp>
         <p:nvSpPr>
           <p:cNvPr id="4" name="Shape 4"/>
-          <p:cNvSpPr/>
+          <p:cNvSpPr>
+            <a:spLocks noGrp="1"/>
+          </p:cNvSpPr>
           <p:nvPr>
             <p:ph type="title"/>
           </p:nvPr>
@@ -3899,13 +3810,13 @@
           </a:ln>
           <a:extLst>
             <a:ext uri="{C572A759-6A51-4108-AA02-DFA0A04FC94B}">
-              <ma14:wrappingTextBoxFlag xmlns:ma14="http://schemas.microsoft.com/office/mac/drawingml/2011/main" val="1"/>
+              <ma14:wrappingTextBoxFlag xmlns:ma14="http://schemas.microsoft.com/office/mac/drawingml/2011/main" xmlns="" val="1"/>
             </a:ext>
           </a:extLst>
         </p:spPr>
         <p:txBody>
           <a:bodyPr lIns="0" tIns="0" rIns="0" bIns="0" anchor="ctr">
-            <a:normAutofit fontScale="100000" lnSpcReduction="0"/>
+            <a:normAutofit/>
           </a:bodyPr>
           <a:lstStyle/>
           <a:p>
@@ -3930,7 +3841,9 @@
       <p:sp>
         <p:nvSpPr>
           <p:cNvPr id="5" name="Shape 5"/>
-          <p:cNvSpPr/>
+          <p:cNvSpPr>
+            <a:spLocks noGrp="1"/>
+          </p:cNvSpPr>
           <p:nvPr>
             <p:ph type="body" idx="1"/>
           </p:nvPr>
@@ -3948,13 +3861,13 @@
           </a:ln>
           <a:extLst>
             <a:ext uri="{C572A759-6A51-4108-AA02-DFA0A04FC94B}">
-              <ma14:wrappingTextBoxFlag xmlns:ma14="http://schemas.microsoft.com/office/mac/drawingml/2011/main" val="1"/>
+              <ma14:wrappingTextBoxFlag xmlns:ma14="http://schemas.microsoft.com/office/mac/drawingml/2011/main" xmlns="" val="1"/>
             </a:ext>
           </a:extLst>
         </p:spPr>
         <p:txBody>
           <a:bodyPr lIns="0" tIns="0" rIns="0" bIns="0" anchor="ctr">
-            <a:normAutofit fontScale="100000" lnSpcReduction="0"/>
+            <a:normAutofit/>
           </a:bodyPr>
           <a:lstStyle/>
           <a:p>
@@ -3973,11 +3886,6 @@
               </a:rPr>
               <a:t>Body Level One</a:t>
             </a:r>
-            <a:endParaRPr sz="3600">
-              <a:solidFill>
-                <a:srgbClr val="414141"/>
-              </a:solidFill>
-            </a:endParaRPr>
           </a:p>
           <a:p>
             <a:pPr lvl="1">
@@ -3995,11 +3903,6 @@
               </a:rPr>
               <a:t>Body Level Two</a:t>
             </a:r>
-            <a:endParaRPr sz="3600">
-              <a:solidFill>
-                <a:srgbClr val="414141"/>
-              </a:solidFill>
-            </a:endParaRPr>
           </a:p>
           <a:p>
             <a:pPr lvl="2">
@@ -4017,11 +3920,6 @@
               </a:rPr>
               <a:t>Body Level Three</a:t>
             </a:r>
-            <a:endParaRPr sz="3600">
-              <a:solidFill>
-                <a:srgbClr val="414141"/>
-              </a:solidFill>
-            </a:endParaRPr>
           </a:p>
           <a:p>
             <a:pPr lvl="3">
@@ -4039,11 +3937,6 @@
               </a:rPr>
               <a:t>Body Level Four</a:t>
             </a:r>
-            <a:endParaRPr sz="3600">
-              <a:solidFill>
-                <a:srgbClr val="414141"/>
-              </a:solidFill>
-            </a:endParaRPr>
           </a:p>
           <a:p>
             <a:pPr lvl="4">
@@ -4068,23 +3961,23 @@
   </p:cSld>
   <p:clrMap bg1="lt1" tx1="dk1" bg2="lt2" tx2="dk2" accent1="accent1" accent2="accent2" accent3="accent3" accent4="accent4" accent5="accent5" accent6="accent6" hlink="hlink" folHlink="folHlink"/>
   <p:sldLayoutIdLst>
-    <p:sldLayoutId id="2147483649" r:id="rId3"/>
-    <p:sldLayoutId id="2147483650" r:id="rId4"/>
-    <p:sldLayoutId id="2147483651" r:id="rId5"/>
-    <p:sldLayoutId id="2147483652" r:id="rId6"/>
-    <p:sldLayoutId id="2147483653" r:id="rId7"/>
-    <p:sldLayoutId id="2147483654" r:id="rId8"/>
-    <p:sldLayoutId id="2147483655" r:id="rId9"/>
-    <p:sldLayoutId id="2147483656" r:id="rId10"/>
-    <p:sldLayoutId id="2147483657" r:id="rId11"/>
-    <p:sldLayoutId id="2147483658" r:id="rId12"/>
-    <p:sldLayoutId id="2147483659" r:id="rId13"/>
-    <p:sldLayoutId id="2147483660" r:id="rId14"/>
-    <p:sldLayoutId id="2147483661" r:id="rId15"/>
-    <p:sldLayoutId id="2147483662" r:id="rId16"/>
-    <p:sldLayoutId id="2147483663" r:id="rId17"/>
+    <p:sldLayoutId id="2147483649" r:id="rId1"/>
+    <p:sldLayoutId id="2147483650" r:id="rId2"/>
+    <p:sldLayoutId id="2147483651" r:id="rId3"/>
+    <p:sldLayoutId id="2147483652" r:id="rId4"/>
+    <p:sldLayoutId id="2147483653" r:id="rId5"/>
+    <p:sldLayoutId id="2147483654" r:id="rId6"/>
+    <p:sldLayoutId id="2147483655" r:id="rId7"/>
+    <p:sldLayoutId id="2147483656" r:id="rId8"/>
+    <p:sldLayoutId id="2147483657" r:id="rId9"/>
+    <p:sldLayoutId id="2147483658" r:id="rId10"/>
+    <p:sldLayoutId id="2147483659" r:id="rId11"/>
+    <p:sldLayoutId id="2147483660" r:id="rId12"/>
+    <p:sldLayoutId id="2147483661" r:id="rId13"/>
+    <p:sldLayoutId id="2147483662" r:id="rId14"/>
+    <p:sldLayoutId id="2147483663" r:id="rId15"/>
   </p:sldLayoutIdLst>
-  <p:transition spd="med" advClick="1"/>
+  <p:transition spd="med"/>
   <p:txStyles>
     <p:titleStyle>
       <a:lvl1pPr algn="ctr" defTabSz="584200">
@@ -4529,7 +4422,7 @@
 </file>
 
 <file path=ppt/slides/slide1.xml><?xml version="1.0" encoding="utf-8"?>
-<p:sld xmlns:a="http://schemas.openxmlformats.org/drawingml/2006/main" xmlns:r="http://schemas.openxmlformats.org/officeDocument/2006/relationships" xmlns:p="http://schemas.openxmlformats.org/presentationml/2006/main" showMasterSp="1" showMasterPhAnim="1">
+<p:sld xmlns:a="http://schemas.openxmlformats.org/drawingml/2006/main" xmlns:r="http://schemas.openxmlformats.org/officeDocument/2006/relationships" xmlns:p="http://schemas.openxmlformats.org/presentationml/2006/main">
   <p:cSld>
     <p:spTree>
       <p:nvGrpSpPr>
@@ -4576,7 +4469,7 @@
             </a:cxnLst>
             <a:rect l="0" t="0" r="r" b="b"/>
             <a:pathLst>
-              <a:path w="21600" h="0" fill="norm" stroke="1" extrusionOk="0">
+              <a:path w="21600" extrusionOk="0">
                 <a:moveTo>
                   <a:pt x="0" y="0"/>
                 </a:moveTo>
@@ -4617,6 +4510,7 @@
                 <a:sym typeface="Helvetica"/>
               </a:defRPr>
             </a:pPr>
+            <a:endParaRPr/>
           </a:p>
         </p:txBody>
       </p:sp>
@@ -4651,7 +4545,7 @@
             </a:cxnLst>
             <a:rect l="0" t="0" r="r" b="b"/>
             <a:pathLst>
-              <a:path w="21600" h="0" fill="norm" stroke="1" extrusionOk="0">
+              <a:path w="21600" extrusionOk="0">
                 <a:moveTo>
                   <a:pt x="0" y="0"/>
                 </a:moveTo>
@@ -4692,6 +4586,7 @@
                 <a:sym typeface="Helvetica"/>
               </a:defRPr>
             </a:pPr>
+            <a:endParaRPr/>
           </a:p>
         </p:txBody>
       </p:sp>
@@ -4726,7 +4621,7 @@
             </a:cxnLst>
             <a:rect l="0" t="0" r="r" b="b"/>
             <a:pathLst>
-              <a:path w="21600" h="0" fill="norm" stroke="1" extrusionOk="0">
+              <a:path w="21600" extrusionOk="0">
                 <a:moveTo>
                   <a:pt x="0" y="0"/>
                 </a:moveTo>
@@ -4767,6 +4662,7 @@
                 <a:sym typeface="Helvetica"/>
               </a:defRPr>
             </a:pPr>
+            <a:endParaRPr/>
           </a:p>
         </p:txBody>
       </p:sp>
@@ -4789,7 +4685,7 @@
           </a:ln>
           <a:extLst>
             <a:ext uri="{C572A759-6A51-4108-AA02-DFA0A04FC94B}">
-              <ma14:wrappingTextBoxFlag xmlns:ma14="http://schemas.microsoft.com/office/mac/drawingml/2011/main" val="1"/>
+              <ma14:wrappingTextBoxFlag xmlns:ma14="http://schemas.microsoft.com/office/mac/drawingml/2011/main" xmlns="" val="1"/>
             </a:ext>
           </a:extLst>
         </p:spPr>
@@ -4807,14 +4703,14 @@
           </a:lstStyle>
           <a:p>
             <a:pPr lvl="0">
-              <a:defRPr i="0" sz="1800">
-                <a:solidFill>
-                  <a:srgbClr val="000000"/>
-                </a:solidFill>
-              </a:defRPr>
-            </a:pPr>
-            <a:r>
-              <a:rPr i="1" sz="2400">
+              <a:defRPr sz="1800" i="0">
+                <a:solidFill>
+                  <a:srgbClr val="000000"/>
+                </a:solidFill>
+              </a:defRPr>
+            </a:pPr>
+            <a:r>
+              <a:rPr sz="2400" i="1">
                 <a:solidFill>
                   <a:srgbClr val="414141"/>
                 </a:solidFill>
@@ -4827,7 +4723,9 @@
       <p:sp>
         <p:nvSpPr>
           <p:cNvPr id="62" name="Shape 62"/>
-          <p:cNvSpPr/>
+          <p:cNvSpPr>
+            <a:spLocks noGrp="1"/>
+          </p:cNvSpPr>
           <p:nvPr>
             <p:ph type="title"/>
           </p:nvPr>
@@ -4862,7 +4760,9 @@
       <p:sp>
         <p:nvSpPr>
           <p:cNvPr id="63" name="Shape 63"/>
-          <p:cNvSpPr/>
+          <p:cNvSpPr>
+            <a:spLocks noGrp="1"/>
+          </p:cNvSpPr>
           <p:nvPr>
             <p:ph type="body" idx="1"/>
           </p:nvPr>
@@ -4883,7 +4783,7 @@
               <a:spcBef>
                 <a:spcPts val="1200"/>
               </a:spcBef>
-              <a:defRPr i="1" sz="1600">
+              <a:defRPr sz="1600" i="1">
                 <a:solidFill>
                   <a:srgbClr val="000000"/>
                 </a:solidFill>
@@ -4896,10 +4796,10 @@
           </a:lstStyle>
           <a:p>
             <a:pPr lvl="0">
-              <a:defRPr i="0" sz="1800"/>
-            </a:pPr>
-            <a:r>
-              <a:rPr i="1" sz="1600"/>
+              <a:defRPr sz="1800" i="0"/>
+            </a:pPr>
+            <a:r>
+              <a:rPr sz="1600" i="1"/>
               <a:t>Iulia-Alexandra Lungu, Enrique Fernández Rodicio, Mathias Schmerling</a:t>
             </a:r>
             <a:endParaRPr sz="1200">
@@ -4916,12 +4816,12 @@
   <p:clrMapOvr>
     <a:masterClrMapping/>
   </p:clrMapOvr>
-  <p:transition spd="med" advClick="1"/>
+  <p:transition spd="med"/>
 </p:sld>
 </file>
 
 <file path=ppt/slides/slide10.xml><?xml version="1.0" encoding="utf-8"?>
-<p:sld xmlns:a="http://schemas.openxmlformats.org/drawingml/2006/main" xmlns:r="http://schemas.openxmlformats.org/officeDocument/2006/relationships" xmlns:p="http://schemas.openxmlformats.org/presentationml/2006/main" showMasterSp="1" showMasterPhAnim="1">
+<p:sld xmlns:a="http://schemas.openxmlformats.org/drawingml/2006/main" xmlns:r="http://schemas.openxmlformats.org/officeDocument/2006/relationships" xmlns:p="http://schemas.openxmlformats.org/presentationml/2006/main">
   <p:cSld>
     <p:spTree>
       <p:nvGrpSpPr>
@@ -4939,8 +4839,10 @@
       </p:grpSpPr>
       <p:sp>
         <p:nvSpPr>
-          <p:cNvPr id="112" name="Shape 112"/>
-          <p:cNvSpPr/>
+          <p:cNvPr id="91" name="Shape 91"/>
+          <p:cNvSpPr>
+            <a:spLocks noGrp="1"/>
+          </p:cNvSpPr>
           <p:nvPr>
             <p:ph type="title"/>
           </p:nvPr>
@@ -4965,18 +4867,13 @@
               </a:defRPr>
             </a:pPr>
             <a:r>
-              <a:rPr sz="3570">
+              <a:rPr sz="3570" dirty="0">
                 <a:solidFill>
                   <a:srgbClr val="D93E2B"/>
                 </a:solidFill>
               </a:rPr>
               <a:t>Brain-body coevolution</a:t>
             </a:r>
-            <a:endParaRPr sz="3570">
-              <a:solidFill>
-                <a:srgbClr val="D93E2B"/>
-              </a:solidFill>
-            </a:endParaRPr>
           </a:p>
           <a:p>
             <a:pPr lvl="0" defTabSz="297941">
@@ -4990,7 +4887,7 @@
               </a:defRPr>
             </a:pPr>
             <a:r>
-              <a:rPr sz="3570">
+              <a:rPr sz="3570" dirty="0">
                 <a:solidFill>
                   <a:srgbClr val="D93E2B"/>
                 </a:solidFill>
@@ -5002,8 +4899,10 @@
       </p:sp>
       <p:sp>
         <p:nvSpPr>
-          <p:cNvPr id="113" name="Shape 113"/>
-          <p:cNvSpPr/>
+          <p:cNvPr id="92" name="Shape 92"/>
+          <p:cNvSpPr>
+            <a:spLocks noGrp="1"/>
+          </p:cNvSpPr>
           <p:nvPr>
             <p:ph type="body" idx="1"/>
           </p:nvPr>
@@ -5018,21 +4917,52 @@
           <a:lstStyle/>
           <a:p>
             <a:pPr lvl="0"/>
+            <a:r>
+              <a:rPr lang="en-GB" dirty="0" smtClean="0"/>
+              <a:t>Goal: The robot has to cover the maximal distance within a given time, in this case 8 seconds.</a:t>
+            </a:r>
+          </a:p>
+          <a:p>
+            <a:pPr lvl="0"/>
+            <a:r>
+              <a:rPr lang="en-GB" dirty="0" smtClean="0"/>
+              <a:t>Brain and body will be evolved together.</a:t>
+            </a:r>
+          </a:p>
+          <a:p>
+            <a:pPr lvl="0"/>
+            <a:r>
+              <a:rPr lang="en-GB" dirty="0" smtClean="0"/>
+              <a:t>Random initial robot.</a:t>
+            </a:r>
+          </a:p>
+          <a:p>
+            <a:pPr lvl="0"/>
+            <a:r>
+              <a:rPr lang="en-GB" dirty="0" smtClean="0"/>
+              <a:t>Three test environments, three seed values.</a:t>
+            </a:r>
+          </a:p>
+          <a:p>
+            <a:pPr lvl="0"/>
+            <a:endParaRPr lang="en-GB" dirty="0" smtClean="0"/>
           </a:p>
         </p:txBody>
       </p:sp>
       <p:sp>
         <p:nvSpPr>
-          <p:cNvPr id="114" name="Shape 114"/>
-          <p:cNvSpPr/>
+          <p:cNvPr id="93" name="Shape 93"/>
+          <p:cNvSpPr>
+            <a:spLocks noGrp="1"/>
+          </p:cNvSpPr>
           <p:nvPr>
             <p:ph type="sldNum" sz="quarter" idx="4294967295"/>
           </p:nvPr>
         </p:nvSpPr>
         <p:spPr>
           <a:xfrm>
-            <a:off x="6324599" y="9258300"/>
-            <a:ext cx="342901" cy="406400"/>
+            <a:off x="6381749" y="9258300"/>
+            <a:ext cx="228601" cy="406400"/>
           </a:xfrm>
           <a:prstGeom prst="rect">
             <a:avLst/>
@@ -5042,7 +4972,7 @@
           </a:ln>
           <a:extLst>
             <a:ext uri="{C572A759-6A51-4108-AA02-DFA0A04FC94B}">
-              <ma14:wrappingTextBoxFlag xmlns:ma14="http://schemas.microsoft.com/office/mac/drawingml/2011/main" val="1"/>
+              <ma14:wrappingTextBoxFlag xmlns:ma14="http://schemas.microsoft.com/office/mac/drawingml/2011/main" xmlns="" val="1"/>
             </a:ext>
           </a:extLst>
         </p:spPr>
@@ -5073,21 +5003,1261 @@
                   <a:srgbClr val="4C4946"/>
                 </a:solidFill>
               </a:rPr>
+              <a:t>10</a:t>
             </a:fld>
+            <a:endParaRPr>
+              <a:solidFill>
+                <a:srgbClr val="4C4946"/>
+              </a:solidFill>
+            </a:endParaRPr>
           </a:p>
         </p:txBody>
       </p:sp>
     </p:spTree>
+    <p:extLst>
+      <p:ext uri="{BB962C8B-B14F-4D97-AF65-F5344CB8AC3E}">
+        <p14:creationId xmlns:p14="http://schemas.microsoft.com/office/powerpoint/2010/main" val="3997590007"/>
+      </p:ext>
+    </p:extLst>
   </p:cSld>
   <p:clrMapOvr>
     <a:masterClrMapping/>
   </p:clrMapOvr>
-  <p:transition spd="med" advClick="1"/>
+  <p:transition spd="med"/>
 </p:sld>
 </file>
 
 <file path=ppt/slides/slide11.xml><?xml version="1.0" encoding="utf-8"?>
-<p:sld xmlns:a="http://schemas.openxmlformats.org/drawingml/2006/main" xmlns:r="http://schemas.openxmlformats.org/officeDocument/2006/relationships" xmlns:p="http://schemas.openxmlformats.org/presentationml/2006/main" showMasterSp="1" showMasterPhAnim="1">
+<p:sld xmlns:a="http://schemas.openxmlformats.org/drawingml/2006/main" xmlns:r="http://schemas.openxmlformats.org/officeDocument/2006/relationships" xmlns:p="http://schemas.openxmlformats.org/presentationml/2006/main">
+  <p:cSld>
+    <p:spTree>
+      <p:nvGrpSpPr>
+        <p:cNvPr id="1" name=""/>
+        <p:cNvGrpSpPr/>
+        <p:nvPr/>
+      </p:nvGrpSpPr>
+      <p:grpSpPr>
+        <a:xfrm>
+          <a:off x="0" y="0"/>
+          <a:ext cx="0" cy="0"/>
+          <a:chOff x="0" y="0"/>
+          <a:chExt cx="0" cy="0"/>
+        </a:xfrm>
+      </p:grpSpPr>
+      <p:sp>
+        <p:nvSpPr>
+          <p:cNvPr id="91" name="Shape 91"/>
+          <p:cNvSpPr>
+            <a:spLocks noGrp="1"/>
+          </p:cNvSpPr>
+          <p:nvPr>
+            <p:ph type="title"/>
+          </p:nvPr>
+        </p:nvSpPr>
+        <p:spPr>
+          <a:prstGeom prst="rect">
+            <a:avLst/>
+          </a:prstGeom>
+        </p:spPr>
+        <p:txBody>
+          <a:bodyPr/>
+          <a:lstStyle/>
+          <a:p>
+            <a:pPr lvl="0" defTabSz="297941">
+              <a:spcBef>
+                <a:spcPts val="800"/>
+              </a:spcBef>
+              <a:defRPr sz="1800">
+                <a:solidFill>
+                  <a:srgbClr val="000000"/>
+                </a:solidFill>
+              </a:defRPr>
+            </a:pPr>
+            <a:r>
+              <a:rPr sz="3570" dirty="0">
+                <a:solidFill>
+                  <a:srgbClr val="D93E2B"/>
+                </a:solidFill>
+              </a:rPr>
+              <a:t>Brain-body coevolution</a:t>
+            </a:r>
+          </a:p>
+          <a:p>
+            <a:pPr lvl="0" defTabSz="297941">
+              <a:spcBef>
+                <a:spcPts val="800"/>
+              </a:spcBef>
+              <a:defRPr sz="1800">
+                <a:solidFill>
+                  <a:srgbClr val="000000"/>
+                </a:solidFill>
+              </a:defRPr>
+            </a:pPr>
+            <a:r>
+              <a:rPr sz="3570" dirty="0">
+                <a:solidFill>
+                  <a:srgbClr val="D93E2B"/>
+                </a:solidFill>
+              </a:rPr>
+              <a:t>- racing scenario-</a:t>
+            </a:r>
+          </a:p>
+        </p:txBody>
+      </p:sp>
+      <p:sp>
+        <p:nvSpPr>
+          <p:cNvPr id="92" name="Shape 92"/>
+          <p:cNvSpPr>
+            <a:spLocks noGrp="1"/>
+          </p:cNvSpPr>
+          <p:nvPr>
+            <p:ph type="body" idx="1"/>
+          </p:nvPr>
+        </p:nvSpPr>
+        <p:spPr>
+          <a:prstGeom prst="rect">
+            <a:avLst/>
+          </a:prstGeom>
+        </p:spPr>
+        <p:txBody>
+          <a:bodyPr>
+            <a:normAutofit/>
+          </a:bodyPr>
+          <a:lstStyle/>
+          <a:p>
+            <a:pPr lvl="0"/>
+            <a:r>
+              <a:rPr lang="en-GB" sz="2400" dirty="0" smtClean="0"/>
+              <a:t>Three different environments:</a:t>
+            </a:r>
+          </a:p>
+          <a:p>
+            <a:pPr marL="469900" lvl="1" indent="0" algn="ctr">
+              <a:buNone/>
+            </a:pPr>
+            <a:r>
+              <a:rPr lang="en-GB" sz="2400" dirty="0" smtClean="0"/>
+              <a:t>     Plain surface                  Light density of obstacles           High density of obstacles</a:t>
+            </a:r>
+          </a:p>
+          <a:p>
+            <a:pPr marL="469900" lvl="1" indent="0" algn="ctr">
+              <a:buNone/>
+            </a:pPr>
+            <a:endParaRPr lang="en-GB" sz="2400" dirty="0" smtClean="0"/>
+          </a:p>
+          <a:p>
+            <a:pPr marL="469900" lvl="1" indent="0" algn="ctr">
+              <a:buNone/>
+            </a:pPr>
+            <a:endParaRPr lang="gl-ES" sz="2400" dirty="0" smtClean="0"/>
+          </a:p>
+          <a:p>
+            <a:pPr marL="469900" lvl="1" indent="0" algn="ctr">
+              <a:buNone/>
+            </a:pPr>
+            <a:endParaRPr lang="gl-ES" sz="2400" dirty="0"/>
+          </a:p>
+          <a:p>
+            <a:pPr marL="469900" lvl="1" indent="0" algn="ctr">
+              <a:buNone/>
+            </a:pPr>
+            <a:endParaRPr lang="gl-ES" sz="2400" dirty="0" smtClean="0"/>
+          </a:p>
+          <a:p>
+            <a:pPr marL="469900" lvl="1" indent="0" algn="ctr">
+              <a:buNone/>
+            </a:pPr>
+            <a:endParaRPr lang="gl-ES" sz="2400" dirty="0"/>
+          </a:p>
+          <a:p>
+            <a:pPr marL="469900" lvl="1" indent="0" algn="ctr">
+              <a:buNone/>
+            </a:pPr>
+            <a:endParaRPr lang="gl-ES" sz="2400" dirty="0" smtClean="0"/>
+          </a:p>
+          <a:p>
+            <a:pPr marL="469900" lvl="1" indent="0" algn="ctr">
+              <a:buNone/>
+            </a:pPr>
+            <a:endParaRPr sz="2400" dirty="0"/>
+          </a:p>
+        </p:txBody>
+      </p:sp>
+      <p:sp>
+        <p:nvSpPr>
+          <p:cNvPr id="93" name="Shape 93"/>
+          <p:cNvSpPr>
+            <a:spLocks noGrp="1"/>
+          </p:cNvSpPr>
+          <p:nvPr>
+            <p:ph type="sldNum" sz="quarter" idx="4294967295"/>
+          </p:nvPr>
+        </p:nvSpPr>
+        <p:spPr>
+          <a:xfrm>
+            <a:off x="6381749" y="9258300"/>
+            <a:ext cx="228601" cy="406400"/>
+          </a:xfrm>
+          <a:prstGeom prst="rect">
+            <a:avLst/>
+          </a:prstGeom>
+          <a:ln w="12700">
+            <a:miter lim="400000"/>
+          </a:ln>
+          <a:extLst>
+            <a:ext uri="{C572A759-6A51-4108-AA02-DFA0A04FC94B}">
+              <ma14:wrappingTextBoxFlag xmlns:ma14="http://schemas.microsoft.com/office/mac/drawingml/2011/main" xmlns="" val="1"/>
+            </a:ext>
+          </a:extLst>
+        </p:spPr>
+        <p:txBody>
+          <a:bodyPr wrap="none" lIns="0" tIns="0" rIns="0" bIns="0">
+            <a:spAutoFit/>
+          </a:bodyPr>
+          <a:lstStyle>
+            <a:lvl1pPr>
+              <a:defRPr sz="1800">
+                <a:solidFill>
+                  <a:srgbClr val="4C4946"/>
+                </a:solidFill>
+              </a:defRPr>
+            </a:lvl1pPr>
+          </a:lstStyle>
+          <a:p>
+            <a:pPr lvl="0">
+              <a:defRPr>
+                <a:solidFill>
+                  <a:srgbClr val="000000"/>
+                </a:solidFill>
+              </a:defRPr>
+            </a:pPr>
+            <a:fld id="{86CB4B4D-7CA3-9044-876B-883B54F8677D}" type="slidenum">
+              <a:rPr>
+                <a:solidFill>
+                  <a:srgbClr val="4C4946"/>
+                </a:solidFill>
+              </a:rPr>
+              <a:t>11</a:t>
+            </a:fld>
+            <a:endParaRPr>
+              <a:solidFill>
+                <a:srgbClr val="4C4946"/>
+              </a:solidFill>
+            </a:endParaRPr>
+          </a:p>
+        </p:txBody>
+      </p:sp>
+      <p:pic>
+        <p:nvPicPr>
+          <p:cNvPr id="2" name="Imagen 1"/>
+          <p:cNvPicPr>
+            <a:picLocks noChangeAspect="1"/>
+          </p:cNvPicPr>
+          <p:nvPr/>
+        </p:nvPicPr>
+        <p:blipFill>
+          <a:blip r:embed="rId2"/>
+          <a:stretch>
+            <a:fillRect/>
+          </a:stretch>
+        </p:blipFill>
+        <p:spPr>
+          <a:xfrm>
+            <a:off x="508000" y="4559300"/>
+            <a:ext cx="3501307" cy="2642393"/>
+          </a:xfrm>
+          <a:prstGeom prst="rect">
+            <a:avLst/>
+          </a:prstGeom>
+        </p:spPr>
+      </p:pic>
+      <p:pic>
+        <p:nvPicPr>
+          <p:cNvPr id="4" name="Imagen 3"/>
+          <p:cNvPicPr>
+            <a:picLocks noChangeAspect="1"/>
+          </p:cNvPicPr>
+          <p:nvPr/>
+        </p:nvPicPr>
+        <p:blipFill>
+          <a:blip r:embed="rId3"/>
+          <a:stretch>
+            <a:fillRect/>
+          </a:stretch>
+        </p:blipFill>
+        <p:spPr>
+          <a:xfrm>
+            <a:off x="8954760" y="4559300"/>
+            <a:ext cx="3542040" cy="2642393"/>
+          </a:xfrm>
+          <a:prstGeom prst="rect">
+            <a:avLst/>
+          </a:prstGeom>
+        </p:spPr>
+      </p:pic>
+      <p:pic>
+        <p:nvPicPr>
+          <p:cNvPr id="5" name="Imagen 4"/>
+          <p:cNvPicPr>
+            <a:picLocks noChangeAspect="1"/>
+          </p:cNvPicPr>
+          <p:nvPr/>
+        </p:nvPicPr>
+        <p:blipFill>
+          <a:blip r:embed="rId4"/>
+          <a:stretch>
+            <a:fillRect/>
+          </a:stretch>
+        </p:blipFill>
+        <p:spPr>
+          <a:xfrm>
+            <a:off x="4614086" y="4559300"/>
+            <a:ext cx="3776628" cy="2642393"/>
+          </a:xfrm>
+          <a:prstGeom prst="rect">
+            <a:avLst/>
+          </a:prstGeom>
+        </p:spPr>
+      </p:pic>
+    </p:spTree>
+    <p:extLst>
+      <p:ext uri="{BB962C8B-B14F-4D97-AF65-F5344CB8AC3E}">
+        <p14:creationId xmlns:p14="http://schemas.microsoft.com/office/powerpoint/2010/main" val="2256224012"/>
+      </p:ext>
+    </p:extLst>
+  </p:cSld>
+  <p:clrMapOvr>
+    <a:masterClrMapping/>
+  </p:clrMapOvr>
+  <p:transition spd="med"/>
+</p:sld>
+</file>
+
+<file path=ppt/slides/slide12.xml><?xml version="1.0" encoding="utf-8"?>
+<p:sld xmlns:a="http://schemas.openxmlformats.org/drawingml/2006/main" xmlns:r="http://schemas.openxmlformats.org/officeDocument/2006/relationships" xmlns:p="http://schemas.openxmlformats.org/presentationml/2006/main">
+  <p:cSld>
+    <p:spTree>
+      <p:nvGrpSpPr>
+        <p:cNvPr id="1" name=""/>
+        <p:cNvGrpSpPr/>
+        <p:nvPr/>
+      </p:nvGrpSpPr>
+      <p:grpSpPr>
+        <a:xfrm>
+          <a:off x="0" y="0"/>
+          <a:ext cx="0" cy="0"/>
+          <a:chOff x="0" y="0"/>
+          <a:chExt cx="0" cy="0"/>
+        </a:xfrm>
+      </p:grpSpPr>
+      <p:sp>
+        <p:nvSpPr>
+          <p:cNvPr id="91" name="Shape 91"/>
+          <p:cNvSpPr>
+            <a:spLocks noGrp="1"/>
+          </p:cNvSpPr>
+          <p:nvPr>
+            <p:ph type="title"/>
+          </p:nvPr>
+        </p:nvSpPr>
+        <p:spPr>
+          <a:prstGeom prst="rect">
+            <a:avLst/>
+          </a:prstGeom>
+        </p:spPr>
+        <p:txBody>
+          <a:bodyPr/>
+          <a:lstStyle/>
+          <a:p>
+            <a:pPr lvl="0" defTabSz="297941">
+              <a:spcBef>
+                <a:spcPts val="800"/>
+              </a:spcBef>
+              <a:defRPr sz="1800">
+                <a:solidFill>
+                  <a:srgbClr val="000000"/>
+                </a:solidFill>
+              </a:defRPr>
+            </a:pPr>
+            <a:r>
+              <a:rPr sz="3570" dirty="0">
+                <a:solidFill>
+                  <a:srgbClr val="D93E2B"/>
+                </a:solidFill>
+              </a:rPr>
+              <a:t>Brain-body coevolution</a:t>
+            </a:r>
+          </a:p>
+          <a:p>
+            <a:pPr lvl="0" defTabSz="297941">
+              <a:spcBef>
+                <a:spcPts val="800"/>
+              </a:spcBef>
+              <a:defRPr sz="1800">
+                <a:solidFill>
+                  <a:srgbClr val="000000"/>
+                </a:solidFill>
+              </a:defRPr>
+            </a:pPr>
+            <a:r>
+              <a:rPr sz="3570" dirty="0">
+                <a:solidFill>
+                  <a:srgbClr val="D93E2B"/>
+                </a:solidFill>
+              </a:rPr>
+              <a:t>- racing scenario-</a:t>
+            </a:r>
+          </a:p>
+        </p:txBody>
+      </p:sp>
+      <p:sp>
+        <p:nvSpPr>
+          <p:cNvPr id="92" name="Shape 92"/>
+          <p:cNvSpPr>
+            <a:spLocks noGrp="1"/>
+          </p:cNvSpPr>
+          <p:nvPr>
+            <p:ph type="body" idx="1"/>
+          </p:nvPr>
+        </p:nvSpPr>
+        <p:spPr>
+          <a:prstGeom prst="rect">
+            <a:avLst/>
+          </a:prstGeom>
+        </p:spPr>
+        <p:txBody>
+          <a:bodyPr/>
+          <a:lstStyle/>
+          <a:p>
+            <a:pPr lvl="0"/>
+            <a:r>
+              <a:rPr lang="en-GB" sz="2800" dirty="0" smtClean="0"/>
+              <a:t>For each environment, three tests were performed, with three different values for the seed.</a:t>
+            </a:r>
+          </a:p>
+          <a:p>
+            <a:pPr lvl="0"/>
+            <a:r>
+              <a:rPr lang="en-GB" sz="2800" dirty="0" smtClean="0"/>
+              <a:t>Fitness-value obtained for 100 </a:t>
+            </a:r>
+            <a:r>
+              <a:rPr lang="en-GB" sz="2800" dirty="0" smtClean="0"/>
+              <a:t>iterations:</a:t>
+            </a:r>
+            <a:endParaRPr lang="en-GB" sz="2800" dirty="0" smtClean="0"/>
+          </a:p>
+          <a:p>
+            <a:pPr lvl="0"/>
+            <a:endParaRPr lang="gl-ES" dirty="0"/>
+          </a:p>
+          <a:p>
+            <a:pPr lvl="0"/>
+            <a:endParaRPr lang="gl-ES" dirty="0" smtClean="0"/>
+          </a:p>
+          <a:p>
+            <a:pPr lvl="0"/>
+            <a:endParaRPr dirty="0"/>
+          </a:p>
+        </p:txBody>
+      </p:sp>
+      <p:sp>
+        <p:nvSpPr>
+          <p:cNvPr id="93" name="Shape 93"/>
+          <p:cNvSpPr>
+            <a:spLocks noGrp="1"/>
+          </p:cNvSpPr>
+          <p:nvPr>
+            <p:ph type="sldNum" sz="quarter" idx="4294967295"/>
+          </p:nvPr>
+        </p:nvSpPr>
+        <p:spPr>
+          <a:xfrm>
+            <a:off x="6381749" y="9258300"/>
+            <a:ext cx="228601" cy="406400"/>
+          </a:xfrm>
+          <a:prstGeom prst="rect">
+            <a:avLst/>
+          </a:prstGeom>
+          <a:ln w="12700">
+            <a:miter lim="400000"/>
+          </a:ln>
+          <a:extLst>
+            <a:ext uri="{C572A759-6A51-4108-AA02-DFA0A04FC94B}">
+              <ma14:wrappingTextBoxFlag xmlns:ma14="http://schemas.microsoft.com/office/mac/drawingml/2011/main" xmlns="" val="1"/>
+            </a:ext>
+          </a:extLst>
+        </p:spPr>
+        <p:txBody>
+          <a:bodyPr wrap="none" lIns="0" tIns="0" rIns="0" bIns="0">
+            <a:spAutoFit/>
+          </a:bodyPr>
+          <a:lstStyle>
+            <a:lvl1pPr>
+              <a:defRPr sz="1800">
+                <a:solidFill>
+                  <a:srgbClr val="4C4946"/>
+                </a:solidFill>
+              </a:defRPr>
+            </a:lvl1pPr>
+          </a:lstStyle>
+          <a:p>
+            <a:pPr lvl="0">
+              <a:defRPr>
+                <a:solidFill>
+                  <a:srgbClr val="000000"/>
+                </a:solidFill>
+              </a:defRPr>
+            </a:pPr>
+            <a:fld id="{86CB4B4D-7CA3-9044-876B-883B54F8677D}" type="slidenum">
+              <a:rPr>
+                <a:solidFill>
+                  <a:srgbClr val="4C4946"/>
+                </a:solidFill>
+              </a:rPr>
+              <a:t>12</a:t>
+            </a:fld>
+            <a:endParaRPr>
+              <a:solidFill>
+                <a:srgbClr val="4C4946"/>
+              </a:solidFill>
+            </a:endParaRPr>
+          </a:p>
+        </p:txBody>
+      </p:sp>
+      <p:graphicFrame>
+        <p:nvGraphicFramePr>
+          <p:cNvPr id="2" name="Tabla 1"/>
+          <p:cNvGraphicFramePr>
+            <a:graphicFrameLocks noGrp="1"/>
+          </p:cNvGraphicFramePr>
+          <p:nvPr>
+            <p:extLst/>
+          </p:nvPr>
+        </p:nvGraphicFramePr>
+        <p:xfrm>
+          <a:off x="1801281" y="6101644"/>
+          <a:ext cx="9160936" cy="2026356"/>
+        </p:xfrm>
+        <a:graphic>
+          <a:graphicData uri="http://schemas.openxmlformats.org/drawingml/2006/table">
+            <a:tbl>
+              <a:tblPr firstRow="1" bandRow="1">
+                <a:tableStyleId>{5202B0CA-FC54-4496-8BCA-5EF66A818D29}</a:tableStyleId>
+              </a:tblPr>
+              <a:tblGrid>
+                <a:gridCol w="2290234"/>
+                <a:gridCol w="2290234"/>
+                <a:gridCol w="2290234"/>
+                <a:gridCol w="2290234"/>
+              </a:tblGrid>
+              <a:tr h="506589">
+                <a:tc>
+                  <a:txBody>
+                    <a:bodyPr/>
+                    <a:lstStyle/>
+                    <a:p>
+                      <a:pPr algn="ctr"/>
+                      <a:endParaRPr lang="en-GB" dirty="0"/>
+                    </a:p>
+                  </a:txBody>
+                  <a:tcPr/>
+                </a:tc>
+                <a:tc>
+                  <a:txBody>
+                    <a:bodyPr/>
+                    <a:lstStyle/>
+                    <a:p>
+                      <a:pPr algn="ctr"/>
+                      <a:r>
+                        <a:rPr lang="en-GB" dirty="0" smtClean="0"/>
+                        <a:t>1</a:t>
+                      </a:r>
+                      <a:endParaRPr lang="en-GB" dirty="0"/>
+                    </a:p>
+                  </a:txBody>
+                  <a:tcPr/>
+                </a:tc>
+                <a:tc>
+                  <a:txBody>
+                    <a:bodyPr/>
+                    <a:lstStyle/>
+                    <a:p>
+                      <a:pPr algn="ctr"/>
+                      <a:r>
+                        <a:rPr lang="en-GB" dirty="0" smtClean="0"/>
+                        <a:t>2</a:t>
+                      </a:r>
+                      <a:endParaRPr lang="en-GB" dirty="0"/>
+                    </a:p>
+                  </a:txBody>
+                  <a:tcPr/>
+                </a:tc>
+                <a:tc>
+                  <a:txBody>
+                    <a:bodyPr/>
+                    <a:lstStyle/>
+                    <a:p>
+                      <a:pPr algn="ctr"/>
+                      <a:r>
+                        <a:rPr lang="en-GB" dirty="0" smtClean="0"/>
+                        <a:t>3</a:t>
+                      </a:r>
+                      <a:endParaRPr lang="en-GB" dirty="0"/>
+                    </a:p>
+                  </a:txBody>
+                  <a:tcPr/>
+                </a:tc>
+              </a:tr>
+              <a:tr h="506589">
+                <a:tc>
+                  <a:txBody>
+                    <a:bodyPr/>
+                    <a:lstStyle/>
+                    <a:p>
+                      <a:pPr algn="ctr"/>
+                      <a:r>
+                        <a:rPr lang="en-GB" dirty="0" smtClean="0"/>
+                        <a:t>No obstacles</a:t>
+                      </a:r>
+                      <a:endParaRPr lang="en-GB" dirty="0"/>
+                    </a:p>
+                  </a:txBody>
+                  <a:tcPr/>
+                </a:tc>
+                <a:tc>
+                  <a:txBody>
+                    <a:bodyPr/>
+                    <a:lstStyle/>
+                    <a:p>
+                      <a:pPr algn="ctr"/>
+                      <a:r>
+                        <a:rPr lang="en-GB" dirty="0" smtClean="0"/>
+                        <a:t>0,543</a:t>
+                      </a:r>
+                      <a:endParaRPr lang="en-GB" dirty="0"/>
+                    </a:p>
+                  </a:txBody>
+                  <a:tcPr/>
+                </a:tc>
+                <a:tc>
+                  <a:txBody>
+                    <a:bodyPr/>
+                    <a:lstStyle/>
+                    <a:p>
+                      <a:pPr algn="ctr"/>
+                      <a:r>
+                        <a:rPr lang="en-GB" dirty="0" smtClean="0"/>
+                        <a:t>0,794</a:t>
+                      </a:r>
+                      <a:endParaRPr lang="en-GB" dirty="0"/>
+                    </a:p>
+                  </a:txBody>
+                  <a:tcPr/>
+                </a:tc>
+                <a:tc>
+                  <a:txBody>
+                    <a:bodyPr/>
+                    <a:lstStyle/>
+                    <a:p>
+                      <a:pPr algn="ctr"/>
+                      <a:r>
+                        <a:rPr lang="en-GB" dirty="0" smtClean="0"/>
+                        <a:t>1,389</a:t>
+                      </a:r>
+                      <a:endParaRPr lang="en-GB" dirty="0"/>
+                    </a:p>
+                  </a:txBody>
+                  <a:tcPr/>
+                </a:tc>
+              </a:tr>
+              <a:tr h="506589">
+                <a:tc>
+                  <a:txBody>
+                    <a:bodyPr/>
+                    <a:lstStyle/>
+                    <a:p>
+                      <a:pPr algn="ctr"/>
+                      <a:r>
+                        <a:rPr lang="en-GB" baseline="0" dirty="0" smtClean="0"/>
+                        <a:t>Light density</a:t>
+                      </a:r>
+                      <a:endParaRPr lang="en-GB" dirty="0"/>
+                    </a:p>
+                  </a:txBody>
+                  <a:tcPr/>
+                </a:tc>
+                <a:tc>
+                  <a:txBody>
+                    <a:bodyPr/>
+                    <a:lstStyle/>
+                    <a:p>
+                      <a:pPr algn="ctr"/>
+                      <a:r>
+                        <a:rPr lang="en-GB" dirty="0" smtClean="0"/>
+                        <a:t>2,62</a:t>
+                      </a:r>
+                      <a:endParaRPr lang="en-GB" dirty="0"/>
+                    </a:p>
+                  </a:txBody>
+                  <a:tcPr/>
+                </a:tc>
+                <a:tc>
+                  <a:txBody>
+                    <a:bodyPr/>
+                    <a:lstStyle/>
+                    <a:p>
+                      <a:pPr algn="ctr"/>
+                      <a:r>
+                        <a:rPr lang="en-GB" dirty="0" smtClean="0"/>
+                        <a:t>0,63</a:t>
+                      </a:r>
+                      <a:endParaRPr lang="en-GB" dirty="0"/>
+                    </a:p>
+                  </a:txBody>
+                  <a:tcPr/>
+                </a:tc>
+                <a:tc>
+                  <a:txBody>
+                    <a:bodyPr/>
+                    <a:lstStyle/>
+                    <a:p>
+                      <a:pPr algn="ctr"/>
+                      <a:r>
+                        <a:rPr lang="en-GB" dirty="0" smtClean="0"/>
+                        <a:t>0,508</a:t>
+                      </a:r>
+                      <a:endParaRPr lang="en-GB" dirty="0"/>
+                    </a:p>
+                  </a:txBody>
+                  <a:tcPr/>
+                </a:tc>
+              </a:tr>
+              <a:tr h="506589">
+                <a:tc>
+                  <a:txBody>
+                    <a:bodyPr/>
+                    <a:lstStyle/>
+                    <a:p>
+                      <a:pPr algn="ctr"/>
+                      <a:r>
+                        <a:rPr lang="en-GB" dirty="0" smtClean="0"/>
+                        <a:t>High Density</a:t>
+                      </a:r>
+                      <a:endParaRPr lang="en-GB" dirty="0"/>
+                    </a:p>
+                  </a:txBody>
+                  <a:tcPr/>
+                </a:tc>
+                <a:tc>
+                  <a:txBody>
+                    <a:bodyPr/>
+                    <a:lstStyle/>
+                    <a:p>
+                      <a:pPr algn="ctr"/>
+                      <a:r>
+                        <a:rPr lang="en-GB" dirty="0" smtClean="0"/>
+                        <a:t>2,32</a:t>
+                      </a:r>
+                      <a:endParaRPr lang="en-GB" dirty="0"/>
+                    </a:p>
+                  </a:txBody>
+                  <a:tcPr/>
+                </a:tc>
+                <a:tc>
+                  <a:txBody>
+                    <a:bodyPr/>
+                    <a:lstStyle/>
+                    <a:p>
+                      <a:pPr algn="ctr"/>
+                      <a:r>
+                        <a:rPr lang="en-GB" dirty="0" smtClean="0"/>
+                        <a:t>0,794</a:t>
+                      </a:r>
+                      <a:endParaRPr lang="en-GB" dirty="0"/>
+                    </a:p>
+                  </a:txBody>
+                  <a:tcPr/>
+                </a:tc>
+                <a:tc>
+                  <a:txBody>
+                    <a:bodyPr/>
+                    <a:lstStyle/>
+                    <a:p>
+                      <a:pPr algn="ctr"/>
+                      <a:endParaRPr lang="en-GB" dirty="0"/>
+                    </a:p>
+                  </a:txBody>
+                  <a:tcPr/>
+                </a:tc>
+              </a:tr>
+            </a:tbl>
+          </a:graphicData>
+        </a:graphic>
+      </p:graphicFrame>
+    </p:spTree>
+    <p:extLst>
+      <p:ext uri="{BB962C8B-B14F-4D97-AF65-F5344CB8AC3E}">
+        <p14:creationId xmlns:p14="http://schemas.microsoft.com/office/powerpoint/2010/main" val="3404158958"/>
+      </p:ext>
+    </p:extLst>
+  </p:cSld>
+  <p:clrMapOvr>
+    <a:masterClrMapping/>
+  </p:clrMapOvr>
+  <p:transition spd="med"/>
+</p:sld>
+</file>
+
+<file path=ppt/slides/slide13.xml><?xml version="1.0" encoding="utf-8"?>
+<p:sld xmlns:a="http://schemas.openxmlformats.org/drawingml/2006/main" xmlns:r="http://schemas.openxmlformats.org/officeDocument/2006/relationships" xmlns:p="http://schemas.openxmlformats.org/presentationml/2006/main">
+  <p:cSld>
+    <p:spTree>
+      <p:nvGrpSpPr>
+        <p:cNvPr id="1" name=""/>
+        <p:cNvGrpSpPr/>
+        <p:nvPr/>
+      </p:nvGrpSpPr>
+      <p:grpSpPr>
+        <a:xfrm>
+          <a:off x="0" y="0"/>
+          <a:ext cx="0" cy="0"/>
+          <a:chOff x="0" y="0"/>
+          <a:chExt cx="0" cy="0"/>
+        </a:xfrm>
+      </p:grpSpPr>
+      <p:sp>
+        <p:nvSpPr>
+          <p:cNvPr id="91" name="Shape 91"/>
+          <p:cNvSpPr>
+            <a:spLocks noGrp="1"/>
+          </p:cNvSpPr>
+          <p:nvPr>
+            <p:ph type="title"/>
+          </p:nvPr>
+        </p:nvSpPr>
+        <p:spPr>
+          <a:prstGeom prst="rect">
+            <a:avLst/>
+          </a:prstGeom>
+        </p:spPr>
+        <p:txBody>
+          <a:bodyPr/>
+          <a:lstStyle/>
+          <a:p>
+            <a:pPr lvl="0" defTabSz="297941">
+              <a:spcBef>
+                <a:spcPts val="800"/>
+              </a:spcBef>
+              <a:defRPr sz="1800">
+                <a:solidFill>
+                  <a:srgbClr val="000000"/>
+                </a:solidFill>
+              </a:defRPr>
+            </a:pPr>
+            <a:r>
+              <a:rPr sz="3570" dirty="0">
+                <a:solidFill>
+                  <a:srgbClr val="D93E2B"/>
+                </a:solidFill>
+              </a:rPr>
+              <a:t>Brain-body coevolution</a:t>
+            </a:r>
+          </a:p>
+          <a:p>
+            <a:pPr lvl="0" defTabSz="297941">
+              <a:spcBef>
+                <a:spcPts val="800"/>
+              </a:spcBef>
+              <a:defRPr sz="1800">
+                <a:solidFill>
+                  <a:srgbClr val="000000"/>
+                </a:solidFill>
+              </a:defRPr>
+            </a:pPr>
+            <a:r>
+              <a:rPr sz="3570" dirty="0">
+                <a:solidFill>
+                  <a:srgbClr val="D93E2B"/>
+                </a:solidFill>
+              </a:rPr>
+              <a:t>- racing scenario-</a:t>
+            </a:r>
+          </a:p>
+        </p:txBody>
+      </p:sp>
+      <p:sp>
+        <p:nvSpPr>
+          <p:cNvPr id="92" name="Shape 92"/>
+          <p:cNvSpPr>
+            <a:spLocks noGrp="1"/>
+          </p:cNvSpPr>
+          <p:nvPr>
+            <p:ph type="body" idx="1"/>
+          </p:nvPr>
+        </p:nvSpPr>
+        <p:spPr>
+          <a:prstGeom prst="rect">
+            <a:avLst/>
+          </a:prstGeom>
+        </p:spPr>
+        <p:txBody>
+          <a:bodyPr>
+            <a:normAutofit/>
+          </a:bodyPr>
+          <a:lstStyle/>
+          <a:p>
+            <a:pPr lvl="0"/>
+            <a:r>
+              <a:rPr lang="en-GB" dirty="0" smtClean="0"/>
+              <a:t>Conclusions for this scenario:</a:t>
+            </a:r>
+          </a:p>
+          <a:p>
+            <a:pPr lvl="1"/>
+            <a:r>
+              <a:rPr lang="en-GB" sz="2800" dirty="0" smtClean="0"/>
+              <a:t>The best results were obtained at the environment with a light density of obstacles.</a:t>
+            </a:r>
+          </a:p>
+          <a:p>
+            <a:pPr lvl="1"/>
+            <a:r>
+              <a:rPr lang="en-GB" sz="2800" dirty="0" smtClean="0"/>
+              <a:t>The presence of a challenging element (as obstacles) improves the results of the evolution. However, the results will be worse if the challenge is too hard.</a:t>
+            </a:r>
+          </a:p>
+          <a:p>
+            <a:pPr lvl="1"/>
+            <a:r>
+              <a:rPr lang="en-GB" sz="2800" dirty="0"/>
+              <a:t>I</a:t>
+            </a:r>
+            <a:r>
+              <a:rPr lang="en-GB" sz="2800" dirty="0" smtClean="0"/>
+              <a:t>ncreasing the number of iterations usually means getting better results.</a:t>
+            </a:r>
+          </a:p>
+          <a:p>
+            <a:pPr lvl="1"/>
+            <a:r>
+              <a:rPr lang="en-GB" sz="2800" dirty="0" smtClean="0"/>
+              <a:t>Increasing the seed improves the results on the environment without obstacles, but worsens the results in the other environments.</a:t>
+            </a:r>
+          </a:p>
+        </p:txBody>
+      </p:sp>
+      <p:sp>
+        <p:nvSpPr>
+          <p:cNvPr id="93" name="Shape 93"/>
+          <p:cNvSpPr>
+            <a:spLocks noGrp="1"/>
+          </p:cNvSpPr>
+          <p:nvPr>
+            <p:ph type="sldNum" sz="quarter" idx="4294967295"/>
+          </p:nvPr>
+        </p:nvSpPr>
+        <p:spPr>
+          <a:xfrm>
+            <a:off x="6381749" y="9258300"/>
+            <a:ext cx="228601" cy="406400"/>
+          </a:xfrm>
+          <a:prstGeom prst="rect">
+            <a:avLst/>
+          </a:prstGeom>
+          <a:ln w="12700">
+            <a:miter lim="400000"/>
+          </a:ln>
+          <a:extLst>
+            <a:ext uri="{C572A759-6A51-4108-AA02-DFA0A04FC94B}">
+              <ma14:wrappingTextBoxFlag xmlns:ma14="http://schemas.microsoft.com/office/mac/drawingml/2011/main" xmlns="" val="1"/>
+            </a:ext>
+          </a:extLst>
+        </p:spPr>
+        <p:txBody>
+          <a:bodyPr wrap="none" lIns="0" tIns="0" rIns="0" bIns="0">
+            <a:spAutoFit/>
+          </a:bodyPr>
+          <a:lstStyle>
+            <a:lvl1pPr>
+              <a:defRPr sz="1800">
+                <a:solidFill>
+                  <a:srgbClr val="4C4946"/>
+                </a:solidFill>
+              </a:defRPr>
+            </a:lvl1pPr>
+          </a:lstStyle>
+          <a:p>
+            <a:pPr lvl="0">
+              <a:defRPr>
+                <a:solidFill>
+                  <a:srgbClr val="000000"/>
+                </a:solidFill>
+              </a:defRPr>
+            </a:pPr>
+            <a:fld id="{86CB4B4D-7CA3-9044-876B-883B54F8677D}" type="slidenum">
+              <a:rPr>
+                <a:solidFill>
+                  <a:srgbClr val="4C4946"/>
+                </a:solidFill>
+              </a:rPr>
+              <a:t>13</a:t>
+            </a:fld>
+            <a:endParaRPr>
+              <a:solidFill>
+                <a:srgbClr val="4C4946"/>
+              </a:solidFill>
+            </a:endParaRPr>
+          </a:p>
+        </p:txBody>
+      </p:sp>
+    </p:spTree>
+    <p:extLst>
+      <p:ext uri="{BB962C8B-B14F-4D97-AF65-F5344CB8AC3E}">
+        <p14:creationId xmlns:p14="http://schemas.microsoft.com/office/powerpoint/2010/main" val="983690381"/>
+      </p:ext>
+    </p:extLst>
+  </p:cSld>
+  <p:clrMapOvr>
+    <a:masterClrMapping/>
+  </p:clrMapOvr>
+  <p:transition spd="med"/>
+</p:sld>
+</file>
+
+<file path=ppt/slides/slide14.xml><?xml version="1.0" encoding="utf-8"?>
+<p:sld xmlns:a="http://schemas.openxmlformats.org/drawingml/2006/main" xmlns:r="http://schemas.openxmlformats.org/officeDocument/2006/relationships" xmlns:p="http://schemas.openxmlformats.org/presentationml/2006/main">
+  <p:cSld>
+    <p:spTree>
+      <p:nvGrpSpPr>
+        <p:cNvPr id="1" name=""/>
+        <p:cNvGrpSpPr/>
+        <p:nvPr/>
+      </p:nvGrpSpPr>
+      <p:grpSpPr>
+        <a:xfrm>
+          <a:off x="0" y="0"/>
+          <a:ext cx="0" cy="0"/>
+          <a:chOff x="0" y="0"/>
+          <a:chExt cx="0" cy="0"/>
+        </a:xfrm>
+      </p:grpSpPr>
+      <p:sp>
+        <p:nvSpPr>
+          <p:cNvPr id="91" name="Shape 91"/>
+          <p:cNvSpPr>
+            <a:spLocks noGrp="1"/>
+          </p:cNvSpPr>
+          <p:nvPr>
+            <p:ph type="title"/>
+          </p:nvPr>
+        </p:nvSpPr>
+        <p:spPr>
+          <a:prstGeom prst="rect">
+            <a:avLst/>
+          </a:prstGeom>
+        </p:spPr>
+        <p:txBody>
+          <a:bodyPr/>
+          <a:lstStyle/>
+          <a:p>
+            <a:pPr lvl="0" defTabSz="297941">
+              <a:spcBef>
+                <a:spcPts val="800"/>
+              </a:spcBef>
+              <a:defRPr sz="1800">
+                <a:solidFill>
+                  <a:srgbClr val="000000"/>
+                </a:solidFill>
+              </a:defRPr>
+            </a:pPr>
+            <a:r>
+              <a:rPr sz="3570" dirty="0">
+                <a:solidFill>
+                  <a:srgbClr val="D93E2B"/>
+                </a:solidFill>
+              </a:rPr>
+              <a:t>Brain-body coevolution</a:t>
+            </a:r>
+          </a:p>
+          <a:p>
+            <a:pPr lvl="0" defTabSz="297941">
+              <a:spcBef>
+                <a:spcPts val="800"/>
+              </a:spcBef>
+              <a:defRPr sz="1800">
+                <a:solidFill>
+                  <a:srgbClr val="000000"/>
+                </a:solidFill>
+              </a:defRPr>
+            </a:pPr>
+            <a:r>
+              <a:rPr sz="3570" dirty="0">
+                <a:solidFill>
+                  <a:srgbClr val="D93E2B"/>
+                </a:solidFill>
+              </a:rPr>
+              <a:t>- racing scenario-</a:t>
+            </a:r>
+          </a:p>
+        </p:txBody>
+      </p:sp>
+      <p:sp>
+        <p:nvSpPr>
+          <p:cNvPr id="92" name="Shape 92"/>
+          <p:cNvSpPr>
+            <a:spLocks noGrp="1"/>
+          </p:cNvSpPr>
+          <p:nvPr>
+            <p:ph type="body" idx="1"/>
+          </p:nvPr>
+        </p:nvSpPr>
+        <p:spPr>
+          <a:prstGeom prst="rect">
+            <a:avLst/>
+          </a:prstGeom>
+        </p:spPr>
+        <p:txBody>
+          <a:bodyPr/>
+          <a:lstStyle/>
+          <a:p>
+            <a:pPr lvl="0"/>
+            <a:r>
+              <a:rPr lang="en-GB" dirty="0" smtClean="0"/>
+              <a:t>The best robot generated had a fitness value of 6.94,and was obtained for 10000 iterations.</a:t>
+            </a:r>
+          </a:p>
+          <a:p>
+            <a:pPr lvl="0"/>
+            <a:endParaRPr lang="gl-ES" dirty="0"/>
+          </a:p>
+          <a:p>
+            <a:pPr lvl="0"/>
+            <a:endParaRPr lang="gl-ES" dirty="0" smtClean="0"/>
+          </a:p>
+          <a:p>
+            <a:pPr lvl="0"/>
+            <a:endParaRPr lang="gl-ES" dirty="0"/>
+          </a:p>
+          <a:p>
+            <a:pPr lvl="0"/>
+            <a:endParaRPr lang="gl-ES" dirty="0" smtClean="0"/>
+          </a:p>
+          <a:p>
+            <a:pPr lvl="0"/>
+            <a:endParaRPr lang="gl-ES" dirty="0"/>
+          </a:p>
+          <a:p>
+            <a:pPr lvl="0"/>
+            <a:endParaRPr dirty="0"/>
+          </a:p>
+        </p:txBody>
+      </p:sp>
+      <p:sp>
+        <p:nvSpPr>
+          <p:cNvPr id="93" name="Shape 93"/>
+          <p:cNvSpPr>
+            <a:spLocks noGrp="1"/>
+          </p:cNvSpPr>
+          <p:nvPr>
+            <p:ph type="sldNum" sz="quarter" idx="4294967295"/>
+          </p:nvPr>
+        </p:nvSpPr>
+        <p:spPr>
+          <a:xfrm>
+            <a:off x="6381749" y="9258300"/>
+            <a:ext cx="228601" cy="406400"/>
+          </a:xfrm>
+          <a:prstGeom prst="rect">
+            <a:avLst/>
+          </a:prstGeom>
+          <a:ln w="12700">
+            <a:miter lim="400000"/>
+          </a:ln>
+          <a:extLst>
+            <a:ext uri="{C572A759-6A51-4108-AA02-DFA0A04FC94B}">
+              <ma14:wrappingTextBoxFlag xmlns:ma14="http://schemas.microsoft.com/office/mac/drawingml/2011/main" xmlns="" val="1"/>
+            </a:ext>
+          </a:extLst>
+        </p:spPr>
+        <p:txBody>
+          <a:bodyPr wrap="none" lIns="0" tIns="0" rIns="0" bIns="0">
+            <a:spAutoFit/>
+          </a:bodyPr>
+          <a:lstStyle>
+            <a:lvl1pPr>
+              <a:defRPr sz="1800">
+                <a:solidFill>
+                  <a:srgbClr val="4C4946"/>
+                </a:solidFill>
+              </a:defRPr>
+            </a:lvl1pPr>
+          </a:lstStyle>
+          <a:p>
+            <a:pPr lvl="0">
+              <a:defRPr>
+                <a:solidFill>
+                  <a:srgbClr val="000000"/>
+                </a:solidFill>
+              </a:defRPr>
+            </a:pPr>
+            <a:fld id="{86CB4B4D-7CA3-9044-876B-883B54F8677D}" type="slidenum">
+              <a:rPr>
+                <a:solidFill>
+                  <a:srgbClr val="4C4946"/>
+                </a:solidFill>
+              </a:rPr>
+              <a:t>14</a:t>
+            </a:fld>
+            <a:endParaRPr>
+              <a:solidFill>
+                <a:srgbClr val="4C4946"/>
+              </a:solidFill>
+            </a:endParaRPr>
+          </a:p>
+        </p:txBody>
+      </p:sp>
+      <p:pic>
+        <p:nvPicPr>
+          <p:cNvPr id="2" name="Imagen 1"/>
+          <p:cNvPicPr>
+            <a:picLocks noChangeAspect="1"/>
+          </p:cNvPicPr>
+          <p:nvPr/>
+        </p:nvPicPr>
+        <p:blipFill>
+          <a:blip r:embed="rId2"/>
+          <a:stretch>
+            <a:fillRect/>
+          </a:stretch>
+        </p:blipFill>
+        <p:spPr>
+          <a:xfrm>
+            <a:off x="711200" y="3922712"/>
+            <a:ext cx="5411990" cy="4802188"/>
+          </a:xfrm>
+          <a:prstGeom prst="rect">
+            <a:avLst/>
+          </a:prstGeom>
+        </p:spPr>
+      </p:pic>
+    </p:spTree>
+    <p:extLst>
+      <p:ext uri="{BB962C8B-B14F-4D97-AF65-F5344CB8AC3E}">
+        <p14:creationId xmlns:p14="http://schemas.microsoft.com/office/powerpoint/2010/main" val="784975105"/>
+      </p:ext>
+    </p:extLst>
+  </p:cSld>
+  <p:clrMapOvr>
+    <a:masterClrMapping/>
+  </p:clrMapOvr>
+  <p:transition spd="med"/>
+</p:sld>
+</file>
+
+<file path=ppt/slides/slide15.xml><?xml version="1.0" encoding="utf-8"?>
+<p:sld xmlns:a="http://schemas.openxmlformats.org/drawingml/2006/main" xmlns:r="http://schemas.openxmlformats.org/officeDocument/2006/relationships" xmlns:p="http://schemas.openxmlformats.org/presentationml/2006/main">
   <p:cSld>
     <p:spTree>
       <p:nvGrpSpPr>
@@ -5106,7 +6276,9 @@
       <p:sp>
         <p:nvSpPr>
           <p:cNvPr id="116" name="Shape 116"/>
-          <p:cNvSpPr/>
+          <p:cNvSpPr>
+            <a:spLocks noGrp="1"/>
+          </p:cNvSpPr>
           <p:nvPr>
             <p:ph type="title"/>
           </p:nvPr>
@@ -5138,11 +6310,6 @@
               </a:rPr>
               <a:t>Brain-body coevolution</a:t>
             </a:r>
-            <a:endParaRPr sz="3570">
-              <a:solidFill>
-                <a:srgbClr val="D93E2B"/>
-              </a:solidFill>
-            </a:endParaRPr>
           </a:p>
           <a:p>
             <a:pPr lvl="0" defTabSz="297941">
@@ -5169,7 +6336,9 @@
       <p:sp>
         <p:nvSpPr>
           <p:cNvPr id="117" name="Shape 117"/>
-          <p:cNvSpPr/>
+          <p:cNvSpPr>
+            <a:spLocks noGrp="1"/>
+          </p:cNvSpPr>
           <p:nvPr>
             <p:ph type="body" idx="1"/>
           </p:nvPr>
@@ -5184,13 +6353,16 @@
           <a:lstStyle/>
           <a:p>
             <a:pPr lvl="0"/>
+            <a:endParaRPr/>
           </a:p>
         </p:txBody>
       </p:sp>
       <p:sp>
         <p:nvSpPr>
           <p:cNvPr id="118" name="Shape 118"/>
-          <p:cNvSpPr/>
+          <p:cNvSpPr>
+            <a:spLocks noGrp="1"/>
+          </p:cNvSpPr>
           <p:nvPr>
             <p:ph type="sldNum" sz="quarter" idx="4294967295"/>
           </p:nvPr>
@@ -5208,7 +6380,7 @@
           </a:ln>
           <a:extLst>
             <a:ext uri="{C572A759-6A51-4108-AA02-DFA0A04FC94B}">
-              <ma14:wrappingTextBoxFlag xmlns:ma14="http://schemas.microsoft.com/office/mac/drawingml/2011/main" val="1"/>
+              <ma14:wrappingTextBoxFlag xmlns:ma14="http://schemas.microsoft.com/office/mac/drawingml/2011/main" xmlns="" val="1"/>
             </a:ext>
           </a:extLst>
         </p:spPr>
@@ -5239,7 +6411,13 @@
                   <a:srgbClr val="4C4946"/>
                 </a:solidFill>
               </a:rPr>
+              <a:t>15</a:t>
             </a:fld>
+            <a:endParaRPr>
+              <a:solidFill>
+                <a:srgbClr val="4C4946"/>
+              </a:solidFill>
+            </a:endParaRPr>
           </a:p>
         </p:txBody>
       </p:sp>
@@ -5248,12 +6426,12 @@
   <p:clrMapOvr>
     <a:masterClrMapping/>
   </p:clrMapOvr>
-  <p:transition spd="med" advClick="1"/>
+  <p:transition spd="med"/>
 </p:sld>
 </file>
 
-<file path=ppt/slides/slide12.xml><?xml version="1.0" encoding="utf-8"?>
-<p:sld xmlns:a="http://schemas.openxmlformats.org/drawingml/2006/main" xmlns:r="http://schemas.openxmlformats.org/officeDocument/2006/relationships" xmlns:p="http://schemas.openxmlformats.org/presentationml/2006/main" showMasterSp="1" showMasterPhAnim="1">
+<file path=ppt/slides/slide16.xml><?xml version="1.0" encoding="utf-8"?>
+<p:sld xmlns:a="http://schemas.openxmlformats.org/drawingml/2006/main" xmlns:r="http://schemas.openxmlformats.org/officeDocument/2006/relationships" xmlns:p="http://schemas.openxmlformats.org/presentationml/2006/main">
   <p:cSld>
     <p:spTree>
       <p:nvGrpSpPr>
@@ -5272,7 +6450,9 @@
       <p:sp>
         <p:nvSpPr>
           <p:cNvPr id="120" name="Shape 120"/>
-          <p:cNvSpPr/>
+          <p:cNvSpPr>
+            <a:spLocks noGrp="1"/>
+          </p:cNvSpPr>
           <p:nvPr>
             <p:ph type="title"/>
           </p:nvPr>
@@ -5304,11 +6484,6 @@
               </a:rPr>
               <a:t>Brain evolution</a:t>
             </a:r>
-            <a:endParaRPr sz="3570">
-              <a:solidFill>
-                <a:srgbClr val="D93E2B"/>
-              </a:solidFill>
-            </a:endParaRPr>
           </a:p>
           <a:p>
             <a:pPr lvl="0" defTabSz="297941">
@@ -5335,7 +6510,9 @@
       <p:sp>
         <p:nvSpPr>
           <p:cNvPr id="121" name="Shape 121"/>
-          <p:cNvSpPr/>
+          <p:cNvSpPr>
+            <a:spLocks noGrp="1"/>
+          </p:cNvSpPr>
           <p:nvPr>
             <p:ph type="body" idx="1"/>
           </p:nvPr>
@@ -5350,13 +6527,16 @@
           <a:lstStyle/>
           <a:p>
             <a:pPr lvl="0"/>
+            <a:endParaRPr/>
           </a:p>
         </p:txBody>
       </p:sp>
       <p:sp>
         <p:nvSpPr>
           <p:cNvPr id="122" name="Shape 122"/>
-          <p:cNvSpPr/>
+          <p:cNvSpPr>
+            <a:spLocks noGrp="1"/>
+          </p:cNvSpPr>
           <p:nvPr>
             <p:ph type="sldNum" sz="quarter" idx="4294967295"/>
           </p:nvPr>
@@ -5374,7 +6554,7 @@
           </a:ln>
           <a:extLst>
             <a:ext uri="{C572A759-6A51-4108-AA02-DFA0A04FC94B}">
-              <ma14:wrappingTextBoxFlag xmlns:ma14="http://schemas.microsoft.com/office/mac/drawingml/2011/main" val="1"/>
+              <ma14:wrappingTextBoxFlag xmlns:ma14="http://schemas.microsoft.com/office/mac/drawingml/2011/main" xmlns="" val="1"/>
             </a:ext>
           </a:extLst>
         </p:spPr>
@@ -5405,7 +6585,13 @@
                   <a:srgbClr val="4C4946"/>
                 </a:solidFill>
               </a:rPr>
+              <a:t>16</a:t>
             </a:fld>
+            <a:endParaRPr>
+              <a:solidFill>
+                <a:srgbClr val="4C4946"/>
+              </a:solidFill>
+            </a:endParaRPr>
           </a:p>
         </p:txBody>
       </p:sp>
@@ -5414,12 +6600,12 @@
   <p:clrMapOvr>
     <a:masterClrMapping/>
   </p:clrMapOvr>
-  <p:transition spd="med" advClick="1"/>
+  <p:transition spd="med"/>
 </p:sld>
 </file>
 
-<file path=ppt/slides/slide13.xml><?xml version="1.0" encoding="utf-8"?>
-<p:sld xmlns:a="http://schemas.openxmlformats.org/drawingml/2006/main" xmlns:r="http://schemas.openxmlformats.org/officeDocument/2006/relationships" xmlns:p="http://schemas.openxmlformats.org/presentationml/2006/main" showMasterSp="1" showMasterPhAnim="1">
+<file path=ppt/slides/slide17.xml><?xml version="1.0" encoding="utf-8"?>
+<p:sld xmlns:a="http://schemas.openxmlformats.org/drawingml/2006/main" xmlns:r="http://schemas.openxmlformats.org/officeDocument/2006/relationships" xmlns:p="http://schemas.openxmlformats.org/presentationml/2006/main">
   <p:cSld>
     <p:spTree>
       <p:nvGrpSpPr>
@@ -5438,7 +6624,9 @@
       <p:sp>
         <p:nvSpPr>
           <p:cNvPr id="124" name="Shape 124"/>
-          <p:cNvSpPr/>
+          <p:cNvSpPr>
+            <a:spLocks noGrp="1"/>
+          </p:cNvSpPr>
           <p:nvPr>
             <p:ph type="title"/>
           </p:nvPr>
@@ -5470,11 +6658,6 @@
               </a:rPr>
               <a:t>Brain evolution</a:t>
             </a:r>
-            <a:endParaRPr sz="3570">
-              <a:solidFill>
-                <a:srgbClr val="D93E2B"/>
-              </a:solidFill>
-            </a:endParaRPr>
           </a:p>
           <a:p>
             <a:pPr lvl="0" defTabSz="297941">
@@ -5501,7 +6684,9 @@
       <p:sp>
         <p:nvSpPr>
           <p:cNvPr id="125" name="Shape 125"/>
-          <p:cNvSpPr/>
+          <p:cNvSpPr>
+            <a:spLocks noGrp="1"/>
+          </p:cNvSpPr>
           <p:nvPr>
             <p:ph type="body" idx="1"/>
           </p:nvPr>
@@ -5516,13 +6701,16 @@
           <a:lstStyle/>
           <a:p>
             <a:pPr lvl="0"/>
+            <a:endParaRPr/>
           </a:p>
         </p:txBody>
       </p:sp>
       <p:sp>
         <p:nvSpPr>
           <p:cNvPr id="126" name="Shape 126"/>
-          <p:cNvSpPr/>
+          <p:cNvSpPr>
+            <a:spLocks noGrp="1"/>
+          </p:cNvSpPr>
           <p:nvPr>
             <p:ph type="sldNum" sz="quarter" idx="4294967295"/>
           </p:nvPr>
@@ -5540,7 +6728,7 @@
           </a:ln>
           <a:extLst>
             <a:ext uri="{C572A759-6A51-4108-AA02-DFA0A04FC94B}">
-              <ma14:wrappingTextBoxFlag xmlns:ma14="http://schemas.microsoft.com/office/mac/drawingml/2011/main" val="1"/>
+              <ma14:wrappingTextBoxFlag xmlns:ma14="http://schemas.microsoft.com/office/mac/drawingml/2011/main" xmlns="" val="1"/>
             </a:ext>
           </a:extLst>
         </p:spPr>
@@ -5571,7 +6759,13 @@
                   <a:srgbClr val="4C4946"/>
                 </a:solidFill>
               </a:rPr>
+              <a:t>17</a:t>
             </a:fld>
+            <a:endParaRPr>
+              <a:solidFill>
+                <a:srgbClr val="4C4946"/>
+              </a:solidFill>
+            </a:endParaRPr>
           </a:p>
         </p:txBody>
       </p:sp>
@@ -5580,12 +6774,12 @@
   <p:clrMapOvr>
     <a:masterClrMapping/>
   </p:clrMapOvr>
-  <p:transition spd="med" advClick="1"/>
+  <p:transition spd="med"/>
 </p:sld>
 </file>
 
-<file path=ppt/slides/slide14.xml><?xml version="1.0" encoding="utf-8"?>
-<p:sld xmlns:a="http://schemas.openxmlformats.org/drawingml/2006/main" xmlns:r="http://schemas.openxmlformats.org/officeDocument/2006/relationships" xmlns:p="http://schemas.openxmlformats.org/presentationml/2006/main" showMasterSp="1" showMasterPhAnim="1">
+<file path=ppt/slides/slide18.xml><?xml version="1.0" encoding="utf-8"?>
+<p:sld xmlns:a="http://schemas.openxmlformats.org/drawingml/2006/main" xmlns:r="http://schemas.openxmlformats.org/officeDocument/2006/relationships" xmlns:p="http://schemas.openxmlformats.org/presentationml/2006/main">
   <p:cSld>
     <p:spTree>
       <p:nvGrpSpPr>
@@ -5604,7 +6798,9 @@
       <p:sp>
         <p:nvSpPr>
           <p:cNvPr id="128" name="Shape 128"/>
-          <p:cNvSpPr/>
+          <p:cNvSpPr>
+            <a:spLocks noGrp="1"/>
+          </p:cNvSpPr>
           <p:nvPr>
             <p:ph type="title"/>
           </p:nvPr>
@@ -5639,7 +6835,9 @@
       <p:sp>
         <p:nvSpPr>
           <p:cNvPr id="129" name="Shape 129"/>
-          <p:cNvSpPr/>
+          <p:cNvSpPr>
+            <a:spLocks noGrp="1"/>
+          </p:cNvSpPr>
           <p:nvPr>
             <p:ph type="body" idx="1"/>
           </p:nvPr>
@@ -5653,7 +6851,7 @@
           <a:bodyPr/>
           <a:lstStyle/>
           <a:p>
-            <a:pPr lvl="0" marL="418211" indent="-418211" defTabSz="519937">
+            <a:pPr marL="418211" lvl="0" indent="-418211" defTabSz="519937">
               <a:spcBef>
                 <a:spcPts val="2100"/>
               </a:spcBef>
@@ -5671,14 +6869,9 @@
               </a:rPr>
               <a:t>We evolved 2 types of robots - only body, body and brain</a:t>
             </a:r>
-            <a:endParaRPr sz="3204">
-              <a:solidFill>
-                <a:srgbClr val="414141"/>
-              </a:solidFill>
-            </a:endParaRPr>
-          </a:p>
-          <a:p>
-            <a:pPr lvl="0" marL="418211" indent="-418211" defTabSz="519937">
+          </a:p>
+          <a:p>
+            <a:pPr marL="418211" lvl="0" indent="-418211" defTabSz="519937">
               <a:spcBef>
                 <a:spcPts val="2100"/>
               </a:spcBef>
@@ -5696,14 +6889,9 @@
               </a:rPr>
               <a:t>We explored different parameters - scenario, brain mutation rate</a:t>
             </a:r>
-            <a:endParaRPr sz="3204">
-              <a:solidFill>
-                <a:srgbClr val="414141"/>
-              </a:solidFill>
-            </a:endParaRPr>
-          </a:p>
-          <a:p>
-            <a:pPr lvl="0" marL="418211" indent="-418211" defTabSz="519937">
+          </a:p>
+          <a:p>
+            <a:pPr marL="418211" lvl="0" indent="-418211" defTabSz="519937">
               <a:spcBef>
                 <a:spcPts val="2100"/>
               </a:spcBef>
@@ -5721,14 +6909,9 @@
               </a:rPr>
               <a:t>Most robots are primitive - body evolution is hard</a:t>
             </a:r>
-            <a:endParaRPr sz="3204">
-              <a:solidFill>
-                <a:srgbClr val="414141"/>
-              </a:solidFill>
-            </a:endParaRPr>
-          </a:p>
-          <a:p>
-            <a:pPr lvl="0" marL="418211" indent="-418211" defTabSz="519937">
+          </a:p>
+          <a:p>
+            <a:pPr marL="418211" lvl="0" indent="-418211" defTabSz="519937">
               <a:spcBef>
                 <a:spcPts val="2100"/>
               </a:spcBef>
@@ -5746,14 +6929,9 @@
               </a:rPr>
               <a:t>Exploring the parameters is time-consuming</a:t>
             </a:r>
-            <a:endParaRPr sz="3204">
-              <a:solidFill>
-                <a:srgbClr val="414141"/>
-              </a:solidFill>
-            </a:endParaRPr>
-          </a:p>
-          <a:p>
-            <a:pPr lvl="0" marL="418211" indent="-418211" defTabSz="519937">
+          </a:p>
+          <a:p>
+            <a:pPr marL="418211" lvl="0" indent="-418211" defTabSz="519937">
               <a:spcBef>
                 <a:spcPts val="2100"/>
               </a:spcBef>
@@ -5771,14 +6949,9 @@
               </a:rPr>
               <a:t>Solution : </a:t>
             </a:r>
-            <a:endParaRPr sz="3204">
-              <a:solidFill>
-                <a:srgbClr val="414141"/>
-              </a:solidFill>
-            </a:endParaRPr>
-          </a:p>
-          <a:p>
-            <a:pPr lvl="2" marL="1254633" indent="-418211" defTabSz="519937">
+          </a:p>
+          <a:p>
+            <a:pPr marL="1254633" lvl="2" indent="-418211" defTabSz="519937">
               <a:spcBef>
                 <a:spcPts val="2100"/>
               </a:spcBef>
@@ -5800,14 +6973,9 @@
               </a:rPr>
               <a:t>design complex bodies by hand and evolve the controller</a:t>
             </a:r>
-            <a:endParaRPr sz="3204">
-              <a:solidFill>
-                <a:srgbClr val="414141"/>
-              </a:solidFill>
-            </a:endParaRPr>
-          </a:p>
-          <a:p>
-            <a:pPr lvl="2" marL="1254633" indent="-418211" defTabSz="519937">
+          </a:p>
+          <a:p>
+            <a:pPr marL="1254633" lvl="2" indent="-418211" defTabSz="519937">
               <a:spcBef>
                 <a:spcPts val="2100"/>
               </a:spcBef>
@@ -5835,7 +7003,9 @@
       <p:sp>
         <p:nvSpPr>
           <p:cNvPr id="130" name="Shape 130"/>
-          <p:cNvSpPr/>
+          <p:cNvSpPr>
+            <a:spLocks noGrp="1"/>
+          </p:cNvSpPr>
           <p:nvPr>
             <p:ph type="sldNum" sz="quarter" idx="4294967295"/>
           </p:nvPr>
@@ -5853,7 +7023,7 @@
           </a:ln>
           <a:extLst>
             <a:ext uri="{C572A759-6A51-4108-AA02-DFA0A04FC94B}">
-              <ma14:wrappingTextBoxFlag xmlns:ma14="http://schemas.microsoft.com/office/mac/drawingml/2011/main" val="1"/>
+              <ma14:wrappingTextBoxFlag xmlns:ma14="http://schemas.microsoft.com/office/mac/drawingml/2011/main" xmlns="" val="1"/>
             </a:ext>
           </a:extLst>
         </p:spPr>
@@ -5884,7 +7054,13 @@
                   <a:srgbClr val="4C4946"/>
                 </a:solidFill>
               </a:rPr>
+              <a:t>18</a:t>
             </a:fld>
+            <a:endParaRPr>
+              <a:solidFill>
+                <a:srgbClr val="4C4946"/>
+              </a:solidFill>
+            </a:endParaRPr>
           </a:p>
         </p:txBody>
       </p:sp>
@@ -5893,12 +7069,12 @@
   <p:clrMapOvr>
     <a:masterClrMapping/>
   </p:clrMapOvr>
-  <p:transition spd="med" advClick="1"/>
+  <p:transition spd="med"/>
 </p:sld>
 </file>
 
-<file path=ppt/slides/slide15.xml><?xml version="1.0" encoding="utf-8"?>
-<p:sld xmlns:a="http://schemas.openxmlformats.org/drawingml/2006/main" xmlns:r="http://schemas.openxmlformats.org/officeDocument/2006/relationships" xmlns:p="http://schemas.openxmlformats.org/presentationml/2006/main" showMasterSp="1" showMasterPhAnim="1">
+<file path=ppt/slides/slide19.xml><?xml version="1.0" encoding="utf-8"?>
+<p:sld xmlns:a="http://schemas.openxmlformats.org/drawingml/2006/main" xmlns:r="http://schemas.openxmlformats.org/officeDocument/2006/relationships" xmlns:p="http://schemas.openxmlformats.org/presentationml/2006/main">
   <p:cSld>
     <p:spTree>
       <p:nvGrpSpPr>
@@ -5933,7 +7109,7 @@
           </a:ln>
           <a:extLst>
             <a:ext uri="{C572A759-6A51-4108-AA02-DFA0A04FC94B}">
-              <ma14:wrappingTextBoxFlag xmlns:ma14="http://schemas.microsoft.com/office/mac/drawingml/2011/main" val="1"/>
+              <ma14:wrappingTextBoxFlag xmlns:ma14="http://schemas.microsoft.com/office/mac/drawingml/2011/main" xmlns="" val="1"/>
             </a:ext>
           </a:extLst>
         </p:spPr>
@@ -5970,12 +7146,535 @@
   <p:clrMapOvr>
     <a:masterClrMapping/>
   </p:clrMapOvr>
-  <p:transition spd="med" advClick="1"/>
+  <p:transition spd="med"/>
 </p:sld>
 </file>
 
-<file path=ppt/slides/slide16.xml><?xml version="1.0" encoding="utf-8"?>
-<p:sld xmlns:a="http://schemas.openxmlformats.org/drawingml/2006/main" xmlns:r="http://schemas.openxmlformats.org/officeDocument/2006/relationships" xmlns:p="http://schemas.openxmlformats.org/presentationml/2006/main" showMasterSp="1" showMasterPhAnim="1">
+<file path=ppt/slides/slide2.xml><?xml version="1.0" encoding="utf-8"?>
+<p:sld xmlns:a="http://schemas.openxmlformats.org/drawingml/2006/main" xmlns:r="http://schemas.openxmlformats.org/officeDocument/2006/relationships" xmlns:p="http://schemas.openxmlformats.org/presentationml/2006/main">
+  <p:cSld>
+    <p:spTree>
+      <p:nvGrpSpPr>
+        <p:cNvPr id="1" name=""/>
+        <p:cNvGrpSpPr/>
+        <p:nvPr/>
+      </p:nvGrpSpPr>
+      <p:grpSpPr>
+        <a:xfrm>
+          <a:off x="0" y="0"/>
+          <a:ext cx="0" cy="0"/>
+          <a:chOff x="0" y="0"/>
+          <a:chExt cx="0" cy="0"/>
+        </a:xfrm>
+      </p:grpSpPr>
+      <p:sp>
+        <p:nvSpPr>
+          <p:cNvPr id="65" name="Shape 65"/>
+          <p:cNvSpPr>
+            <a:spLocks noGrp="1"/>
+          </p:cNvSpPr>
+          <p:nvPr>
+            <p:ph type="title"/>
+          </p:nvPr>
+        </p:nvSpPr>
+        <p:spPr>
+          <a:xfrm>
+            <a:off x="508000" y="800100"/>
+            <a:ext cx="11988800" cy="1219200"/>
+          </a:xfrm>
+          <a:prstGeom prst="rect">
+            <a:avLst/>
+          </a:prstGeom>
+        </p:spPr>
+        <p:txBody>
+          <a:bodyPr/>
+          <a:lstStyle>
+            <a:lvl1pPr>
+              <a:defRPr>
+                <a:solidFill>
+                  <a:srgbClr val="000000"/>
+                </a:solidFill>
+              </a:defRPr>
+            </a:lvl1pPr>
+          </a:lstStyle>
+          <a:p>
+            <a:pPr lvl="0">
+              <a:defRPr sz="1800"/>
+            </a:pPr>
+            <a:r>
+              <a:rPr sz="7000"/>
+              <a:t>Outline	</a:t>
+            </a:r>
+          </a:p>
+        </p:txBody>
+      </p:sp>
+      <p:sp>
+        <p:nvSpPr>
+          <p:cNvPr id="66" name="Shape 66"/>
+          <p:cNvSpPr>
+            <a:spLocks noGrp="1"/>
+          </p:cNvSpPr>
+          <p:nvPr>
+            <p:ph type="body" idx="1"/>
+          </p:nvPr>
+        </p:nvSpPr>
+        <p:spPr>
+          <a:xfrm>
+            <a:off x="508000" y="2628900"/>
+            <a:ext cx="11988800" cy="6096000"/>
+          </a:xfrm>
+          <a:prstGeom prst="rect">
+            <a:avLst/>
+          </a:prstGeom>
+        </p:spPr>
+        <p:txBody>
+          <a:bodyPr/>
+          <a:lstStyle/>
+          <a:p>
+            <a:pPr marL="187959" lvl="0" indent="-187959" defTabSz="262888">
+              <a:spcBef>
+                <a:spcPts val="1000"/>
+              </a:spcBef>
+              <a:buClr>
+                <a:srgbClr val="414141"/>
+              </a:buClr>
+              <a:buSzPct val="75000"/>
+              <a:buFontTx/>
+              <a:buChar char="•"/>
+              <a:defRPr sz="1800">
+                <a:solidFill>
+                  <a:srgbClr val="000000"/>
+                </a:solidFill>
+              </a:defRPr>
+            </a:pPr>
+            <a:r>
+              <a:rPr sz="1600">
+                <a:solidFill>
+                  <a:srgbClr val="414141"/>
+                </a:solidFill>
+              </a:rPr>
+              <a:t>Motivation</a:t>
+            </a:r>
+            <a:endParaRPr sz="1600"/>
+          </a:p>
+          <a:p>
+            <a:pPr marL="187959" lvl="0" indent="-187959" defTabSz="262888">
+              <a:spcBef>
+                <a:spcPts val="1000"/>
+              </a:spcBef>
+              <a:buClr>
+                <a:srgbClr val="414141"/>
+              </a:buClr>
+              <a:buSzPct val="75000"/>
+              <a:buFontTx/>
+              <a:buChar char="•"/>
+              <a:defRPr sz="1800">
+                <a:solidFill>
+                  <a:srgbClr val="000000"/>
+                </a:solidFill>
+              </a:defRPr>
+            </a:pPr>
+            <a:r>
+              <a:rPr sz="1600">
+                <a:solidFill>
+                  <a:srgbClr val="414141"/>
+                </a:solidFill>
+              </a:rPr>
+              <a:t>Platforms - ludobots, webots; shortcomings</a:t>
+            </a:r>
+            <a:endParaRPr sz="1600"/>
+          </a:p>
+          <a:p>
+            <a:pPr marL="187959" lvl="0" indent="-187959" defTabSz="262888">
+              <a:spcBef>
+                <a:spcPts val="1000"/>
+              </a:spcBef>
+              <a:buClr>
+                <a:srgbClr val="414141"/>
+              </a:buClr>
+              <a:buSzPct val="75000"/>
+              <a:buFontTx/>
+              <a:buChar char="•"/>
+              <a:defRPr sz="1800">
+                <a:solidFill>
+                  <a:srgbClr val="000000"/>
+                </a:solidFill>
+              </a:defRPr>
+            </a:pPr>
+            <a:r>
+              <a:rPr sz="1600">
+                <a:solidFill>
+                  <a:srgbClr val="414141"/>
+                </a:solidFill>
+              </a:rPr>
+              <a:t>Robogen - what is it, references, how does it work- controller, body tree, config files</a:t>
+            </a:r>
+            <a:endParaRPr sz="1600"/>
+          </a:p>
+          <a:p>
+            <a:pPr marL="187959" lvl="0" indent="-187959" defTabSz="262888">
+              <a:spcBef>
+                <a:spcPts val="1000"/>
+              </a:spcBef>
+              <a:buClr>
+                <a:srgbClr val="414141"/>
+              </a:buClr>
+              <a:buSzPct val="75000"/>
+              <a:buFontTx/>
+              <a:buChar char="•"/>
+              <a:defRPr sz="1800">
+                <a:solidFill>
+                  <a:srgbClr val="000000"/>
+                </a:solidFill>
+              </a:defRPr>
+            </a:pPr>
+            <a:r>
+              <a:rPr sz="1600">
+                <a:solidFill>
+                  <a:srgbClr val="414141"/>
+                </a:solidFill>
+              </a:rPr>
+              <a:t>Explain parameters, scenarios</a:t>
+            </a:r>
+            <a:endParaRPr sz="1600"/>
+          </a:p>
+          <a:p>
+            <a:pPr marL="187959" lvl="0" indent="-187959" defTabSz="262888">
+              <a:spcBef>
+                <a:spcPts val="1000"/>
+              </a:spcBef>
+              <a:buClr>
+                <a:srgbClr val="414141"/>
+              </a:buClr>
+              <a:buSzPct val="75000"/>
+              <a:buFontTx/>
+              <a:buChar char="•"/>
+              <a:defRPr sz="1800">
+                <a:solidFill>
+                  <a:srgbClr val="000000"/>
+                </a:solidFill>
+              </a:defRPr>
+            </a:pPr>
+            <a:r>
+              <a:rPr sz="1600">
+                <a:solidFill>
+                  <a:srgbClr val="414141"/>
+                </a:solidFill>
+              </a:rPr>
+              <a:t>Body part examples</a:t>
+            </a:r>
+            <a:endParaRPr sz="1600"/>
+          </a:p>
+          <a:p>
+            <a:pPr marL="187959" lvl="0" indent="-187959" defTabSz="262888">
+              <a:spcBef>
+                <a:spcPts val="1000"/>
+              </a:spcBef>
+              <a:buClr>
+                <a:srgbClr val="414141"/>
+              </a:buClr>
+              <a:buSzPct val="75000"/>
+              <a:buFontTx/>
+              <a:buChar char="•"/>
+              <a:defRPr sz="1800">
+                <a:solidFill>
+                  <a:srgbClr val="000000"/>
+                </a:solidFill>
+              </a:defRPr>
+            </a:pPr>
+            <a:r>
+              <a:rPr sz="1600">
+                <a:solidFill>
+                  <a:srgbClr val="414141"/>
+                </a:solidFill>
+              </a:rPr>
+              <a:t>Body-brain coevolution, racing scenario</a:t>
+            </a:r>
+            <a:endParaRPr sz="1600"/>
+          </a:p>
+          <a:p>
+            <a:pPr marL="399414" lvl="1" indent="-187959" defTabSz="262888">
+              <a:spcBef>
+                <a:spcPts val="1000"/>
+              </a:spcBef>
+              <a:defRPr sz="1800">
+                <a:solidFill>
+                  <a:srgbClr val="000000"/>
+                </a:solidFill>
+              </a:defRPr>
+            </a:pPr>
+            <a:r>
+              <a:rPr sz="1600">
+                <a:solidFill>
+                  <a:srgbClr val="414141"/>
+                </a:solidFill>
+              </a:rPr>
+              <a:t>explain terrains, method, etc</a:t>
+            </a:r>
+            <a:endParaRPr sz="1600"/>
+          </a:p>
+          <a:p>
+            <a:pPr marL="399414" lvl="1" indent="-187959" defTabSz="262888">
+              <a:spcBef>
+                <a:spcPts val="1000"/>
+              </a:spcBef>
+              <a:defRPr sz="1800">
+                <a:solidFill>
+                  <a:srgbClr val="000000"/>
+                </a:solidFill>
+              </a:defRPr>
+            </a:pPr>
+            <a:r>
+              <a:rPr sz="1600">
+                <a:solidFill>
+                  <a:srgbClr val="414141"/>
+                </a:solidFill>
+              </a:rPr>
+              <a:t>videos</a:t>
+            </a:r>
+            <a:endParaRPr sz="1600"/>
+          </a:p>
+          <a:p>
+            <a:pPr marL="187959" lvl="0" indent="-187959" defTabSz="262888">
+              <a:spcBef>
+                <a:spcPts val="1000"/>
+              </a:spcBef>
+              <a:buClr>
+                <a:srgbClr val="414141"/>
+              </a:buClr>
+              <a:buSzPct val="75000"/>
+              <a:buFontTx/>
+              <a:buChar char="•"/>
+              <a:defRPr sz="1800">
+                <a:solidFill>
+                  <a:srgbClr val="000000"/>
+                </a:solidFill>
+              </a:defRPr>
+            </a:pPr>
+            <a:r>
+              <a:rPr sz="1600">
+                <a:solidFill>
+                  <a:srgbClr val="414141"/>
+                </a:solidFill>
+              </a:rPr>
+              <a:t>Body-brain coevolution, chasing scenario</a:t>
+            </a:r>
+            <a:endParaRPr sz="1600"/>
+          </a:p>
+          <a:p>
+            <a:pPr marL="399414" lvl="1" indent="-187959" defTabSz="262888">
+              <a:spcBef>
+                <a:spcPts val="1000"/>
+              </a:spcBef>
+              <a:defRPr sz="1800">
+                <a:solidFill>
+                  <a:srgbClr val="000000"/>
+                </a:solidFill>
+              </a:defRPr>
+            </a:pPr>
+            <a:r>
+              <a:rPr sz="1600">
+                <a:solidFill>
+                  <a:srgbClr val="414141"/>
+                </a:solidFill>
+              </a:rPr>
+              <a:t>explain terrains, method, etc</a:t>
+            </a:r>
+            <a:endParaRPr sz="1600"/>
+          </a:p>
+          <a:p>
+            <a:pPr marL="399414" lvl="1" indent="-187959" defTabSz="262888">
+              <a:spcBef>
+                <a:spcPts val="1000"/>
+              </a:spcBef>
+              <a:defRPr sz="1800">
+                <a:solidFill>
+                  <a:srgbClr val="000000"/>
+                </a:solidFill>
+              </a:defRPr>
+            </a:pPr>
+            <a:r>
+              <a:rPr sz="1600">
+                <a:solidFill>
+                  <a:srgbClr val="414141"/>
+                </a:solidFill>
+              </a:rPr>
+              <a:t>videos</a:t>
+            </a:r>
+            <a:endParaRPr sz="1600"/>
+          </a:p>
+          <a:p>
+            <a:pPr marL="187959" lvl="0" indent="-187959" defTabSz="262888">
+              <a:spcBef>
+                <a:spcPts val="1000"/>
+              </a:spcBef>
+              <a:buClr>
+                <a:srgbClr val="414141"/>
+              </a:buClr>
+              <a:buSzPct val="75000"/>
+              <a:buFontTx/>
+              <a:buChar char="•"/>
+              <a:defRPr sz="1800">
+                <a:solidFill>
+                  <a:srgbClr val="000000"/>
+                </a:solidFill>
+              </a:defRPr>
+            </a:pPr>
+            <a:r>
+              <a:rPr sz="1600">
+                <a:solidFill>
+                  <a:srgbClr val="414141"/>
+                </a:solidFill>
+              </a:rPr>
+              <a:t>Brain evolution</a:t>
+            </a:r>
+            <a:endParaRPr sz="1600"/>
+          </a:p>
+          <a:p>
+            <a:pPr marL="399414" lvl="1" indent="-187959" defTabSz="262888">
+              <a:spcBef>
+                <a:spcPts val="1000"/>
+              </a:spcBef>
+              <a:defRPr sz="1800">
+                <a:solidFill>
+                  <a:srgbClr val="000000"/>
+                </a:solidFill>
+              </a:defRPr>
+            </a:pPr>
+            <a:r>
+              <a:rPr sz="1600">
+                <a:solidFill>
+                  <a:srgbClr val="414141"/>
+                </a:solidFill>
+              </a:rPr>
+              <a:t>chasing scenario</a:t>
+            </a:r>
+            <a:endParaRPr sz="1600"/>
+          </a:p>
+          <a:p>
+            <a:pPr marL="399414" lvl="1" indent="-187959" defTabSz="262888">
+              <a:spcBef>
+                <a:spcPts val="1000"/>
+              </a:spcBef>
+              <a:defRPr sz="1800">
+                <a:solidFill>
+                  <a:srgbClr val="000000"/>
+                </a:solidFill>
+              </a:defRPr>
+            </a:pPr>
+            <a:r>
+              <a:rPr sz="1600">
+                <a:solidFill>
+                  <a:srgbClr val="414141"/>
+                </a:solidFill>
+              </a:rPr>
+              <a:t>racing scenario</a:t>
+            </a:r>
+            <a:endParaRPr sz="1600"/>
+          </a:p>
+          <a:p>
+            <a:pPr marL="187959" lvl="0" indent="-187959" defTabSz="262888">
+              <a:spcBef>
+                <a:spcPts val="1000"/>
+              </a:spcBef>
+              <a:buClr>
+                <a:srgbClr val="414141"/>
+              </a:buClr>
+              <a:buSzPct val="75000"/>
+              <a:buFontTx/>
+              <a:buChar char="•"/>
+              <a:defRPr sz="1800">
+                <a:solidFill>
+                  <a:srgbClr val="000000"/>
+                </a:solidFill>
+              </a:defRPr>
+            </a:pPr>
+            <a:r>
+              <a:rPr sz="1600">
+                <a:solidFill>
+                  <a:srgbClr val="414141"/>
+                </a:solidFill>
+              </a:rPr>
+              <a:t>Conclusion </a:t>
+            </a:r>
+          </a:p>
+        </p:txBody>
+      </p:sp>
+      <p:sp>
+        <p:nvSpPr>
+          <p:cNvPr id="67" name="Shape 67"/>
+          <p:cNvSpPr>
+            <a:spLocks noGrp="1"/>
+          </p:cNvSpPr>
+          <p:nvPr>
+            <p:ph type="sldNum" sz="quarter" idx="4294967295"/>
+          </p:nvPr>
+        </p:nvSpPr>
+        <p:spPr>
+          <a:xfrm>
+            <a:off x="6381748" y="9258300"/>
+            <a:ext cx="228602" cy="304800"/>
+          </a:xfrm>
+          <a:prstGeom prst="rect">
+            <a:avLst/>
+          </a:prstGeom>
+          <a:ln w="12700">
+            <a:miter lim="400000"/>
+          </a:ln>
+          <a:extLst>
+            <a:ext uri="{C572A759-6A51-4108-AA02-DFA0A04FC94B}">
+              <ma14:wrappingTextBoxFlag xmlns:ma14="http://schemas.microsoft.com/office/mac/drawingml/2011/main" xmlns="" val="1"/>
+            </a:ext>
+          </a:extLst>
+        </p:spPr>
+        <p:txBody>
+          <a:bodyPr lIns="0" tIns="0" rIns="0" bIns="0">
+            <a:normAutofit/>
+          </a:bodyPr>
+          <a:lstStyle>
+            <a:lvl1pPr>
+              <a:defRPr sz="1800">
+                <a:solidFill>
+                  <a:srgbClr val="4C4946"/>
+                </a:solidFill>
+              </a:defRPr>
+            </a:lvl1pPr>
+          </a:lstStyle>
+          <a:p>
+            <a:pPr lvl="0">
+              <a:defRPr>
+                <a:solidFill>
+                  <a:srgbClr val="000000"/>
+                </a:solidFill>
+              </a:defRPr>
+            </a:pPr>
+            <a:fld id="{86CB4B4D-7CA3-9044-876B-883B54F8677D}" type="slidenum">
+              <a:rPr>
+                <a:solidFill>
+                  <a:srgbClr val="4C4946"/>
+                </a:solidFill>
+              </a:rPr>
+              <a:t>2</a:t>
+            </a:fld>
+            <a:endParaRPr>
+              <a:solidFill>
+                <a:srgbClr val="4C4946"/>
+              </a:solidFill>
+            </a:endParaRPr>
+          </a:p>
+        </p:txBody>
+      </p:sp>
+    </p:spTree>
+  </p:cSld>
+  <p:clrMapOvr>
+    <a:masterClrMapping/>
+  </p:clrMapOvr>
+  <p:transition spd="med"/>
+</p:sld>
+</file>
+
+<file path=ppt/slides/slide20.xml><?xml version="1.0" encoding="utf-8"?>
+<p:sld xmlns:a="http://schemas.openxmlformats.org/drawingml/2006/main" xmlns:r="http://schemas.openxmlformats.org/officeDocument/2006/relationships" xmlns:p="http://schemas.openxmlformats.org/presentationml/2006/main">
   <p:cSld>
     <p:spTree>
       <p:nvGrpSpPr>
@@ -5994,7 +7693,9 @@
       <p:sp>
         <p:nvSpPr>
           <p:cNvPr id="134" name="Shape 134"/>
-          <p:cNvSpPr/>
+          <p:cNvSpPr>
+            <a:spLocks noGrp="1"/>
+          </p:cNvSpPr>
           <p:nvPr>
             <p:ph type="title"/>
           </p:nvPr>
@@ -6033,7 +7734,9 @@
       <p:sp>
         <p:nvSpPr>
           <p:cNvPr id="135" name="Shape 135"/>
-          <p:cNvSpPr/>
+          <p:cNvSpPr>
+            <a:spLocks noGrp="1"/>
+          </p:cNvSpPr>
           <p:nvPr>
             <p:ph type="body" idx="1"/>
           </p:nvPr>
@@ -6068,7 +7771,7 @@
                     <a:srgbClr val="0000FF"/>
                   </a:solidFill>
                 </a:uFill>
-                <a:hlinkClick r:id="rId2" invalidUrl="" action="" tgtFrame="" tooltip="" history="1" highlightClick="0" endSnd="0"/>
+                <a:hlinkClick r:id="rId2"/>
               </a:rPr>
               <a:t>http://imgur.com/ZgaBuu7,Xq2dUtm,Z9Ykkg1,q5MmWAO#3</a:t>
             </a:r>
@@ -6092,15 +7795,7 @@
                   <a:srgbClr val="414141"/>
                 </a:solidFill>
               </a:rPr>
-              <a:t>RoboGen: Robot Generation through Artificial Evolution. J. Auerbach, D. Aydin, A. Maesani, P. Kornatowski, T. Cieslewski, G. Heitz, P. Fernando, I. Loshchilov, L. Daler and D. Floreano. Artificial Life 14: International Conference on the Synthesis and Simulation of Living Systems</a:t>
-            </a:r>
-            <a:r>
-              <a:rPr sz="3600">
-                <a:solidFill>
-                  <a:srgbClr val="414141"/>
-                </a:solidFill>
-              </a:rPr>
-              <a:t>, New York, NY, USA, July 30-August 2, 2014.</a:t>
+              <a:t>RoboGen: Robot Generation through Artificial Evolution. J. Auerbach, D. Aydin, A. Maesani, P. Kornatowski, T. Cieslewski, G. Heitz, P. Fernando, I. Loshchilov, L. Daler and D. Floreano. Artificial Life 14: International Conference on the Synthesis and Simulation of Living Systems, New York, NY, USA, July 30-August 2, 2014.</a:t>
             </a:r>
           </a:p>
         </p:txBody>
@@ -6110,523 +7805,12 @@
   <p:clrMapOvr>
     <a:masterClrMapping/>
   </p:clrMapOvr>
-  <p:transition spd="med" advClick="1"/>
-</p:sld>
-</file>
-
-<file path=ppt/slides/slide2.xml><?xml version="1.0" encoding="utf-8"?>
-<p:sld xmlns:a="http://schemas.openxmlformats.org/drawingml/2006/main" xmlns:r="http://schemas.openxmlformats.org/officeDocument/2006/relationships" xmlns:p="http://schemas.openxmlformats.org/presentationml/2006/main" showMasterSp="1" showMasterPhAnim="1">
-  <p:cSld>
-    <p:spTree>
-      <p:nvGrpSpPr>
-        <p:cNvPr id="1" name=""/>
-        <p:cNvGrpSpPr/>
-        <p:nvPr/>
-      </p:nvGrpSpPr>
-      <p:grpSpPr>
-        <a:xfrm>
-          <a:off x="0" y="0"/>
-          <a:ext cx="0" cy="0"/>
-          <a:chOff x="0" y="0"/>
-          <a:chExt cx="0" cy="0"/>
-        </a:xfrm>
-      </p:grpSpPr>
-      <p:sp>
-        <p:nvSpPr>
-          <p:cNvPr id="65" name="Shape 65"/>
-          <p:cNvSpPr/>
-          <p:nvPr>
-            <p:ph type="title"/>
-          </p:nvPr>
-        </p:nvSpPr>
-        <p:spPr>
-          <a:xfrm>
-            <a:off x="508000" y="800100"/>
-            <a:ext cx="11988800" cy="1219200"/>
-          </a:xfrm>
-          <a:prstGeom prst="rect">
-            <a:avLst/>
-          </a:prstGeom>
-        </p:spPr>
-        <p:txBody>
-          <a:bodyPr/>
-          <a:lstStyle>
-            <a:lvl1pPr>
-              <a:defRPr>
-                <a:solidFill>
-                  <a:srgbClr val="000000"/>
-                </a:solidFill>
-              </a:defRPr>
-            </a:lvl1pPr>
-          </a:lstStyle>
-          <a:p>
-            <a:pPr lvl="0">
-              <a:defRPr sz="1800"/>
-            </a:pPr>
-            <a:r>
-              <a:rPr sz="7000"/>
-              <a:t>Outline	</a:t>
-            </a:r>
-          </a:p>
-        </p:txBody>
-      </p:sp>
-      <p:sp>
-        <p:nvSpPr>
-          <p:cNvPr id="66" name="Shape 66"/>
-          <p:cNvSpPr/>
-          <p:nvPr>
-            <p:ph type="body" idx="1"/>
-          </p:nvPr>
-        </p:nvSpPr>
-        <p:spPr>
-          <a:xfrm>
-            <a:off x="508000" y="2628900"/>
-            <a:ext cx="11988800" cy="6096000"/>
-          </a:xfrm>
-          <a:prstGeom prst="rect">
-            <a:avLst/>
-          </a:prstGeom>
-        </p:spPr>
-        <p:txBody>
-          <a:bodyPr/>
-          <a:lstStyle/>
-          <a:p>
-            <a:pPr lvl="0" marL="187959" indent="-187959" defTabSz="262888">
-              <a:spcBef>
-                <a:spcPts val="1000"/>
-              </a:spcBef>
-              <a:buClr>
-                <a:srgbClr val="414141"/>
-              </a:buClr>
-              <a:buSzPct val="75000"/>
-              <a:buFontTx/>
-              <a:buChar char="•"/>
-              <a:defRPr sz="1800">
-                <a:solidFill>
-                  <a:srgbClr val="000000"/>
-                </a:solidFill>
-              </a:defRPr>
-            </a:pPr>
-            <a:r>
-              <a:rPr sz="1600">
-                <a:solidFill>
-                  <a:srgbClr val="414141"/>
-                </a:solidFill>
-              </a:rPr>
-              <a:t>Motivation</a:t>
-            </a:r>
-            <a:endParaRPr sz="1600"/>
-          </a:p>
-          <a:p>
-            <a:pPr lvl="0" marL="187959" indent="-187959" defTabSz="262888">
-              <a:spcBef>
-                <a:spcPts val="1000"/>
-              </a:spcBef>
-              <a:buClr>
-                <a:srgbClr val="414141"/>
-              </a:buClr>
-              <a:buSzPct val="75000"/>
-              <a:buFontTx/>
-              <a:buChar char="•"/>
-              <a:defRPr sz="1800">
-                <a:solidFill>
-                  <a:srgbClr val="000000"/>
-                </a:solidFill>
-              </a:defRPr>
-            </a:pPr>
-            <a:r>
-              <a:rPr sz="1600">
-                <a:solidFill>
-                  <a:srgbClr val="414141"/>
-                </a:solidFill>
-              </a:rPr>
-              <a:t>Platforms - ludobots, webots; shortcomings</a:t>
-            </a:r>
-            <a:endParaRPr sz="1600"/>
-          </a:p>
-          <a:p>
-            <a:pPr lvl="0" marL="187959" indent="-187959" defTabSz="262888">
-              <a:spcBef>
-                <a:spcPts val="1000"/>
-              </a:spcBef>
-              <a:buClr>
-                <a:srgbClr val="414141"/>
-              </a:buClr>
-              <a:buSzPct val="75000"/>
-              <a:buFontTx/>
-              <a:buChar char="•"/>
-              <a:defRPr sz="1800">
-                <a:solidFill>
-                  <a:srgbClr val="000000"/>
-                </a:solidFill>
-              </a:defRPr>
-            </a:pPr>
-            <a:r>
-              <a:rPr sz="1600">
-                <a:solidFill>
-                  <a:srgbClr val="414141"/>
-                </a:solidFill>
-              </a:rPr>
-              <a:t>Robogen - what is it, references, how does it work- controller, body tree, config files</a:t>
-            </a:r>
-            <a:endParaRPr sz="1600"/>
-          </a:p>
-          <a:p>
-            <a:pPr lvl="0" marL="187959" indent="-187959" defTabSz="262888">
-              <a:spcBef>
-                <a:spcPts val="1000"/>
-              </a:spcBef>
-              <a:buClr>
-                <a:srgbClr val="414141"/>
-              </a:buClr>
-              <a:buSzPct val="75000"/>
-              <a:buFontTx/>
-              <a:buChar char="•"/>
-              <a:defRPr sz="1800">
-                <a:solidFill>
-                  <a:srgbClr val="000000"/>
-                </a:solidFill>
-              </a:defRPr>
-            </a:pPr>
-            <a:r>
-              <a:rPr sz="1600">
-                <a:solidFill>
-                  <a:srgbClr val="414141"/>
-                </a:solidFill>
-              </a:rPr>
-              <a:t>Explain parameters, scenarios</a:t>
-            </a:r>
-            <a:endParaRPr sz="1600"/>
-          </a:p>
-          <a:p>
-            <a:pPr lvl="0" marL="187959" indent="-187959" defTabSz="262888">
-              <a:spcBef>
-                <a:spcPts val="1000"/>
-              </a:spcBef>
-              <a:buClr>
-                <a:srgbClr val="414141"/>
-              </a:buClr>
-              <a:buSzPct val="75000"/>
-              <a:buFontTx/>
-              <a:buChar char="•"/>
-              <a:defRPr sz="1800">
-                <a:solidFill>
-                  <a:srgbClr val="000000"/>
-                </a:solidFill>
-              </a:defRPr>
-            </a:pPr>
-            <a:r>
-              <a:rPr sz="1600">
-                <a:solidFill>
-                  <a:srgbClr val="414141"/>
-                </a:solidFill>
-              </a:rPr>
-              <a:t>Body part examples</a:t>
-            </a:r>
-            <a:endParaRPr sz="1600"/>
-          </a:p>
-          <a:p>
-            <a:pPr lvl="0" marL="187959" indent="-187959" defTabSz="262888">
-              <a:spcBef>
-                <a:spcPts val="1000"/>
-              </a:spcBef>
-              <a:buClr>
-                <a:srgbClr val="414141"/>
-              </a:buClr>
-              <a:buSzPct val="75000"/>
-              <a:buFontTx/>
-              <a:buChar char="•"/>
-              <a:defRPr sz="1800">
-                <a:solidFill>
-                  <a:srgbClr val="000000"/>
-                </a:solidFill>
-              </a:defRPr>
-            </a:pPr>
-            <a:r>
-              <a:rPr sz="1600">
-                <a:solidFill>
-                  <a:srgbClr val="414141"/>
-                </a:solidFill>
-              </a:rPr>
-              <a:t>Body-brain coevolution, racing scenario</a:t>
-            </a:r>
-            <a:endParaRPr sz="1600"/>
-          </a:p>
-          <a:p>
-            <a:pPr lvl="1" marL="399414" indent="-187959" defTabSz="262888">
-              <a:spcBef>
-                <a:spcPts val="1000"/>
-              </a:spcBef>
-              <a:defRPr sz="1800">
-                <a:solidFill>
-                  <a:srgbClr val="000000"/>
-                </a:solidFill>
-              </a:defRPr>
-            </a:pPr>
-            <a:r>
-              <a:rPr sz="1600">
-                <a:solidFill>
-                  <a:srgbClr val="414141"/>
-                </a:solidFill>
-              </a:rPr>
-              <a:t>explain terrains, method, etc</a:t>
-            </a:r>
-            <a:endParaRPr sz="1600"/>
-          </a:p>
-          <a:p>
-            <a:pPr lvl="1" marL="399414" indent="-187959" defTabSz="262888">
-              <a:spcBef>
-                <a:spcPts val="1000"/>
-              </a:spcBef>
-              <a:defRPr sz="1800">
-                <a:solidFill>
-                  <a:srgbClr val="000000"/>
-                </a:solidFill>
-              </a:defRPr>
-            </a:pPr>
-            <a:r>
-              <a:rPr sz="1600">
-                <a:solidFill>
-                  <a:srgbClr val="414141"/>
-                </a:solidFill>
-              </a:rPr>
-              <a:t>videos</a:t>
-            </a:r>
-            <a:endParaRPr sz="1600"/>
-          </a:p>
-          <a:p>
-            <a:pPr lvl="0" marL="187959" indent="-187959" defTabSz="262888">
-              <a:spcBef>
-                <a:spcPts val="1000"/>
-              </a:spcBef>
-              <a:buClr>
-                <a:srgbClr val="414141"/>
-              </a:buClr>
-              <a:buSzPct val="75000"/>
-              <a:buFontTx/>
-              <a:buChar char="•"/>
-              <a:defRPr sz="1800">
-                <a:solidFill>
-                  <a:srgbClr val="000000"/>
-                </a:solidFill>
-              </a:defRPr>
-            </a:pPr>
-            <a:r>
-              <a:rPr sz="1600">
-                <a:solidFill>
-                  <a:srgbClr val="414141"/>
-                </a:solidFill>
-              </a:rPr>
-              <a:t>Body-brain coevolution, chasing scenario</a:t>
-            </a:r>
-            <a:endParaRPr sz="1600"/>
-          </a:p>
-          <a:p>
-            <a:pPr lvl="1" marL="399414" indent="-187959" defTabSz="262888">
-              <a:spcBef>
-                <a:spcPts val="1000"/>
-              </a:spcBef>
-              <a:defRPr sz="1800">
-                <a:solidFill>
-                  <a:srgbClr val="000000"/>
-                </a:solidFill>
-              </a:defRPr>
-            </a:pPr>
-            <a:r>
-              <a:rPr sz="1600">
-                <a:solidFill>
-                  <a:srgbClr val="414141"/>
-                </a:solidFill>
-              </a:rPr>
-              <a:t>explain terrains, method, etc</a:t>
-            </a:r>
-            <a:endParaRPr sz="1600"/>
-          </a:p>
-          <a:p>
-            <a:pPr lvl="1" marL="399414" indent="-187959" defTabSz="262888">
-              <a:spcBef>
-                <a:spcPts val="1000"/>
-              </a:spcBef>
-              <a:defRPr sz="1800">
-                <a:solidFill>
-                  <a:srgbClr val="000000"/>
-                </a:solidFill>
-              </a:defRPr>
-            </a:pPr>
-            <a:r>
-              <a:rPr sz="1600">
-                <a:solidFill>
-                  <a:srgbClr val="414141"/>
-                </a:solidFill>
-              </a:rPr>
-              <a:t>videos</a:t>
-            </a:r>
-            <a:endParaRPr sz="1600"/>
-          </a:p>
-          <a:p>
-            <a:pPr lvl="0" marL="187959" indent="-187959" defTabSz="262888">
-              <a:spcBef>
-                <a:spcPts val="1000"/>
-              </a:spcBef>
-              <a:buClr>
-                <a:srgbClr val="414141"/>
-              </a:buClr>
-              <a:buSzPct val="75000"/>
-              <a:buFontTx/>
-              <a:buChar char="•"/>
-              <a:defRPr sz="1800">
-                <a:solidFill>
-                  <a:srgbClr val="000000"/>
-                </a:solidFill>
-              </a:defRPr>
-            </a:pPr>
-            <a:r>
-              <a:rPr sz="1600">
-                <a:solidFill>
-                  <a:srgbClr val="414141"/>
-                </a:solidFill>
-              </a:rPr>
-              <a:t>Brain evolution</a:t>
-            </a:r>
-            <a:endParaRPr sz="1600"/>
-          </a:p>
-          <a:p>
-            <a:pPr lvl="1" marL="399414" indent="-187959" defTabSz="262888">
-              <a:spcBef>
-                <a:spcPts val="1000"/>
-              </a:spcBef>
-              <a:defRPr sz="1800">
-                <a:solidFill>
-                  <a:srgbClr val="000000"/>
-                </a:solidFill>
-              </a:defRPr>
-            </a:pPr>
-            <a:r>
-              <a:rPr sz="1600">
-                <a:solidFill>
-                  <a:srgbClr val="414141"/>
-                </a:solidFill>
-              </a:rPr>
-              <a:t>chasing scenario</a:t>
-            </a:r>
-            <a:endParaRPr sz="1600"/>
-          </a:p>
-          <a:p>
-            <a:pPr lvl="1" marL="399414" indent="-187959" defTabSz="262888">
-              <a:spcBef>
-                <a:spcPts val="1000"/>
-              </a:spcBef>
-              <a:defRPr sz="1800">
-                <a:solidFill>
-                  <a:srgbClr val="000000"/>
-                </a:solidFill>
-              </a:defRPr>
-            </a:pPr>
-            <a:r>
-              <a:rPr sz="1600">
-                <a:solidFill>
-                  <a:srgbClr val="414141"/>
-                </a:solidFill>
-              </a:rPr>
-              <a:t>racing scenario</a:t>
-            </a:r>
-            <a:endParaRPr sz="1600"/>
-          </a:p>
-          <a:p>
-            <a:pPr lvl="0" marL="187959" indent="-187959" defTabSz="262888">
-              <a:spcBef>
-                <a:spcPts val="1000"/>
-              </a:spcBef>
-              <a:buClr>
-                <a:srgbClr val="414141"/>
-              </a:buClr>
-              <a:buSzPct val="75000"/>
-              <a:buFontTx/>
-              <a:buChar char="•"/>
-              <a:defRPr sz="1800">
-                <a:solidFill>
-                  <a:srgbClr val="000000"/>
-                </a:solidFill>
-              </a:defRPr>
-            </a:pPr>
-            <a:r>
-              <a:rPr sz="1600">
-                <a:solidFill>
-                  <a:srgbClr val="414141"/>
-                </a:solidFill>
-              </a:rPr>
-              <a:t>Conclusion </a:t>
-            </a:r>
-          </a:p>
-        </p:txBody>
-      </p:sp>
-      <p:sp>
-        <p:nvSpPr>
-          <p:cNvPr id="67" name="Shape 67"/>
-          <p:cNvSpPr/>
-          <p:nvPr>
-            <p:ph type="sldNum" sz="quarter" idx="4294967295"/>
-          </p:nvPr>
-        </p:nvSpPr>
-        <p:spPr>
-          <a:xfrm>
-            <a:off x="6381748" y="9258300"/>
-            <a:ext cx="228602" cy="304800"/>
-          </a:xfrm>
-          <a:prstGeom prst="rect">
-            <a:avLst/>
-          </a:prstGeom>
-          <a:ln w="12700">
-            <a:miter lim="400000"/>
-          </a:ln>
-          <a:extLst>
-            <a:ext uri="{C572A759-6A51-4108-AA02-DFA0A04FC94B}">
-              <ma14:wrappingTextBoxFlag xmlns:ma14="http://schemas.microsoft.com/office/mac/drawingml/2011/main" val="1"/>
-            </a:ext>
-          </a:extLst>
-        </p:spPr>
-        <p:txBody>
-          <a:bodyPr lIns="0" tIns="0" rIns="0" bIns="0">
-            <a:normAutofit fontScale="100000" lnSpcReduction="0"/>
-          </a:bodyPr>
-          <a:lstStyle>
-            <a:lvl1pPr>
-              <a:defRPr sz="1800">
-                <a:solidFill>
-                  <a:srgbClr val="4C4946"/>
-                </a:solidFill>
-              </a:defRPr>
-            </a:lvl1pPr>
-          </a:lstStyle>
-          <a:p>
-            <a:pPr lvl="0">
-              <a:defRPr>
-                <a:solidFill>
-                  <a:srgbClr val="000000"/>
-                </a:solidFill>
-              </a:defRPr>
-            </a:pPr>
-            <a:fld id="{86CB4B4D-7CA3-9044-876B-883B54F8677D}" type="slidenum">
-              <a:rPr>
-                <a:solidFill>
-                  <a:srgbClr val="4C4946"/>
-                </a:solidFill>
-              </a:rPr>
-            </a:fld>
-          </a:p>
-        </p:txBody>
-      </p:sp>
-    </p:spTree>
-  </p:cSld>
-  <p:clrMapOvr>
-    <a:masterClrMapping/>
-  </p:clrMapOvr>
-  <p:transition spd="med" advClick="1"/>
+  <p:transition spd="med"/>
 </p:sld>
 </file>
 
 <file path=ppt/slides/slide3.xml><?xml version="1.0" encoding="utf-8"?>
-<p:sld xmlns:a="http://schemas.openxmlformats.org/drawingml/2006/main" xmlns:r="http://schemas.openxmlformats.org/officeDocument/2006/relationships" xmlns:p="http://schemas.openxmlformats.org/presentationml/2006/main" showMasterSp="1" showMasterPhAnim="1">
+<p:sld xmlns:a="http://schemas.openxmlformats.org/drawingml/2006/main" xmlns:r="http://schemas.openxmlformats.org/officeDocument/2006/relationships" xmlns:p="http://schemas.openxmlformats.org/presentationml/2006/main">
   <p:cSld>
     <p:spTree>
       <p:nvGrpSpPr>
@@ -6645,7 +7829,9 @@
       <p:sp>
         <p:nvSpPr>
           <p:cNvPr id="69" name="Shape 69"/>
-          <p:cNvSpPr/>
+          <p:cNvSpPr>
+            <a:spLocks noGrp="1"/>
+          </p:cNvSpPr>
           <p:nvPr>
             <p:ph type="title"/>
           </p:nvPr>
@@ -6680,7 +7866,9 @@
       <p:sp>
         <p:nvSpPr>
           <p:cNvPr id="70" name="Shape 70"/>
-          <p:cNvSpPr/>
+          <p:cNvSpPr>
+            <a:spLocks noGrp="1"/>
+          </p:cNvSpPr>
           <p:nvPr>
             <p:ph type="body" idx="1"/>
           </p:nvPr>
@@ -6709,11 +7897,6 @@
               </a:rPr>
               <a:t>biologically realistic</a:t>
             </a:r>
-            <a:endParaRPr sz="3600">
-              <a:solidFill>
-                <a:srgbClr val="414141"/>
-              </a:solidFill>
-            </a:endParaRPr>
           </a:p>
           <a:p>
             <a:pPr lvl="0">
@@ -6731,11 +7914,6 @@
               </a:rPr>
               <a:t>outsourcing computation to morphology/environment</a:t>
             </a:r>
-            <a:endParaRPr sz="3600">
-              <a:solidFill>
-                <a:srgbClr val="414141"/>
-              </a:solidFill>
-            </a:endParaRPr>
           </a:p>
           <a:p>
             <a:pPr lvl="0">
@@ -6753,11 +7931,6 @@
               </a:rPr>
               <a:t>reducing designer bias</a:t>
             </a:r>
-            <a:endParaRPr sz="3600">
-              <a:solidFill>
-                <a:srgbClr val="414141"/>
-              </a:solidFill>
-            </a:endParaRPr>
           </a:p>
           <a:p>
             <a:pPr lvl="0">
@@ -6775,11 +7948,6 @@
               </a:rPr>
               <a:t>emergence of interesting features</a:t>
             </a:r>
-            <a:endParaRPr sz="3600">
-              <a:solidFill>
-                <a:srgbClr val="414141"/>
-              </a:solidFill>
-            </a:endParaRPr>
           </a:p>
           <a:p>
             <a:pPr lvl="0">
@@ -6803,7 +7971,9 @@
       <p:sp>
         <p:nvSpPr>
           <p:cNvPr id="71" name="Shape 71"/>
-          <p:cNvSpPr/>
+          <p:cNvSpPr>
+            <a:spLocks noGrp="1"/>
+          </p:cNvSpPr>
           <p:nvPr>
             <p:ph type="sldNum" sz="quarter" idx="4294967295"/>
           </p:nvPr>
@@ -6821,7 +7991,7 @@
           </a:ln>
           <a:extLst>
             <a:ext uri="{C572A759-6A51-4108-AA02-DFA0A04FC94B}">
-              <ma14:wrappingTextBoxFlag xmlns:ma14="http://schemas.microsoft.com/office/mac/drawingml/2011/main" val="1"/>
+              <ma14:wrappingTextBoxFlag xmlns:ma14="http://schemas.microsoft.com/office/mac/drawingml/2011/main" xmlns="" val="1"/>
             </a:ext>
           </a:extLst>
         </p:spPr>
@@ -6852,7 +8022,13 @@
                   <a:srgbClr val="4C4946"/>
                 </a:solidFill>
               </a:rPr>
+              <a:t>3</a:t>
             </a:fld>
+            <a:endParaRPr>
+              <a:solidFill>
+                <a:srgbClr val="4C4946"/>
+              </a:solidFill>
+            </a:endParaRPr>
           </a:p>
         </p:txBody>
       </p:sp>
@@ -6861,12 +8037,12 @@
   <p:clrMapOvr>
     <a:masterClrMapping/>
   </p:clrMapOvr>
-  <p:transition spd="med" advClick="1"/>
+  <p:transition spd="med"/>
 </p:sld>
 </file>
 
 <file path=ppt/slides/slide4.xml><?xml version="1.0" encoding="utf-8"?>
-<p:sld xmlns:a="http://schemas.openxmlformats.org/drawingml/2006/main" xmlns:r="http://schemas.openxmlformats.org/officeDocument/2006/relationships" xmlns:p="http://schemas.openxmlformats.org/presentationml/2006/main" showMasterSp="1" showMasterPhAnim="1">
+<p:sld xmlns:a="http://schemas.openxmlformats.org/drawingml/2006/main" xmlns:r="http://schemas.openxmlformats.org/officeDocument/2006/relationships" xmlns:p="http://schemas.openxmlformats.org/presentationml/2006/main">
   <p:cSld>
     <p:spTree>
       <p:nvGrpSpPr>
@@ -6885,7 +8061,9 @@
       <p:sp>
         <p:nvSpPr>
           <p:cNvPr id="73" name="Shape 73"/>
-          <p:cNvSpPr/>
+          <p:cNvSpPr>
+            <a:spLocks noGrp="1"/>
+          </p:cNvSpPr>
           <p:nvPr>
             <p:ph type="title"/>
           </p:nvPr>
@@ -6924,7 +8102,9 @@
       <p:sp>
         <p:nvSpPr>
           <p:cNvPr id="74" name="Shape 74"/>
-          <p:cNvSpPr/>
+          <p:cNvSpPr>
+            <a:spLocks noGrp="1"/>
+          </p:cNvSpPr>
           <p:nvPr>
             <p:ph type="body" idx="1"/>
           </p:nvPr>
@@ -6942,7 +8122,7 @@
           <a:bodyPr/>
           <a:lstStyle/>
           <a:p>
-            <a:pPr lvl="0" marL="295275" indent="-295275" defTabSz="438150">
+            <a:pPr marL="295275" lvl="0" indent="-295275" defTabSz="438150">
               <a:spcBef>
                 <a:spcPts val="1300"/>
               </a:spcBef>
@@ -6955,7 +8135,7 @@
             <a:endParaRPr sz="2200"/>
           </a:p>
           <a:p>
-            <a:pPr lvl="0" marL="360891" indent="-360891" defTabSz="438150">
+            <a:pPr marL="360891" lvl="0" indent="-360891" defTabSz="438150">
               <a:spcBef>
                 <a:spcPts val="1300"/>
               </a:spcBef>
@@ -6976,7 +8156,7 @@
             <a:endParaRPr sz="2200"/>
           </a:p>
           <a:p>
-            <a:pPr lvl="0" marL="360891" indent="-360891" defTabSz="438150">
+            <a:pPr marL="360891" lvl="0" indent="-360891" defTabSz="438150">
               <a:spcBef>
                 <a:spcPts val="1300"/>
               </a:spcBef>
@@ -7000,7 +8180,9 @@
       <p:sp>
         <p:nvSpPr>
           <p:cNvPr id="75" name="Shape 75"/>
-          <p:cNvSpPr/>
+          <p:cNvSpPr>
+            <a:spLocks noGrp="1"/>
+          </p:cNvSpPr>
           <p:nvPr>
             <p:ph type="sldNum" sz="quarter" idx="4294967295"/>
           </p:nvPr>
@@ -7018,13 +8200,13 @@
           </a:ln>
           <a:extLst>
             <a:ext uri="{C572A759-6A51-4108-AA02-DFA0A04FC94B}">
-              <ma14:wrappingTextBoxFlag xmlns:ma14="http://schemas.microsoft.com/office/mac/drawingml/2011/main" val="1"/>
+              <ma14:wrappingTextBoxFlag xmlns:ma14="http://schemas.microsoft.com/office/mac/drawingml/2011/main" xmlns="" val="1"/>
             </a:ext>
           </a:extLst>
         </p:spPr>
         <p:txBody>
           <a:bodyPr lIns="0" tIns="0" rIns="0" bIns="0">
-            <a:normAutofit fontScale="100000" lnSpcReduction="0"/>
+            <a:normAutofit/>
           </a:bodyPr>
           <a:lstStyle>
             <a:lvl1pPr>
@@ -7049,7 +8231,13 @@
                   <a:srgbClr val="4C4946"/>
                 </a:solidFill>
               </a:rPr>
+              <a:t>4</a:t>
             </a:fld>
+            <a:endParaRPr>
+              <a:solidFill>
+                <a:srgbClr val="4C4946"/>
+              </a:solidFill>
+            </a:endParaRPr>
           </a:p>
         </p:txBody>
       </p:sp>
@@ -7072,7 +8260,7 @@
           </a:ln>
           <a:extLst>
             <a:ext uri="{C572A759-6A51-4108-AA02-DFA0A04FC94B}">
-              <ma14:wrappingTextBoxFlag xmlns:ma14="http://schemas.microsoft.com/office/mac/drawingml/2011/main" val="1"/>
+              <ma14:wrappingTextBoxFlag xmlns:ma14="http://schemas.microsoft.com/office/mac/drawingml/2011/main" xmlns="" val="1"/>
             </a:ext>
           </a:extLst>
         </p:spPr>
@@ -7137,7 +8325,7 @@
           </a:ln>
           <a:extLst>
             <a:ext uri="{C572A759-6A51-4108-AA02-DFA0A04FC94B}">
-              <ma14:wrappingTextBoxFlag xmlns:ma14="http://schemas.microsoft.com/office/mac/drawingml/2011/main" val="1"/>
+              <ma14:wrappingTextBoxFlag xmlns:ma14="http://schemas.microsoft.com/office/mac/drawingml/2011/main" xmlns="" val="1"/>
             </a:ext>
           </a:extLst>
         </p:spPr>
@@ -7202,13 +8390,13 @@
           </a:ln>
           <a:extLst>
             <a:ext uri="{C572A759-6A51-4108-AA02-DFA0A04FC94B}">
-              <ma14:wrappingTextBoxFlag xmlns:ma14="http://schemas.microsoft.com/office/mac/drawingml/2011/main" val="1"/>
+              <ma14:wrappingTextBoxFlag xmlns:ma14="http://schemas.microsoft.com/office/mac/drawingml/2011/main" xmlns="" val="1"/>
             </a:ext>
           </a:extLst>
         </p:spPr>
         <p:txBody>
           <a:bodyPr lIns="0" tIns="0" rIns="0" bIns="0" anchor="ctr">
-            <a:normAutofit fontScale="100000" lnSpcReduction="0"/>
+            <a:normAutofit/>
           </a:bodyPr>
           <a:lstStyle>
             <a:lvl1pPr marL="360891" indent="-360891" algn="l" defTabSz="438150">
@@ -7303,12 +8491,12 @@
   <p:clrMapOvr>
     <a:masterClrMapping/>
   </p:clrMapOvr>
-  <p:transition spd="med" advClick="1"/>
+  <p:transition spd="med"/>
 </p:sld>
 </file>
 
 <file path=ppt/slides/slide5.xml><?xml version="1.0" encoding="utf-8"?>
-<p:sld xmlns:a="http://schemas.openxmlformats.org/drawingml/2006/main" xmlns:r="http://schemas.openxmlformats.org/officeDocument/2006/relationships" xmlns:p="http://schemas.openxmlformats.org/presentationml/2006/main" showMasterSp="1" showMasterPhAnim="1">
+<p:sld xmlns:a="http://schemas.openxmlformats.org/drawingml/2006/main" xmlns:r="http://schemas.openxmlformats.org/officeDocument/2006/relationships" xmlns:p="http://schemas.openxmlformats.org/presentationml/2006/main">
   <p:cSld>
     <p:spTree>
       <p:nvGrpSpPr>
@@ -7327,7 +8515,9 @@
       <p:sp>
         <p:nvSpPr>
           <p:cNvPr id="82" name="Shape 82"/>
-          <p:cNvSpPr/>
+          <p:cNvSpPr>
+            <a:spLocks noGrp="1"/>
+          </p:cNvSpPr>
           <p:nvPr>
             <p:ph type="title"/>
           </p:nvPr>
@@ -7362,7 +8552,9 @@
       <p:sp>
         <p:nvSpPr>
           <p:cNvPr id="83" name="Shape 83"/>
-          <p:cNvSpPr/>
+          <p:cNvSpPr>
+            <a:spLocks noGrp="1"/>
+          </p:cNvSpPr>
           <p:nvPr>
             <p:ph type="body" idx="1"/>
           </p:nvPr>
@@ -7395,11 +8587,6 @@
               </a:rPr>
               <a:t>developed by J. Auerbach, D. Aydin, A. Maesani, P. Kornatowski, T. Cieslewski, G. Heitz, P. Fernando, I. Loshchilov, L. Daler and D. Floreano.</a:t>
             </a:r>
-            <a:endParaRPr sz="3600">
-              <a:solidFill>
-                <a:srgbClr val="414141"/>
-              </a:solidFill>
-            </a:endParaRPr>
           </a:p>
           <a:p>
             <a:pPr lvl="0">
@@ -7417,11 +8604,6 @@
               </a:rPr>
               <a:t>two core components</a:t>
             </a:r>
-            <a:endParaRPr sz="3600">
-              <a:solidFill>
-                <a:srgbClr val="414141"/>
-              </a:solidFill>
-            </a:endParaRPr>
           </a:p>
           <a:p>
             <a:pPr lvl="1">
@@ -7443,11 +8625,6 @@
               </a:rPr>
               <a:t>simulator - ODE</a:t>
             </a:r>
-            <a:endParaRPr sz="3600">
-              <a:solidFill>
-                <a:srgbClr val="414141"/>
-              </a:solidFill>
-            </a:endParaRPr>
           </a:p>
           <a:p>
             <a:pPr lvl="1">
@@ -7505,12 +8682,12 @@
   <p:clrMapOvr>
     <a:masterClrMapping/>
   </p:clrMapOvr>
-  <p:transition spd="med" advClick="1"/>
+  <p:transition spd="med"/>
 </p:sld>
 </file>
 
 <file path=ppt/slides/slide6.xml><?xml version="1.0" encoding="utf-8"?>
-<p:sld xmlns:a="http://schemas.openxmlformats.org/drawingml/2006/main" xmlns:r="http://schemas.openxmlformats.org/officeDocument/2006/relationships" xmlns:p="http://schemas.openxmlformats.org/presentationml/2006/main" showMasterSp="1" showMasterPhAnim="1">
+<p:sld xmlns:a="http://schemas.openxmlformats.org/drawingml/2006/main" xmlns:r="http://schemas.openxmlformats.org/officeDocument/2006/relationships" xmlns:p="http://schemas.openxmlformats.org/presentationml/2006/main">
   <p:cSld>
     <p:spTree>
       <p:nvGrpSpPr>
@@ -7529,7 +8706,9 @@
       <p:sp>
         <p:nvSpPr>
           <p:cNvPr id="86" name="Shape 86"/>
-          <p:cNvSpPr/>
+          <p:cNvSpPr>
+            <a:spLocks noGrp="1"/>
+          </p:cNvSpPr>
           <p:nvPr>
             <p:ph type="title"/>
           </p:nvPr>
@@ -7564,7 +8743,9 @@
       <p:sp>
         <p:nvSpPr>
           <p:cNvPr id="87" name="Shape 87"/>
-          <p:cNvSpPr/>
+          <p:cNvSpPr>
+            <a:spLocks noGrp="1"/>
+          </p:cNvSpPr>
           <p:nvPr>
             <p:ph type="body" idx="1"/>
           </p:nvPr>
@@ -7619,13 +8800,13 @@
           </a:ln>
           <a:extLst>
             <a:ext uri="{C572A759-6A51-4108-AA02-DFA0A04FC94B}">
-              <ma14:wrappingTextBoxFlag xmlns:ma14="http://schemas.microsoft.com/office/mac/drawingml/2011/main" val="1"/>
+              <ma14:wrappingTextBoxFlag xmlns:ma14="http://schemas.microsoft.com/office/mac/drawingml/2011/main" xmlns="" val="1"/>
             </a:ext>
           </a:extLst>
         </p:spPr>
         <p:txBody>
           <a:bodyPr lIns="0" tIns="0" rIns="0" bIns="0" anchor="ctr">
-            <a:normAutofit fontScale="100000" lnSpcReduction="0"/>
+            <a:normAutofit/>
           </a:bodyPr>
           <a:lstStyle>
             <a:lvl1pPr marL="469900" indent="-469900" algn="l">
@@ -7719,12 +8900,12 @@
   <p:clrMapOvr>
     <a:masterClrMapping/>
   </p:clrMapOvr>
-  <p:transition spd="med" advClick="1"/>
+  <p:transition spd="med"/>
 </p:sld>
 </file>
 
 <file path=ppt/slides/slide7.xml><?xml version="1.0" encoding="utf-8"?>
-<p:sld xmlns:a="http://schemas.openxmlformats.org/drawingml/2006/main" xmlns:r="http://schemas.openxmlformats.org/officeDocument/2006/relationships" xmlns:p="http://schemas.openxmlformats.org/presentationml/2006/main" showMasterSp="1" showMasterPhAnim="1">
+<p:sld xmlns:a="http://schemas.openxmlformats.org/drawingml/2006/main" xmlns:r="http://schemas.openxmlformats.org/officeDocument/2006/relationships" xmlns:p="http://schemas.openxmlformats.org/presentationml/2006/main">
   <p:cSld>
     <p:spTree>
       <p:nvGrpSpPr>
@@ -7743,7 +8924,9 @@
       <p:sp>
         <p:nvSpPr>
           <p:cNvPr id="92" name="Shape 92"/>
-          <p:cNvSpPr/>
+          <p:cNvSpPr>
+            <a:spLocks noGrp="1"/>
+          </p:cNvSpPr>
           <p:nvPr>
             <p:ph type="title"/>
           </p:nvPr>
@@ -7778,7 +8961,9 @@
       <p:sp>
         <p:nvSpPr>
           <p:cNvPr id="93" name="Shape 93"/>
-          <p:cNvSpPr/>
+          <p:cNvSpPr>
+            <a:spLocks noGrp="1"/>
+          </p:cNvSpPr>
           <p:nvPr>
             <p:ph type="body" idx="1"/>
           </p:nvPr>
@@ -7811,11 +8996,6 @@
               </a:rPr>
               <a:t>wheels</a:t>
             </a:r>
-            <a:endParaRPr sz="3000">
-              <a:solidFill>
-                <a:srgbClr val="414141"/>
-              </a:solidFill>
-            </a:endParaRPr>
           </a:p>
           <a:p>
             <a:pPr lvl="0">
@@ -7833,11 +9013,6 @@
               </a:rPr>
               <a:t>whegs</a:t>
             </a:r>
-            <a:endParaRPr sz="3000">
-              <a:solidFill>
-                <a:srgbClr val="414141"/>
-              </a:solidFill>
-            </a:endParaRPr>
           </a:p>
           <a:p>
             <a:pPr lvl="0">
@@ -7855,11 +9030,6 @@
               </a:rPr>
               <a:t>core module</a:t>
             </a:r>
-            <a:endParaRPr sz="3000">
-              <a:solidFill>
-                <a:srgbClr val="414141"/>
-              </a:solidFill>
-            </a:endParaRPr>
           </a:p>
           <a:p>
             <a:pPr lvl="0">
@@ -7877,11 +9047,6 @@
               </a:rPr>
               <a:t>joints</a:t>
             </a:r>
-            <a:endParaRPr sz="3000">
-              <a:solidFill>
-                <a:srgbClr val="414141"/>
-              </a:solidFill>
-            </a:endParaRPr>
           </a:p>
           <a:p>
             <a:pPr lvl="0">
@@ -7899,11 +9064,6 @@
               </a:rPr>
               <a:t>light sensors</a:t>
             </a:r>
-            <a:endParaRPr sz="3000">
-              <a:solidFill>
-                <a:srgbClr val="414141"/>
-              </a:solidFill>
-            </a:endParaRPr>
           </a:p>
           <a:p>
             <a:pPr lvl="0">
@@ -7927,7 +9087,9 @@
       <p:sp>
         <p:nvSpPr>
           <p:cNvPr id="94" name="Shape 94"/>
-          <p:cNvSpPr/>
+          <p:cNvSpPr>
+            <a:spLocks noGrp="1"/>
+          </p:cNvSpPr>
           <p:nvPr>
             <p:ph type="sldNum" sz="quarter" idx="4294967295"/>
           </p:nvPr>
@@ -7945,7 +9107,7 @@
           </a:ln>
           <a:extLst>
             <a:ext uri="{C572A759-6A51-4108-AA02-DFA0A04FC94B}">
-              <ma14:wrappingTextBoxFlag xmlns:ma14="http://schemas.microsoft.com/office/mac/drawingml/2011/main" val="1"/>
+              <ma14:wrappingTextBoxFlag xmlns:ma14="http://schemas.microsoft.com/office/mac/drawingml/2011/main" xmlns="" val="1"/>
             </a:ext>
           </a:extLst>
         </p:spPr>
@@ -7976,7 +9138,13 @@
                   <a:srgbClr val="4C4946"/>
                 </a:solidFill>
               </a:rPr>
+              <a:t>7</a:t>
             </a:fld>
+            <a:endParaRPr>
+              <a:solidFill>
+                <a:srgbClr val="4C4946"/>
+              </a:solidFill>
+            </a:endParaRPr>
           </a:p>
         </p:txBody>
       </p:sp>
@@ -8120,12 +9288,12 @@
   <p:clrMapOvr>
     <a:masterClrMapping/>
   </p:clrMapOvr>
-  <p:transition spd="med" advClick="1"/>
+  <p:transition spd="med"/>
 </p:sld>
 </file>
 
 <file path=ppt/slides/slide8.xml><?xml version="1.0" encoding="utf-8"?>
-<p:sld xmlns:a="http://schemas.openxmlformats.org/drawingml/2006/main" xmlns:r="http://schemas.openxmlformats.org/officeDocument/2006/relationships" xmlns:p="http://schemas.openxmlformats.org/presentationml/2006/main" showMasterSp="1" showMasterPhAnim="1">
+<p:sld xmlns:a="http://schemas.openxmlformats.org/drawingml/2006/main" xmlns:r="http://schemas.openxmlformats.org/officeDocument/2006/relationships" xmlns:p="http://schemas.openxmlformats.org/presentationml/2006/main">
   <p:cSld>
     <p:spTree>
       <p:nvGrpSpPr>
@@ -8144,7 +9312,9 @@
       <p:sp>
         <p:nvSpPr>
           <p:cNvPr id="101" name="Shape 101"/>
-          <p:cNvSpPr/>
+          <p:cNvSpPr>
+            <a:spLocks noGrp="1"/>
+          </p:cNvSpPr>
           <p:nvPr>
             <p:ph type="title"/>
           </p:nvPr>
@@ -8179,7 +9349,9 @@
       <p:sp>
         <p:nvSpPr>
           <p:cNvPr id="102" name="Shape 102"/>
-          <p:cNvSpPr/>
+          <p:cNvSpPr>
+            <a:spLocks noGrp="1"/>
+          </p:cNvSpPr>
           <p:nvPr>
             <p:ph type="sldNum" sz="quarter" idx="4294967295"/>
           </p:nvPr>
@@ -8197,7 +9369,7 @@
           </a:ln>
           <a:extLst>
             <a:ext uri="{C572A759-6A51-4108-AA02-DFA0A04FC94B}">
-              <ma14:wrappingTextBoxFlag xmlns:ma14="http://schemas.microsoft.com/office/mac/drawingml/2011/main" val="1"/>
+              <ma14:wrappingTextBoxFlag xmlns:ma14="http://schemas.microsoft.com/office/mac/drawingml/2011/main" xmlns="" val="1"/>
             </a:ext>
           </a:extLst>
         </p:spPr>
@@ -8228,7 +9400,13 @@
                   <a:srgbClr val="4C4946"/>
                 </a:solidFill>
               </a:rPr>
+              <a:t>8</a:t>
             </a:fld>
+            <a:endParaRPr>
+              <a:solidFill>
+                <a:srgbClr val="4C4946"/>
+              </a:solidFill>
+            </a:endParaRPr>
           </a:p>
         </p:txBody>
       </p:sp>
@@ -8242,7 +9420,7 @@
           <a:blip r:embed="rId2">
             <a:extLst/>
           </a:blip>
-          <a:srcRect l="0" t="39898" r="0" b="0"/>
+          <a:srcRect t="39898"/>
           <a:stretch>
             <a:fillRect/>
           </a:stretch>
@@ -8346,12 +9524,12 @@
   <p:clrMapOvr>
     <a:masterClrMapping/>
   </p:clrMapOvr>
-  <p:transition spd="med" advClick="1"/>
+  <p:transition spd="med"/>
 </p:sld>
 </file>
 
 <file path=ppt/slides/slide9.xml><?xml version="1.0" encoding="utf-8"?>
-<p:sld xmlns:a="http://schemas.openxmlformats.org/drawingml/2006/main" xmlns:r="http://schemas.openxmlformats.org/officeDocument/2006/relationships" xmlns:p="http://schemas.openxmlformats.org/presentationml/2006/main" showMasterSp="1" showMasterPhAnim="1">
+<p:sld xmlns:a="http://schemas.openxmlformats.org/drawingml/2006/main" xmlns:r="http://schemas.openxmlformats.org/officeDocument/2006/relationships" xmlns:p="http://schemas.openxmlformats.org/presentationml/2006/main">
   <p:cSld>
     <p:spTree>
       <p:nvGrpSpPr>
@@ -8370,7 +9548,9 @@
       <p:sp>
         <p:nvSpPr>
           <p:cNvPr id="108" name="Shape 108"/>
-          <p:cNvSpPr/>
+          <p:cNvSpPr>
+            <a:spLocks noGrp="1"/>
+          </p:cNvSpPr>
           <p:nvPr>
             <p:ph type="title"/>
           </p:nvPr>
@@ -8461,12 +9641,12 @@
   <p:clrMapOvr>
     <a:masterClrMapping/>
   </p:clrMapOvr>
-  <p:transition spd="med" advClick="1"/>
+  <p:transition spd="med"/>
 </p:sld>
 </file>
 
 <file path=ppt/theme/theme1.xml><?xml version="1.0" encoding="utf-8"?>
-<a:theme xmlns:a="http://schemas.openxmlformats.org/drawingml/2006/main" xmlns:r="http://schemas.openxmlformats.org/officeDocument/2006/relationships" name="New_Template4">
+<a:theme xmlns:a="http://schemas.openxmlformats.org/drawingml/2006/main" name="New_Template4">
   <a:themeElements>
     <a:clrScheme name="New_Template4">
       <a:dk1>
@@ -8656,8 +9836,8 @@
     <a:spDef>
       <a:spPr>
         <a:blipFill rotWithShape="1">
-          <a:blip r:embed="rId1"/>
-          <a:srcRect l="0" t="0" r="0" b="0"/>
+          <a:blip xmlns:r="http://schemas.openxmlformats.org/officeDocument/2006/relationships" r:embed="rId1"/>
+          <a:srcRect/>
           <a:tile tx="0" ty="0" sx="100000" sy="100000" flip="none" algn="tl"/>
         </a:blipFill>
         <a:ln w="12700" cap="flat">
@@ -8666,7 +9846,7 @@
         </a:ln>
         <a:effectLst/>
       </a:spPr>
-      <a:bodyPr rot="0" spcFirstLastPara="1" vertOverflow="overflow" horzOverflow="overflow" vert="horz" wrap="square" lIns="50800" tIns="50800" rIns="50800" bIns="50800" numCol="1" spcCol="38100" rtlCol="0" anchor="ctr" upright="0">
+      <a:bodyPr rot="0" spcFirstLastPara="1" vertOverflow="overflow" horzOverflow="overflow" vert="horz" wrap="square" lIns="50800" tIns="50800" rIns="50800" bIns="50800" numCol="1" spcCol="38100" rtlCol="0" anchor="ctr">
         <a:spAutoFit/>
       </a:bodyPr>
       <a:lstStyle>
@@ -8685,7 +9865,7 @@
           <a:buFontTx/>
           <a:buNone/>
           <a:tabLst/>
-          <a:defRPr b="0" baseline="0" cap="none" i="0" spc="0" strike="noStrike" sz="3200" u="none" kumimoji="0" normalizeH="0">
+          <a:defRPr kumimoji="0" sz="3200" b="0" i="0" u="none" strike="noStrike" cap="none" spc="0" normalizeH="0" baseline="0">
             <a:ln>
               <a:noFill/>
             </a:ln>
@@ -8693,7 +9873,7 @@
               <a:srgbClr val="FFFFFF"/>
             </a:solidFill>
             <a:effectLst>
-              <a:outerShdw sx="100000" sy="100000" kx="0" ky="0" algn="b" rotWithShape="0" blurRad="25400" dist="33948" dir="2700000">
+              <a:outerShdw blurRad="25400" dist="33948" dir="2700000" rotWithShape="0">
                 <a:srgbClr val="3B3936"/>
               </a:outerShdw>
             </a:effectLst>
@@ -8719,7 +9899,7 @@
           <a:buFontTx/>
           <a:buNone/>
           <a:tabLst/>
-          <a:defRPr b="0" baseline="0" cap="none" i="0" spc="0" strike="noStrike" sz="1800" u="none" kumimoji="0" normalizeH="0">
+          <a:defRPr kumimoji="0" sz="1800" b="0" i="0" u="none" strike="noStrike" cap="none" spc="0" normalizeH="0" baseline="0">
             <a:ln>
               <a:noFill/>
             </a:ln>
@@ -8745,7 +9925,7 @@
           <a:buFontTx/>
           <a:buNone/>
           <a:tabLst/>
-          <a:defRPr b="0" baseline="0" cap="none" i="0" spc="0" strike="noStrike" sz="1800" u="none" kumimoji="0" normalizeH="0">
+          <a:defRPr kumimoji="0" sz="1800" b="0" i="0" u="none" strike="noStrike" cap="none" spc="0" normalizeH="0" baseline="0">
             <a:ln>
               <a:noFill/>
             </a:ln>
@@ -8771,7 +9951,7 @@
           <a:buFontTx/>
           <a:buNone/>
           <a:tabLst/>
-          <a:defRPr b="0" baseline="0" cap="none" i="0" spc="0" strike="noStrike" sz="1800" u="none" kumimoji="0" normalizeH="0">
+          <a:defRPr kumimoji="0" sz="1800" b="0" i="0" u="none" strike="noStrike" cap="none" spc="0" normalizeH="0" baseline="0">
             <a:ln>
               <a:noFill/>
             </a:ln>
@@ -8797,7 +9977,7 @@
           <a:buFontTx/>
           <a:buNone/>
           <a:tabLst/>
-          <a:defRPr b="0" baseline="0" cap="none" i="0" spc="0" strike="noStrike" sz="1800" u="none" kumimoji="0" normalizeH="0">
+          <a:defRPr kumimoji="0" sz="1800" b="0" i="0" u="none" strike="noStrike" cap="none" spc="0" normalizeH="0" baseline="0">
             <a:ln>
               <a:noFill/>
             </a:ln>
@@ -8823,7 +10003,7 @@
           <a:buFontTx/>
           <a:buNone/>
           <a:tabLst/>
-          <a:defRPr b="0" baseline="0" cap="none" i="0" spc="0" strike="noStrike" sz="1800" u="none" kumimoji="0" normalizeH="0">
+          <a:defRPr kumimoji="0" sz="1800" b="0" i="0" u="none" strike="noStrike" cap="none" spc="0" normalizeH="0" baseline="0">
             <a:ln>
               <a:noFill/>
             </a:ln>
@@ -8849,7 +10029,7 @@
           <a:buFontTx/>
           <a:buNone/>
           <a:tabLst/>
-          <a:defRPr b="0" baseline="0" cap="none" i="0" spc="0" strike="noStrike" sz="1800" u="none" kumimoji="0" normalizeH="0">
+          <a:defRPr kumimoji="0" sz="1800" b="0" i="0" u="none" strike="noStrike" cap="none" spc="0" normalizeH="0" baseline="0">
             <a:ln>
               <a:noFill/>
             </a:ln>
@@ -8875,7 +10055,7 @@
           <a:buFontTx/>
           <a:buNone/>
           <a:tabLst/>
-          <a:defRPr b="0" baseline="0" cap="none" i="0" spc="0" strike="noStrike" sz="1800" u="none" kumimoji="0" normalizeH="0">
+          <a:defRPr kumimoji="0" sz="1800" b="0" i="0" u="none" strike="noStrike" cap="none" spc="0" normalizeH="0" baseline="0">
             <a:ln>
               <a:noFill/>
             </a:ln>
@@ -8901,7 +10081,7 @@
           <a:buFontTx/>
           <a:buNone/>
           <a:tabLst/>
-          <a:defRPr b="0" baseline="0" cap="none" i="0" spc="0" strike="noStrike" sz="1800" u="none" kumimoji="0" normalizeH="0">
+          <a:defRPr kumimoji="0" sz="1800" b="0" i="0" u="none" strike="noStrike" cap="none" spc="0" normalizeH="0" baseline="0">
             <a:ln>
               <a:noFill/>
             </a:ln>
@@ -8927,7 +10107,7 @@
           <a:buFontTx/>
           <a:buNone/>
           <a:tabLst/>
-          <a:defRPr b="0" baseline="0" cap="none" i="0" spc="0" strike="noStrike" sz="1800" u="none" kumimoji="0" normalizeH="0">
+          <a:defRPr kumimoji="0" sz="1800" b="0" i="0" u="none" strike="noStrike" cap="none" spc="0" normalizeH="0" baseline="0">
             <a:ln>
               <a:noFill/>
             </a:ln>
@@ -8940,9 +10120,15 @@
         </a:lvl9pPr>
       </a:lstStyle>
       <a:style>
-        <a:lnRef idx="0"/>
-        <a:fillRef idx="0"/>
-        <a:effectRef idx="0"/>
+        <a:lnRef idx="0">
+          <a:scrgbClr r="0" g="0" b="0"/>
+        </a:lnRef>
+        <a:fillRef idx="0">
+          <a:scrgbClr r="0" g="0" b="0"/>
+        </a:fillRef>
+        <a:effectRef idx="0">
+          <a:scrgbClr r="0" g="0" b="0"/>
+        </a:effectRef>
         <a:fontRef idx="none"/>
       </a:style>
     </a:spDef>
@@ -8958,7 +10144,7 @@
         </a:ln>
         <a:effectLst/>
       </a:spPr>
-      <a:bodyPr rot="0" spcFirstLastPara="1" vertOverflow="overflow" horzOverflow="overflow" vert="horz" wrap="square" lIns="91439" tIns="45719" rIns="91439" bIns="45719" numCol="1" spcCol="38100" rtlCol="0" anchor="t" upright="0">
+      <a:bodyPr rot="0" spcFirstLastPara="1" vertOverflow="overflow" horzOverflow="overflow" vert="horz" wrap="square" lIns="91439" tIns="45719" rIns="91439" bIns="45719" numCol="1" spcCol="38100" rtlCol="0" anchor="t">
         <a:noAutofit/>
       </a:bodyPr>
       <a:lstStyle>
@@ -8977,7 +10163,7 @@
           <a:buFontTx/>
           <a:buNone/>
           <a:tabLst/>
-          <a:defRPr b="0" baseline="0" cap="none" i="0" spc="0" strike="noStrike" sz="1800" u="none" kumimoji="0" normalizeH="0">
+          <a:defRPr kumimoji="0" sz="1800" b="0" i="0" u="none" strike="noStrike" cap="none" spc="0" normalizeH="0" baseline="0">
             <a:ln>
               <a:noFill/>
             </a:ln>
@@ -9003,7 +10189,7 @@
           <a:buFontTx/>
           <a:buNone/>
           <a:tabLst/>
-          <a:defRPr b="0" baseline="0" cap="none" i="0" spc="0" strike="noStrike" sz="1800" u="none" kumimoji="0" normalizeH="0">
+          <a:defRPr kumimoji="0" sz="1800" b="0" i="0" u="none" strike="noStrike" cap="none" spc="0" normalizeH="0" baseline="0">
             <a:ln>
               <a:noFill/>
             </a:ln>
@@ -9029,7 +10215,7 @@
           <a:buFontTx/>
           <a:buNone/>
           <a:tabLst/>
-          <a:defRPr b="0" baseline="0" cap="none" i="0" spc="0" strike="noStrike" sz="1800" u="none" kumimoji="0" normalizeH="0">
+          <a:defRPr kumimoji="0" sz="1800" b="0" i="0" u="none" strike="noStrike" cap="none" spc="0" normalizeH="0" baseline="0">
             <a:ln>
               <a:noFill/>
             </a:ln>
@@ -9055,7 +10241,7 @@
           <a:buFontTx/>
           <a:buNone/>
           <a:tabLst/>
-          <a:defRPr b="0" baseline="0" cap="none" i="0" spc="0" strike="noStrike" sz="1800" u="none" kumimoji="0" normalizeH="0">
+          <a:defRPr kumimoji="0" sz="1800" b="0" i="0" u="none" strike="noStrike" cap="none" spc="0" normalizeH="0" baseline="0">
             <a:ln>
               <a:noFill/>
             </a:ln>
@@ -9081,7 +10267,7 @@
           <a:buFontTx/>
           <a:buNone/>
           <a:tabLst/>
-          <a:defRPr b="0" baseline="0" cap="none" i="0" spc="0" strike="noStrike" sz="1800" u="none" kumimoji="0" normalizeH="0">
+          <a:defRPr kumimoji="0" sz="1800" b="0" i="0" u="none" strike="noStrike" cap="none" spc="0" normalizeH="0" baseline="0">
             <a:ln>
               <a:noFill/>
             </a:ln>
@@ -9107,7 +10293,7 @@
           <a:buFontTx/>
           <a:buNone/>
           <a:tabLst/>
-          <a:defRPr b="0" baseline="0" cap="none" i="0" spc="0" strike="noStrike" sz="1800" u="none" kumimoji="0" normalizeH="0">
+          <a:defRPr kumimoji="0" sz="1800" b="0" i="0" u="none" strike="noStrike" cap="none" spc="0" normalizeH="0" baseline="0">
             <a:ln>
               <a:noFill/>
             </a:ln>
@@ -9133,7 +10319,7 @@
           <a:buFontTx/>
           <a:buNone/>
           <a:tabLst/>
-          <a:defRPr b="0" baseline="0" cap="none" i="0" spc="0" strike="noStrike" sz="1800" u="none" kumimoji="0" normalizeH="0">
+          <a:defRPr kumimoji="0" sz="1800" b="0" i="0" u="none" strike="noStrike" cap="none" spc="0" normalizeH="0" baseline="0">
             <a:ln>
               <a:noFill/>
             </a:ln>
@@ -9159,7 +10345,7 @@
           <a:buFontTx/>
           <a:buNone/>
           <a:tabLst/>
-          <a:defRPr b="0" baseline="0" cap="none" i="0" spc="0" strike="noStrike" sz="1800" u="none" kumimoji="0" normalizeH="0">
+          <a:defRPr kumimoji="0" sz="1800" b="0" i="0" u="none" strike="noStrike" cap="none" spc="0" normalizeH="0" baseline="0">
             <a:ln>
               <a:noFill/>
             </a:ln>
@@ -9185,7 +10371,7 @@
           <a:buFontTx/>
           <a:buNone/>
           <a:tabLst/>
-          <a:defRPr b="0" baseline="0" cap="none" i="0" spc="0" strike="noStrike" sz="1800" u="none" kumimoji="0" normalizeH="0">
+          <a:defRPr kumimoji="0" sz="1800" b="0" i="0" u="none" strike="noStrike" cap="none" spc="0" normalizeH="0" baseline="0">
             <a:ln>
               <a:noFill/>
             </a:ln>
@@ -9211,7 +10397,7 @@
           <a:buFontTx/>
           <a:buNone/>
           <a:tabLst/>
-          <a:defRPr b="0" baseline="0" cap="none" i="0" spc="0" strike="noStrike" sz="1800" u="none" kumimoji="0" normalizeH="0">
+          <a:defRPr kumimoji="0" sz="1800" b="0" i="0" u="none" strike="noStrike" cap="none" spc="0" normalizeH="0" baseline="0">
             <a:ln>
               <a:noFill/>
             </a:ln>
@@ -9224,9 +10410,15 @@
         </a:lvl9pPr>
       </a:lstStyle>
       <a:style>
-        <a:lnRef idx="0"/>
-        <a:fillRef idx="0"/>
-        <a:effectRef idx="0"/>
+        <a:lnRef idx="0">
+          <a:scrgbClr r="0" g="0" b="0"/>
+        </a:lnRef>
+        <a:fillRef idx="0">
+          <a:scrgbClr r="0" g="0" b="0"/>
+        </a:fillRef>
+        <a:effectRef idx="0">
+          <a:scrgbClr r="0" g="0" b="0"/>
+        </a:effectRef>
         <a:fontRef idx="none"/>
       </a:style>
     </a:lnDef>
@@ -9239,7 +10431,7 @@
         </a:ln>
         <a:effectLst/>
       </a:spPr>
-      <a:bodyPr rot="0" spcFirstLastPara="1" vertOverflow="overflow" horzOverflow="overflow" vert="horz" wrap="square" lIns="50800" tIns="50800" rIns="50800" bIns="50800" numCol="1" spcCol="38100" rtlCol="0" anchor="ctr" upright="0">
+      <a:bodyPr rot="0" spcFirstLastPara="1" vertOverflow="overflow" horzOverflow="overflow" vert="horz" wrap="square" lIns="50800" tIns="50800" rIns="50800" bIns="50800" numCol="1" spcCol="38100" rtlCol="0" anchor="ctr">
         <a:spAutoFit/>
       </a:bodyPr>
       <a:lstStyle>
@@ -9258,7 +10450,7 @@
           <a:buFontTx/>
           <a:buNone/>
           <a:tabLst/>
-          <a:defRPr b="0" baseline="0" cap="none" i="0" spc="0" strike="noStrike" sz="2400" u="none" kumimoji="0" normalizeH="0">
+          <a:defRPr kumimoji="0" sz="2400" b="0" i="0" u="none" strike="noStrike" cap="none" spc="0" normalizeH="0" baseline="0">
             <a:ln>
               <a:noFill/>
             </a:ln>
@@ -9288,7 +10480,7 @@
           <a:buFontTx/>
           <a:buNone/>
           <a:tabLst/>
-          <a:defRPr b="0" baseline="0" cap="none" i="0" spc="0" strike="noStrike" sz="1800" u="none" kumimoji="0" normalizeH="0">
+          <a:defRPr kumimoji="0" sz="1800" b="0" i="0" u="none" strike="noStrike" cap="none" spc="0" normalizeH="0" baseline="0">
             <a:ln>
               <a:noFill/>
             </a:ln>
@@ -9314,7 +10506,7 @@
           <a:buFontTx/>
           <a:buNone/>
           <a:tabLst/>
-          <a:defRPr b="0" baseline="0" cap="none" i="0" spc="0" strike="noStrike" sz="1800" u="none" kumimoji="0" normalizeH="0">
+          <a:defRPr kumimoji="0" sz="1800" b="0" i="0" u="none" strike="noStrike" cap="none" spc="0" normalizeH="0" baseline="0">
             <a:ln>
               <a:noFill/>
             </a:ln>
@@ -9340,7 +10532,7 @@
           <a:buFontTx/>
           <a:buNone/>
           <a:tabLst/>
-          <a:defRPr b="0" baseline="0" cap="none" i="0" spc="0" strike="noStrike" sz="1800" u="none" kumimoji="0" normalizeH="0">
+          <a:defRPr kumimoji="0" sz="1800" b="0" i="0" u="none" strike="noStrike" cap="none" spc="0" normalizeH="0" baseline="0">
             <a:ln>
               <a:noFill/>
             </a:ln>
@@ -9366,7 +10558,7 @@
           <a:buFontTx/>
           <a:buNone/>
           <a:tabLst/>
-          <a:defRPr b="0" baseline="0" cap="none" i="0" spc="0" strike="noStrike" sz="1800" u="none" kumimoji="0" normalizeH="0">
+          <a:defRPr kumimoji="0" sz="1800" b="0" i="0" u="none" strike="noStrike" cap="none" spc="0" normalizeH="0" baseline="0">
             <a:ln>
               <a:noFill/>
             </a:ln>
@@ -9392,7 +10584,7 @@
           <a:buFontTx/>
           <a:buNone/>
           <a:tabLst/>
-          <a:defRPr b="0" baseline="0" cap="none" i="0" spc="0" strike="noStrike" sz="1800" u="none" kumimoji="0" normalizeH="0">
+          <a:defRPr kumimoji="0" sz="1800" b="0" i="0" u="none" strike="noStrike" cap="none" spc="0" normalizeH="0" baseline="0">
             <a:ln>
               <a:noFill/>
             </a:ln>
@@ -9418,7 +10610,7 @@
           <a:buFontTx/>
           <a:buNone/>
           <a:tabLst/>
-          <a:defRPr b="0" baseline="0" cap="none" i="0" spc="0" strike="noStrike" sz="1800" u="none" kumimoji="0" normalizeH="0">
+          <a:defRPr kumimoji="0" sz="1800" b="0" i="0" u="none" strike="noStrike" cap="none" spc="0" normalizeH="0" baseline="0">
             <a:ln>
               <a:noFill/>
             </a:ln>
@@ -9444,7 +10636,7 @@
           <a:buFontTx/>
           <a:buNone/>
           <a:tabLst/>
-          <a:defRPr b="0" baseline="0" cap="none" i="0" spc="0" strike="noStrike" sz="1800" u="none" kumimoji="0" normalizeH="0">
+          <a:defRPr kumimoji="0" sz="1800" b="0" i="0" u="none" strike="noStrike" cap="none" spc="0" normalizeH="0" baseline="0">
             <a:ln>
               <a:noFill/>
             </a:ln>
@@ -9470,7 +10662,7 @@
           <a:buFontTx/>
           <a:buNone/>
           <a:tabLst/>
-          <a:defRPr b="0" baseline="0" cap="none" i="0" spc="0" strike="noStrike" sz="1800" u="none" kumimoji="0" normalizeH="0">
+          <a:defRPr kumimoji="0" sz="1800" b="0" i="0" u="none" strike="noStrike" cap="none" spc="0" normalizeH="0" baseline="0">
             <a:ln>
               <a:noFill/>
             </a:ln>
@@ -9496,7 +10688,7 @@
           <a:buFontTx/>
           <a:buNone/>
           <a:tabLst/>
-          <a:defRPr b="0" baseline="0" cap="none" i="0" spc="0" strike="noStrike" sz="1800" u="none" kumimoji="0" normalizeH="0">
+          <a:defRPr kumimoji="0" sz="1800" b="0" i="0" u="none" strike="noStrike" cap="none" spc="0" normalizeH="0" baseline="0">
             <a:ln>
               <a:noFill/>
             </a:ln>
@@ -9509,18 +10701,25 @@
         </a:lvl9pPr>
       </a:lstStyle>
       <a:style>
-        <a:lnRef idx="0"/>
-        <a:fillRef idx="0"/>
-        <a:effectRef idx="0"/>
+        <a:lnRef idx="0">
+          <a:scrgbClr r="0" g="0" b="0"/>
+        </a:lnRef>
+        <a:fillRef idx="0">
+          <a:scrgbClr r="0" g="0" b="0"/>
+        </a:fillRef>
+        <a:effectRef idx="0">
+          <a:scrgbClr r="0" g="0" b="0"/>
+        </a:effectRef>
         <a:fontRef idx="none"/>
       </a:style>
     </a:txDef>
   </a:objectDefaults>
+  <a:extraClrSchemeLst/>
 </a:theme>
 </file>
 
 <file path=ppt/theme/theme2.xml><?xml version="1.0" encoding="utf-8"?>
-<a:theme xmlns:a="http://schemas.openxmlformats.org/drawingml/2006/main" xmlns:r="http://schemas.openxmlformats.org/officeDocument/2006/relationships" name="New_Template4">
+<a:theme xmlns:a="http://schemas.openxmlformats.org/drawingml/2006/main" name="New_Template4">
   <a:themeElements>
     <a:clrScheme name="New_Template4">
       <a:dk1>
@@ -9710,8 +10909,8 @@
     <a:spDef>
       <a:spPr>
         <a:blipFill rotWithShape="1">
-          <a:blip r:embed="rId1"/>
-          <a:srcRect l="0" t="0" r="0" b="0"/>
+          <a:blip xmlns:r="http://schemas.openxmlformats.org/officeDocument/2006/relationships" r:embed="rId1"/>
+          <a:srcRect/>
           <a:tile tx="0" ty="0" sx="100000" sy="100000" flip="none" algn="tl"/>
         </a:blipFill>
         <a:ln w="12700" cap="flat">
@@ -9720,7 +10919,7 @@
         </a:ln>
         <a:effectLst/>
       </a:spPr>
-      <a:bodyPr rot="0" spcFirstLastPara="1" vertOverflow="overflow" horzOverflow="overflow" vert="horz" wrap="square" lIns="50800" tIns="50800" rIns="50800" bIns="50800" numCol="1" spcCol="38100" rtlCol="0" anchor="ctr" upright="0">
+      <a:bodyPr rot="0" spcFirstLastPara="1" vertOverflow="overflow" horzOverflow="overflow" vert="horz" wrap="square" lIns="50800" tIns="50800" rIns="50800" bIns="50800" numCol="1" spcCol="38100" rtlCol="0" anchor="ctr">
         <a:spAutoFit/>
       </a:bodyPr>
       <a:lstStyle>
@@ -9739,7 +10938,7 @@
           <a:buFontTx/>
           <a:buNone/>
           <a:tabLst/>
-          <a:defRPr b="0" baseline="0" cap="none" i="0" spc="0" strike="noStrike" sz="3200" u="none" kumimoji="0" normalizeH="0">
+          <a:defRPr kumimoji="0" sz="3200" b="0" i="0" u="none" strike="noStrike" cap="none" spc="0" normalizeH="0" baseline="0">
             <a:ln>
               <a:noFill/>
             </a:ln>
@@ -9747,7 +10946,7 @@
               <a:srgbClr val="FFFFFF"/>
             </a:solidFill>
             <a:effectLst>
-              <a:outerShdw sx="100000" sy="100000" kx="0" ky="0" algn="b" rotWithShape="0" blurRad="25400" dist="33948" dir="2700000">
+              <a:outerShdw blurRad="25400" dist="33948" dir="2700000" rotWithShape="0">
                 <a:srgbClr val="3B3936"/>
               </a:outerShdw>
             </a:effectLst>
@@ -9773,7 +10972,7 @@
           <a:buFontTx/>
           <a:buNone/>
           <a:tabLst/>
-          <a:defRPr b="0" baseline="0" cap="none" i="0" spc="0" strike="noStrike" sz="1800" u="none" kumimoji="0" normalizeH="0">
+          <a:defRPr kumimoji="0" sz="1800" b="0" i="0" u="none" strike="noStrike" cap="none" spc="0" normalizeH="0" baseline="0">
             <a:ln>
               <a:noFill/>
             </a:ln>
@@ -9799,7 +10998,7 @@
           <a:buFontTx/>
           <a:buNone/>
           <a:tabLst/>
-          <a:defRPr b="0" baseline="0" cap="none" i="0" spc="0" strike="noStrike" sz="1800" u="none" kumimoji="0" normalizeH="0">
+          <a:defRPr kumimoji="0" sz="1800" b="0" i="0" u="none" strike="noStrike" cap="none" spc="0" normalizeH="0" baseline="0">
             <a:ln>
               <a:noFill/>
             </a:ln>
@@ -9825,7 +11024,7 @@
           <a:buFontTx/>
           <a:buNone/>
           <a:tabLst/>
-          <a:defRPr b="0" baseline="0" cap="none" i="0" spc="0" strike="noStrike" sz="1800" u="none" kumimoji="0" normalizeH="0">
+          <a:defRPr kumimoji="0" sz="1800" b="0" i="0" u="none" strike="noStrike" cap="none" spc="0" normalizeH="0" baseline="0">
             <a:ln>
               <a:noFill/>
             </a:ln>
@@ -9851,7 +11050,7 @@
           <a:buFontTx/>
           <a:buNone/>
           <a:tabLst/>
-          <a:defRPr b="0" baseline="0" cap="none" i="0" spc="0" strike="noStrike" sz="1800" u="none" kumimoji="0" normalizeH="0">
+          <a:defRPr kumimoji="0" sz="1800" b="0" i="0" u="none" strike="noStrike" cap="none" spc="0" normalizeH="0" baseline="0">
             <a:ln>
               <a:noFill/>
             </a:ln>
@@ -9877,7 +11076,7 @@
           <a:buFontTx/>
           <a:buNone/>
           <a:tabLst/>
-          <a:defRPr b="0" baseline="0" cap="none" i="0" spc="0" strike="noStrike" sz="1800" u="none" kumimoji="0" normalizeH="0">
+          <a:defRPr kumimoji="0" sz="1800" b="0" i="0" u="none" strike="noStrike" cap="none" spc="0" normalizeH="0" baseline="0">
             <a:ln>
               <a:noFill/>
             </a:ln>
@@ -9903,7 +11102,7 @@
           <a:buFontTx/>
           <a:buNone/>
           <a:tabLst/>
-          <a:defRPr b="0" baseline="0" cap="none" i="0" spc="0" strike="noStrike" sz="1800" u="none" kumimoji="0" normalizeH="0">
+          <a:defRPr kumimoji="0" sz="1800" b="0" i="0" u="none" strike="noStrike" cap="none" spc="0" normalizeH="0" baseline="0">
             <a:ln>
               <a:noFill/>
             </a:ln>
@@ -9929,7 +11128,7 @@
           <a:buFontTx/>
           <a:buNone/>
           <a:tabLst/>
-          <a:defRPr b="0" baseline="0" cap="none" i="0" spc="0" strike="noStrike" sz="1800" u="none" kumimoji="0" normalizeH="0">
+          <a:defRPr kumimoji="0" sz="1800" b="0" i="0" u="none" strike="noStrike" cap="none" spc="0" normalizeH="0" baseline="0">
             <a:ln>
               <a:noFill/>
             </a:ln>
@@ -9955,7 +11154,7 @@
           <a:buFontTx/>
           <a:buNone/>
           <a:tabLst/>
-          <a:defRPr b="0" baseline="0" cap="none" i="0" spc="0" strike="noStrike" sz="1800" u="none" kumimoji="0" normalizeH="0">
+          <a:defRPr kumimoji="0" sz="1800" b="0" i="0" u="none" strike="noStrike" cap="none" spc="0" normalizeH="0" baseline="0">
             <a:ln>
               <a:noFill/>
             </a:ln>
@@ -9981,7 +11180,7 @@
           <a:buFontTx/>
           <a:buNone/>
           <a:tabLst/>
-          <a:defRPr b="0" baseline="0" cap="none" i="0" spc="0" strike="noStrike" sz="1800" u="none" kumimoji="0" normalizeH="0">
+          <a:defRPr kumimoji="0" sz="1800" b="0" i="0" u="none" strike="noStrike" cap="none" spc="0" normalizeH="0" baseline="0">
             <a:ln>
               <a:noFill/>
             </a:ln>
@@ -9994,9 +11193,15 @@
         </a:lvl9pPr>
       </a:lstStyle>
       <a:style>
-        <a:lnRef idx="0"/>
-        <a:fillRef idx="0"/>
-        <a:effectRef idx="0"/>
+        <a:lnRef idx="0">
+          <a:scrgbClr r="0" g="0" b="0"/>
+        </a:lnRef>
+        <a:fillRef idx="0">
+          <a:scrgbClr r="0" g="0" b="0"/>
+        </a:fillRef>
+        <a:effectRef idx="0">
+          <a:scrgbClr r="0" g="0" b="0"/>
+        </a:effectRef>
         <a:fontRef idx="none"/>
       </a:style>
     </a:spDef>
@@ -10012,7 +11217,7 @@
         </a:ln>
         <a:effectLst/>
       </a:spPr>
-      <a:bodyPr rot="0" spcFirstLastPara="1" vertOverflow="overflow" horzOverflow="overflow" vert="horz" wrap="square" lIns="91439" tIns="45719" rIns="91439" bIns="45719" numCol="1" spcCol="38100" rtlCol="0" anchor="t" upright="0">
+      <a:bodyPr rot="0" spcFirstLastPara="1" vertOverflow="overflow" horzOverflow="overflow" vert="horz" wrap="square" lIns="91439" tIns="45719" rIns="91439" bIns="45719" numCol="1" spcCol="38100" rtlCol="0" anchor="t">
         <a:noAutofit/>
       </a:bodyPr>
       <a:lstStyle>
@@ -10031,7 +11236,7 @@
           <a:buFontTx/>
           <a:buNone/>
           <a:tabLst/>
-          <a:defRPr b="0" baseline="0" cap="none" i="0" spc="0" strike="noStrike" sz="1800" u="none" kumimoji="0" normalizeH="0">
+          <a:defRPr kumimoji="0" sz="1800" b="0" i="0" u="none" strike="noStrike" cap="none" spc="0" normalizeH="0" baseline="0">
             <a:ln>
               <a:noFill/>
             </a:ln>
@@ -10057,7 +11262,7 @@
           <a:buFontTx/>
           <a:buNone/>
           <a:tabLst/>
-          <a:defRPr b="0" baseline="0" cap="none" i="0" spc="0" strike="noStrike" sz="1800" u="none" kumimoji="0" normalizeH="0">
+          <a:defRPr kumimoji="0" sz="1800" b="0" i="0" u="none" strike="noStrike" cap="none" spc="0" normalizeH="0" baseline="0">
             <a:ln>
               <a:noFill/>
             </a:ln>
@@ -10083,7 +11288,7 @@
           <a:buFontTx/>
           <a:buNone/>
           <a:tabLst/>
-          <a:defRPr b="0" baseline="0" cap="none" i="0" spc="0" strike="noStrike" sz="1800" u="none" kumimoji="0" normalizeH="0">
+          <a:defRPr kumimoji="0" sz="1800" b="0" i="0" u="none" strike="noStrike" cap="none" spc="0" normalizeH="0" baseline="0">
             <a:ln>
               <a:noFill/>
             </a:ln>
@@ -10109,7 +11314,7 @@
           <a:buFontTx/>
           <a:buNone/>
           <a:tabLst/>
-          <a:defRPr b="0" baseline="0" cap="none" i="0" spc="0" strike="noStrike" sz="1800" u="none" kumimoji="0" normalizeH="0">
+          <a:defRPr kumimoji="0" sz="1800" b="0" i="0" u="none" strike="noStrike" cap="none" spc="0" normalizeH="0" baseline="0">
             <a:ln>
               <a:noFill/>
             </a:ln>
@@ -10135,7 +11340,7 @@
           <a:buFontTx/>
           <a:buNone/>
           <a:tabLst/>
-          <a:defRPr b="0" baseline="0" cap="none" i="0" spc="0" strike="noStrike" sz="1800" u="none" kumimoji="0" normalizeH="0">
+          <a:defRPr kumimoji="0" sz="1800" b="0" i="0" u="none" strike="noStrike" cap="none" spc="0" normalizeH="0" baseline="0">
             <a:ln>
               <a:noFill/>
             </a:ln>
@@ -10161,7 +11366,7 @@
           <a:buFontTx/>
           <a:buNone/>
           <a:tabLst/>
-          <a:defRPr b="0" baseline="0" cap="none" i="0" spc="0" strike="noStrike" sz="1800" u="none" kumimoji="0" normalizeH="0">
+          <a:defRPr kumimoji="0" sz="1800" b="0" i="0" u="none" strike="noStrike" cap="none" spc="0" normalizeH="0" baseline="0">
             <a:ln>
               <a:noFill/>
             </a:ln>
@@ -10187,7 +11392,7 @@
           <a:buFontTx/>
           <a:buNone/>
           <a:tabLst/>
-          <a:defRPr b="0" baseline="0" cap="none" i="0" spc="0" strike="noStrike" sz="1800" u="none" kumimoji="0" normalizeH="0">
+          <a:defRPr kumimoji="0" sz="1800" b="0" i="0" u="none" strike="noStrike" cap="none" spc="0" normalizeH="0" baseline="0">
             <a:ln>
               <a:noFill/>
             </a:ln>
@@ -10213,7 +11418,7 @@
           <a:buFontTx/>
           <a:buNone/>
           <a:tabLst/>
-          <a:defRPr b="0" baseline="0" cap="none" i="0" spc="0" strike="noStrike" sz="1800" u="none" kumimoji="0" normalizeH="0">
+          <a:defRPr kumimoji="0" sz="1800" b="0" i="0" u="none" strike="noStrike" cap="none" spc="0" normalizeH="0" baseline="0">
             <a:ln>
               <a:noFill/>
             </a:ln>
@@ -10239,7 +11444,7 @@
           <a:buFontTx/>
           <a:buNone/>
           <a:tabLst/>
-          <a:defRPr b="0" baseline="0" cap="none" i="0" spc="0" strike="noStrike" sz="1800" u="none" kumimoji="0" normalizeH="0">
+          <a:defRPr kumimoji="0" sz="1800" b="0" i="0" u="none" strike="noStrike" cap="none" spc="0" normalizeH="0" baseline="0">
             <a:ln>
               <a:noFill/>
             </a:ln>
@@ -10265,7 +11470,7 @@
           <a:buFontTx/>
           <a:buNone/>
           <a:tabLst/>
-          <a:defRPr b="0" baseline="0" cap="none" i="0" spc="0" strike="noStrike" sz="1800" u="none" kumimoji="0" normalizeH="0">
+          <a:defRPr kumimoji="0" sz="1800" b="0" i="0" u="none" strike="noStrike" cap="none" spc="0" normalizeH="0" baseline="0">
             <a:ln>
               <a:noFill/>
             </a:ln>
@@ -10278,9 +11483,15 @@
         </a:lvl9pPr>
       </a:lstStyle>
       <a:style>
-        <a:lnRef idx="0"/>
-        <a:fillRef idx="0"/>
-        <a:effectRef idx="0"/>
+        <a:lnRef idx="0">
+          <a:scrgbClr r="0" g="0" b="0"/>
+        </a:lnRef>
+        <a:fillRef idx="0">
+          <a:scrgbClr r="0" g="0" b="0"/>
+        </a:fillRef>
+        <a:effectRef idx="0">
+          <a:scrgbClr r="0" g="0" b="0"/>
+        </a:effectRef>
         <a:fontRef idx="none"/>
       </a:style>
     </a:lnDef>
@@ -10293,7 +11504,7 @@
         </a:ln>
         <a:effectLst/>
       </a:spPr>
-      <a:bodyPr rot="0" spcFirstLastPara="1" vertOverflow="overflow" horzOverflow="overflow" vert="horz" wrap="square" lIns="50800" tIns="50800" rIns="50800" bIns="50800" numCol="1" spcCol="38100" rtlCol="0" anchor="ctr" upright="0">
+      <a:bodyPr rot="0" spcFirstLastPara="1" vertOverflow="overflow" horzOverflow="overflow" vert="horz" wrap="square" lIns="50800" tIns="50800" rIns="50800" bIns="50800" numCol="1" spcCol="38100" rtlCol="0" anchor="ctr">
         <a:spAutoFit/>
       </a:bodyPr>
       <a:lstStyle>
@@ -10312,7 +11523,7 @@
           <a:buFontTx/>
           <a:buNone/>
           <a:tabLst/>
-          <a:defRPr b="0" baseline="0" cap="none" i="0" spc="0" strike="noStrike" sz="2400" u="none" kumimoji="0" normalizeH="0">
+          <a:defRPr kumimoji="0" sz="2400" b="0" i="0" u="none" strike="noStrike" cap="none" spc="0" normalizeH="0" baseline="0">
             <a:ln>
               <a:noFill/>
             </a:ln>
@@ -10342,7 +11553,7 @@
           <a:buFontTx/>
           <a:buNone/>
           <a:tabLst/>
-          <a:defRPr b="0" baseline="0" cap="none" i="0" spc="0" strike="noStrike" sz="1800" u="none" kumimoji="0" normalizeH="0">
+          <a:defRPr kumimoji="0" sz="1800" b="0" i="0" u="none" strike="noStrike" cap="none" spc="0" normalizeH="0" baseline="0">
             <a:ln>
               <a:noFill/>
             </a:ln>
@@ -10368,7 +11579,7 @@
           <a:buFontTx/>
           <a:buNone/>
           <a:tabLst/>
-          <a:defRPr b="0" baseline="0" cap="none" i="0" spc="0" strike="noStrike" sz="1800" u="none" kumimoji="0" normalizeH="0">
+          <a:defRPr kumimoji="0" sz="1800" b="0" i="0" u="none" strike="noStrike" cap="none" spc="0" normalizeH="0" baseline="0">
             <a:ln>
               <a:noFill/>
             </a:ln>
@@ -10394,7 +11605,7 @@
           <a:buFontTx/>
           <a:buNone/>
           <a:tabLst/>
-          <a:defRPr b="0" baseline="0" cap="none" i="0" spc="0" strike="noStrike" sz="1800" u="none" kumimoji="0" normalizeH="0">
+          <a:defRPr kumimoji="0" sz="1800" b="0" i="0" u="none" strike="noStrike" cap="none" spc="0" normalizeH="0" baseline="0">
             <a:ln>
               <a:noFill/>
             </a:ln>
@@ -10420,7 +11631,7 @@
           <a:buFontTx/>
           <a:buNone/>
           <a:tabLst/>
-          <a:defRPr b="0" baseline="0" cap="none" i="0" spc="0" strike="noStrike" sz="1800" u="none" kumimoji="0" normalizeH="0">
+          <a:defRPr kumimoji="0" sz="1800" b="0" i="0" u="none" strike="noStrike" cap="none" spc="0" normalizeH="0" baseline="0">
             <a:ln>
               <a:noFill/>
             </a:ln>
@@ -10446,7 +11657,7 @@
           <a:buFontTx/>
           <a:buNone/>
           <a:tabLst/>
-          <a:defRPr b="0" baseline="0" cap="none" i="0" spc="0" strike="noStrike" sz="1800" u="none" kumimoji="0" normalizeH="0">
+          <a:defRPr kumimoji="0" sz="1800" b="0" i="0" u="none" strike="noStrike" cap="none" spc="0" normalizeH="0" baseline="0">
             <a:ln>
               <a:noFill/>
             </a:ln>
@@ -10472,7 +11683,7 @@
           <a:buFontTx/>
           <a:buNone/>
           <a:tabLst/>
-          <a:defRPr b="0" baseline="0" cap="none" i="0" spc="0" strike="noStrike" sz="1800" u="none" kumimoji="0" normalizeH="0">
+          <a:defRPr kumimoji="0" sz="1800" b="0" i="0" u="none" strike="noStrike" cap="none" spc="0" normalizeH="0" baseline="0">
             <a:ln>
               <a:noFill/>
             </a:ln>
@@ -10498,7 +11709,7 @@
           <a:buFontTx/>
           <a:buNone/>
           <a:tabLst/>
-          <a:defRPr b="0" baseline="0" cap="none" i="0" spc="0" strike="noStrike" sz="1800" u="none" kumimoji="0" normalizeH="0">
+          <a:defRPr kumimoji="0" sz="1800" b="0" i="0" u="none" strike="noStrike" cap="none" spc="0" normalizeH="0" baseline="0">
             <a:ln>
               <a:noFill/>
             </a:ln>
@@ -10524,7 +11735,7 @@
           <a:buFontTx/>
           <a:buNone/>
           <a:tabLst/>
-          <a:defRPr b="0" baseline="0" cap="none" i="0" spc="0" strike="noStrike" sz="1800" u="none" kumimoji="0" normalizeH="0">
+          <a:defRPr kumimoji="0" sz="1800" b="0" i="0" u="none" strike="noStrike" cap="none" spc="0" normalizeH="0" baseline="0">
             <a:ln>
               <a:noFill/>
             </a:ln>
@@ -10550,7 +11761,7 @@
           <a:buFontTx/>
           <a:buNone/>
           <a:tabLst/>
-          <a:defRPr b="0" baseline="0" cap="none" i="0" spc="0" strike="noStrike" sz="1800" u="none" kumimoji="0" normalizeH="0">
+          <a:defRPr kumimoji="0" sz="1800" b="0" i="0" u="none" strike="noStrike" cap="none" spc="0" normalizeH="0" baseline="0">
             <a:ln>
               <a:noFill/>
             </a:ln>
@@ -10563,12 +11774,19 @@
         </a:lvl9pPr>
       </a:lstStyle>
       <a:style>
-        <a:lnRef idx="0"/>
-        <a:fillRef idx="0"/>
-        <a:effectRef idx="0"/>
+        <a:lnRef idx="0">
+          <a:scrgbClr r="0" g="0" b="0"/>
+        </a:lnRef>
+        <a:fillRef idx="0">
+          <a:scrgbClr r="0" g="0" b="0"/>
+        </a:fillRef>
+        <a:effectRef idx="0">
+          <a:scrgbClr r="0" g="0" b="0"/>
+        </a:effectRef>
         <a:fontRef idx="none"/>
       </a:style>
     </a:txDef>
   </a:objectDefaults>
+  <a:extraClrSchemeLst/>
 </a:theme>
 </file>